--- a/ModelingGame/Summary of Approach to Modeling Game.pptx
+++ b/ModelingGame/Summary of Approach to Modeling Game.pptx
@@ -5,10 +5,10 @@
     <p:sldMasterId id="2147483648" r:id="rId1"/>
   </p:sldMasterIdLst>
   <p:notesMasterIdLst>
-    <p:notesMasterId r:id="rId9"/>
+    <p:notesMasterId r:id="rId10"/>
   </p:notesMasterIdLst>
   <p:handoutMasterIdLst>
-    <p:handoutMasterId r:id="rId10"/>
+    <p:handoutMasterId r:id="rId11"/>
   </p:handoutMasterIdLst>
   <p:sldIdLst>
     <p:sldId id="347" r:id="rId2"/>
@@ -18,6 +18,7 @@
     <p:sldId id="373" r:id="rId6"/>
     <p:sldId id="374" r:id="rId7"/>
     <p:sldId id="375" r:id="rId8"/>
+    <p:sldId id="377" r:id="rId9"/>
   </p:sldIdLst>
   <p:sldSz cx="9144000" cy="6858000" type="screen4x3"/>
   <p:notesSz cx="6858000" cy="9144000"/>
@@ -158,6 +159,7 @@
             <p14:sldId id="373"/>
             <p14:sldId id="374"/>
             <p14:sldId id="375"/>
+            <p14:sldId id="377"/>
           </p14:sldIdLst>
         </p14:section>
       </p14:sectionLst>
@@ -5618,7 +5620,7 @@
           <a:p>
             <a:r>
               <a:rPr lang="en-US" dirty="0"/>
-              <a:t>Objective</a:t>
+              <a:t>Problem Statement</a:t>
             </a:r>
           </a:p>
         </p:txBody>
@@ -5646,7 +5648,34 @@
           <a:p>
             <a:r>
               <a:rPr lang="en-US" dirty="0"/>
-              <a:t>Discover the GRN only using wild type mRNA (or protein) data</a:t>
+              <a:t>Discover the modeling game GRN using </a:t>
+            </a:r>
+          </a:p>
+          <a:p>
+            <a:pPr lvl="1"/>
+            <a:r>
+              <a:rPr lang="en-US" dirty="0"/>
+              <a:t>wild type mRNA data (protein data or no knockouts)</a:t>
+            </a:r>
+          </a:p>
+          <a:p>
+            <a:pPr lvl="1"/>
+            <a:r>
+              <a:rPr lang="en-US" dirty="0"/>
+              <a:t>laptop (no supercomputer)</a:t>
+            </a:r>
+          </a:p>
+          <a:p>
+            <a:r>
+              <a:rPr lang="en-US" dirty="0"/>
+              <a:t>Dual problem</a:t>
+            </a:r>
+          </a:p>
+          <a:p>
+            <a:pPr lvl="1"/>
+            <a:r>
+              <a:rPr lang="en-US" dirty="0"/>
+              <a:t>Use protein data instead of mRNA</a:t>
             </a:r>
           </a:p>
         </p:txBody>
@@ -5696,6 +5725,116 @@
   <p:clrMapOvr>
     <a:masterClrMapping/>
   </p:clrMapOvr>
+  <p:timing>
+    <p:tnLst>
+      <p:par>
+        <p:cTn id="1" dur="indefinite" restart="never" nodeType="tmRoot">
+          <p:childTnLst>
+            <p:seq concurrent="1" nextAc="seek">
+              <p:cTn id="2" dur="indefinite" nodeType="mainSeq">
+                <p:childTnLst>
+                  <p:par>
+                    <p:cTn id="3" fill="hold">
+                      <p:stCondLst>
+                        <p:cond delay="indefinite"/>
+                      </p:stCondLst>
+                      <p:childTnLst>
+                        <p:par>
+                          <p:cTn id="4" fill="hold">
+                            <p:stCondLst>
+                              <p:cond delay="0"/>
+                            </p:stCondLst>
+                            <p:childTnLst>
+                              <p:par>
+                                <p:cTn id="5" presetID="1" presetClass="entr" presetSubtype="0" fill="hold" nodeType="clickEffect">
+                                  <p:stCondLst>
+                                    <p:cond delay="0"/>
+                                  </p:stCondLst>
+                                  <p:childTnLst>
+                                    <p:set>
+                                      <p:cBhvr>
+                                        <p:cTn id="6" dur="1" fill="hold">
+                                          <p:stCondLst>
+                                            <p:cond delay="0"/>
+                                          </p:stCondLst>
+                                        </p:cTn>
+                                        <p:tgtEl>
+                                          <p:spTgt spid="3">
+                                            <p:txEl>
+                                              <p:pRg st="3" end="3"/>
+                                            </p:txEl>
+                                          </p:spTgt>
+                                        </p:tgtEl>
+                                        <p:attrNameLst>
+                                          <p:attrName>style.visibility</p:attrName>
+                                        </p:attrNameLst>
+                                      </p:cBhvr>
+                                      <p:to>
+                                        <p:strVal val="visible"/>
+                                      </p:to>
+                                    </p:set>
+                                  </p:childTnLst>
+                                </p:cTn>
+                              </p:par>
+                              <p:par>
+                                <p:cTn id="7" presetID="1" presetClass="entr" presetSubtype="0" fill="hold" nodeType="withEffect">
+                                  <p:stCondLst>
+                                    <p:cond delay="0"/>
+                                  </p:stCondLst>
+                                  <p:childTnLst>
+                                    <p:set>
+                                      <p:cBhvr>
+                                        <p:cTn id="8" dur="1" fill="hold">
+                                          <p:stCondLst>
+                                            <p:cond delay="0"/>
+                                          </p:stCondLst>
+                                        </p:cTn>
+                                        <p:tgtEl>
+                                          <p:spTgt spid="3">
+                                            <p:txEl>
+                                              <p:pRg st="4" end="4"/>
+                                            </p:txEl>
+                                          </p:spTgt>
+                                        </p:tgtEl>
+                                        <p:attrNameLst>
+                                          <p:attrName>style.visibility</p:attrName>
+                                        </p:attrNameLst>
+                                      </p:cBhvr>
+                                      <p:to>
+                                        <p:strVal val="visible"/>
+                                      </p:to>
+                                    </p:set>
+                                  </p:childTnLst>
+                                </p:cTn>
+                              </p:par>
+                            </p:childTnLst>
+                          </p:cTn>
+                        </p:par>
+                      </p:childTnLst>
+                    </p:cTn>
+                  </p:par>
+                </p:childTnLst>
+              </p:cTn>
+              <p:prevCondLst>
+                <p:cond evt="onPrev" delay="0">
+                  <p:tgtEl>
+                    <p:sldTgt/>
+                  </p:tgtEl>
+                </p:cond>
+              </p:prevCondLst>
+              <p:nextCondLst>
+                <p:cond evt="onNext" delay="0">
+                  <p:tgtEl>
+                    <p:sldTgt/>
+                  </p:tgtEl>
+                </p:cond>
+              </p:nextCondLst>
+            </p:seq>
+          </p:childTnLst>
+        </p:cTn>
+      </p:par>
+    </p:tnLst>
+  </p:timing>
 </p:sld>
 </file>
 
@@ -5937,7 +6076,7 @@
           <a:p>
             <a:r>
               <a:rPr lang="en-US" dirty="0"/>
-              <a:t>Strategies</a:t>
+              <a:t>Techniques</a:t>
             </a:r>
           </a:p>
         </p:txBody>
@@ -6114,8 +6253,8 @@
         </p:nvSpPr>
         <p:spPr>
           <a:xfrm>
-            <a:off x="457200" y="1371599"/>
-            <a:ext cx="6553200" cy="4572001"/>
+            <a:off x="228601" y="1066800"/>
+            <a:ext cx="6781800" cy="4572001"/>
           </a:xfrm>
         </p:spPr>
         <p:txBody>
@@ -6123,55 +6262,43 @@
           <a:lstStyle/>
           <a:p>
             <a:r>
-              <a:rPr lang="en-US" dirty="0"/>
-              <a:t>Decoupling the genes means decoupling their kinetics equations</a:t>
+              <a:rPr lang="en-US" sz="2400" dirty="0"/>
+              <a:t>Estimate protein concentrations from mRNA</a:t>
             </a:r>
           </a:p>
           <a:p>
             <a:pPr lvl="1"/>
             <a:r>
-              <a:rPr lang="en-US" dirty="0"/>
+              <a:rPr lang="en-US" sz="2000" dirty="0"/>
+              <a:t>numerical integration of the protein kinetics equations</a:t>
+            </a:r>
+          </a:p>
+          <a:p>
+            <a:r>
+              <a:rPr lang="en-US" sz="2400" dirty="0"/>
+              <a:t>Decouple gene kinetics by using estimated values of protein concentrations</a:t>
+            </a:r>
+          </a:p>
+          <a:p>
+            <a:pPr lvl="1"/>
+            <a:r>
+              <a:rPr lang="en-US" sz="2000" dirty="0"/>
               <a:t>Reduces the combinatorics to 17*9 network evaluations from 17</a:t>
             </a:r>
             <a:r>
-              <a:rPr lang="en-US" baseline="30000" dirty="0"/>
+              <a:rPr lang="en-US" sz="2000" baseline="30000" dirty="0"/>
               <a:t>9</a:t>
             </a:r>
             <a:r>
-              <a:rPr lang="en-US" dirty="0"/>
+              <a:rPr lang="en-US" sz="2000" dirty="0"/>
               <a:t> network evaluations.</a:t>
             </a:r>
           </a:p>
           <a:p>
             <a:pPr lvl="2"/>
             <a:r>
-              <a:rPr lang="en-US" dirty="0"/>
-              <a:t>Still need qualitative approach since this is too much to “brute force” on </a:t>
-            </a:r>
-            <a:r>
-              <a:rPr lang="en-US"/>
-              <a:t>a laptop.</a:t>
-            </a:r>
-            <a:endParaRPr lang="en-US" dirty="0"/>
-          </a:p>
-          <a:p>
-            <a:r>
-              <a:rPr lang="en-US" dirty="0"/>
-              <a:t>Decouple by using observations of protein instead of simulated values.</a:t>
-            </a:r>
-          </a:p>
-          <a:p>
-            <a:pPr lvl="1"/>
-            <a:r>
-              <a:rPr lang="en-US" dirty="0"/>
-              <a:t>Challenge: I’m using mRNA, not protein</a:t>
-            </a:r>
-          </a:p>
-          <a:p>
-            <a:pPr lvl="1"/>
-            <a:r>
-              <a:rPr lang="en-US" dirty="0"/>
-              <a:t>Solution: Estimate proteins from mRNA using numerical integration of the kinetics equations</a:t>
+              <a:rPr lang="en-US" sz="1800" dirty="0"/>
+              <a:t>Still need qualitative approach since this is too much to “brute force” on a laptop.</a:t>
             </a:r>
           </a:p>
         </p:txBody>
@@ -6251,6 +6378,147 @@
   <p:clrMapOvr>
     <a:masterClrMapping/>
   </p:clrMapOvr>
+  <p:timing>
+    <p:tnLst>
+      <p:par>
+        <p:cTn id="1" dur="indefinite" restart="never" nodeType="tmRoot">
+          <p:childTnLst>
+            <p:seq concurrent="1" nextAc="seek">
+              <p:cTn id="2" dur="indefinite" nodeType="mainSeq">
+                <p:childTnLst>
+                  <p:par>
+                    <p:cTn id="3" fill="hold">
+                      <p:stCondLst>
+                        <p:cond delay="indefinite"/>
+                      </p:stCondLst>
+                      <p:childTnLst>
+                        <p:par>
+                          <p:cTn id="4" fill="hold">
+                            <p:stCondLst>
+                              <p:cond delay="0"/>
+                            </p:stCondLst>
+                            <p:childTnLst>
+                              <p:par>
+                                <p:cTn id="5" presetID="1" presetClass="entr" presetSubtype="0" fill="hold" nodeType="clickEffect">
+                                  <p:stCondLst>
+                                    <p:cond delay="0"/>
+                                  </p:stCondLst>
+                                  <p:childTnLst>
+                                    <p:set>
+                                      <p:cBhvr>
+                                        <p:cTn id="6" dur="1" fill="hold">
+                                          <p:stCondLst>
+                                            <p:cond delay="0"/>
+                                          </p:stCondLst>
+                                        </p:cTn>
+                                        <p:tgtEl>
+                                          <p:spTgt spid="3">
+                                            <p:txEl>
+                                              <p:pRg st="2" end="2"/>
+                                            </p:txEl>
+                                          </p:spTgt>
+                                        </p:tgtEl>
+                                        <p:attrNameLst>
+                                          <p:attrName>style.visibility</p:attrName>
+                                        </p:attrNameLst>
+                                      </p:cBhvr>
+                                      <p:to>
+                                        <p:strVal val="visible"/>
+                                      </p:to>
+                                    </p:set>
+                                  </p:childTnLst>
+                                </p:cTn>
+                              </p:par>
+                              <p:par>
+                                <p:cTn id="7" presetID="1" presetClass="entr" presetSubtype="0" fill="hold" nodeType="withEffect">
+                                  <p:stCondLst>
+                                    <p:cond delay="0"/>
+                                  </p:stCondLst>
+                                  <p:childTnLst>
+                                    <p:set>
+                                      <p:cBhvr>
+                                        <p:cTn id="8" dur="1" fill="hold">
+                                          <p:stCondLst>
+                                            <p:cond delay="0"/>
+                                          </p:stCondLst>
+                                        </p:cTn>
+                                        <p:tgtEl>
+                                          <p:spTgt spid="3">
+                                            <p:txEl>
+                                              <p:pRg st="3" end="3"/>
+                                            </p:txEl>
+                                          </p:spTgt>
+                                        </p:tgtEl>
+                                        <p:attrNameLst>
+                                          <p:attrName>style.visibility</p:attrName>
+                                        </p:attrNameLst>
+                                      </p:cBhvr>
+                                      <p:to>
+                                        <p:strVal val="visible"/>
+                                      </p:to>
+                                    </p:set>
+                                  </p:childTnLst>
+                                </p:cTn>
+                              </p:par>
+                              <p:par>
+                                <p:cTn id="9" presetID="1" presetClass="entr" presetSubtype="0" fill="hold" nodeType="withEffect">
+                                  <p:stCondLst>
+                                    <p:cond delay="0"/>
+                                  </p:stCondLst>
+                                  <p:childTnLst>
+                                    <p:set>
+                                      <p:cBhvr>
+                                        <p:cTn id="10" dur="1" fill="hold">
+                                          <p:stCondLst>
+                                            <p:cond delay="0"/>
+                                          </p:stCondLst>
+                                        </p:cTn>
+                                        <p:tgtEl>
+                                          <p:spTgt spid="3">
+                                            <p:txEl>
+                                              <p:pRg st="4" end="4"/>
+                                            </p:txEl>
+                                          </p:spTgt>
+                                        </p:tgtEl>
+                                        <p:attrNameLst>
+                                          <p:attrName>style.visibility</p:attrName>
+                                        </p:attrNameLst>
+                                      </p:cBhvr>
+                                      <p:to>
+                                        <p:strVal val="visible"/>
+                                      </p:to>
+                                    </p:set>
+                                  </p:childTnLst>
+                                </p:cTn>
+                              </p:par>
+                            </p:childTnLst>
+                          </p:cTn>
+                        </p:par>
+                      </p:childTnLst>
+                    </p:cTn>
+                  </p:par>
+                </p:childTnLst>
+              </p:cTn>
+              <p:prevCondLst>
+                <p:cond evt="onPrev" delay="0">
+                  <p:tgtEl>
+                    <p:sldTgt/>
+                  </p:tgtEl>
+                </p:cond>
+              </p:prevCondLst>
+              <p:nextCondLst>
+                <p:cond evt="onNext" delay="0">
+                  <p:tgtEl>
+                    <p:sldTgt/>
+                  </p:tgtEl>
+                </p:cond>
+              </p:nextCondLst>
+            </p:seq>
+          </p:childTnLst>
+        </p:cTn>
+      </p:par>
+    </p:tnLst>
+  </p:timing>
 </p:sld>
 </file>
 
@@ -6399,6 +6667,856 @@
     <p:extLst>
       <p:ext uri="{BB962C8B-B14F-4D97-AF65-F5344CB8AC3E}">
         <p14:creationId xmlns:p14="http://schemas.microsoft.com/office/powerpoint/2010/main" val="2737457262"/>
+      </p:ext>
+    </p:extLst>
+  </p:cSld>
+  <p:clrMapOvr>
+    <a:masterClrMapping/>
+  </p:clrMapOvr>
+</p:sld>
+</file>
+
+<file path=ppt/slides/slide8.xml><?xml version="1.0" encoding="utf-8"?>
+<p:sld xmlns:a="http://schemas.openxmlformats.org/drawingml/2006/main" xmlns:r="http://schemas.openxmlformats.org/officeDocument/2006/relationships" xmlns:p="http://schemas.openxmlformats.org/presentationml/2006/main">
+  <p:cSld>
+    <p:spTree>
+      <p:nvGrpSpPr>
+        <p:cNvPr id="1" name=""/>
+        <p:cNvGrpSpPr/>
+        <p:nvPr/>
+      </p:nvGrpSpPr>
+      <p:grpSpPr>
+        <a:xfrm>
+          <a:off x="0" y="0"/>
+          <a:ext cx="0" cy="0"/>
+          <a:chOff x="0" y="0"/>
+          <a:chExt cx="0" cy="0"/>
+        </a:xfrm>
+      </p:grpSpPr>
+      <p:sp>
+        <p:nvSpPr>
+          <p:cNvPr id="2" name="Slide Number Placeholder 1">
+            <a:extLst>
+              <a:ext uri="{FF2B5EF4-FFF2-40B4-BE49-F238E27FC236}">
+                <a16:creationId xmlns:a16="http://schemas.microsoft.com/office/drawing/2014/main" id="{455C95B7-4A49-6B4A-B572-5EB0001EAC20}"/>
+              </a:ext>
+            </a:extLst>
+          </p:cNvPr>
+          <p:cNvSpPr>
+            <a:spLocks noGrp="1"/>
+          </p:cNvSpPr>
+          <p:nvPr>
+            <p:ph type="sldNum" sz="quarter" idx="11"/>
+          </p:nvPr>
+        </p:nvSpPr>
+        <p:spPr/>
+        <p:txBody>
+          <a:bodyPr/>
+          <a:lstStyle/>
+          <a:p>
+            <a:pPr>
+              <a:defRPr/>
+            </a:pPr>
+            <a:fld id="{21F96DF4-0A1C-4FFD-A010-55DAD04D9A67}" type="slidenum">
+              <a:rPr lang="en-US" altLang="x-none" smtClean="0"/>
+              <a:pPr>
+                <a:defRPr/>
+              </a:pPr>
+              <a:t>8</a:t>
+            </a:fld>
+            <a:endParaRPr lang="en-US" altLang="x-none"/>
+          </a:p>
+        </p:txBody>
+      </p:sp>
+      <p:pic>
+        <p:nvPicPr>
+          <p:cNvPr id="3" name="Picture 2">
+            <a:extLst>
+              <a:ext uri="{FF2B5EF4-FFF2-40B4-BE49-F238E27FC236}">
+                <a16:creationId xmlns:a16="http://schemas.microsoft.com/office/drawing/2014/main" id="{3E64EDCE-973C-F34C-9B8D-0B2409C56374}"/>
+              </a:ext>
+            </a:extLst>
+          </p:cNvPr>
+          <p:cNvPicPr>
+            <a:picLocks noChangeAspect="1"/>
+          </p:cNvPicPr>
+          <p:nvPr/>
+        </p:nvPicPr>
+        <p:blipFill>
+          <a:blip r:embed="rId2"/>
+          <a:stretch>
+            <a:fillRect/>
+          </a:stretch>
+        </p:blipFill>
+        <p:spPr>
+          <a:xfrm>
+            <a:off x="381000" y="838200"/>
+            <a:ext cx="2451100" cy="1765300"/>
+          </a:xfrm>
+          <a:prstGeom prst="rect">
+            <a:avLst/>
+          </a:prstGeom>
+        </p:spPr>
+      </p:pic>
+      <p:pic>
+        <p:nvPicPr>
+          <p:cNvPr id="4" name="Picture 3">
+            <a:extLst>
+              <a:ext uri="{FF2B5EF4-FFF2-40B4-BE49-F238E27FC236}">
+                <a16:creationId xmlns:a16="http://schemas.microsoft.com/office/drawing/2014/main" id="{CE54C996-9D0E-5E4F-BE31-4AE5E16FE890}"/>
+              </a:ext>
+            </a:extLst>
+          </p:cNvPr>
+          <p:cNvPicPr>
+            <a:picLocks noChangeAspect="1"/>
+          </p:cNvPicPr>
+          <p:nvPr/>
+        </p:nvPicPr>
+        <p:blipFill>
+          <a:blip r:embed="rId3"/>
+          <a:stretch>
+            <a:fillRect/>
+          </a:stretch>
+        </p:blipFill>
+        <p:spPr>
+          <a:xfrm>
+            <a:off x="3200400" y="838200"/>
+            <a:ext cx="2451100" cy="1765300"/>
+          </a:xfrm>
+          <a:prstGeom prst="rect">
+            <a:avLst/>
+          </a:prstGeom>
+        </p:spPr>
+      </p:pic>
+      <p:pic>
+        <p:nvPicPr>
+          <p:cNvPr id="5" name="Picture 4">
+            <a:extLst>
+              <a:ext uri="{FF2B5EF4-FFF2-40B4-BE49-F238E27FC236}">
+                <a16:creationId xmlns:a16="http://schemas.microsoft.com/office/drawing/2014/main" id="{6B273A57-92A1-EA43-AEDF-5F0976580E80}"/>
+              </a:ext>
+            </a:extLst>
+          </p:cNvPr>
+          <p:cNvPicPr>
+            <a:picLocks noChangeAspect="1"/>
+          </p:cNvPicPr>
+          <p:nvPr/>
+        </p:nvPicPr>
+        <p:blipFill>
+          <a:blip r:embed="rId4"/>
+          <a:stretch>
+            <a:fillRect/>
+          </a:stretch>
+        </p:blipFill>
+        <p:spPr>
+          <a:xfrm>
+            <a:off x="5867400" y="990600"/>
+            <a:ext cx="2451100" cy="1765300"/>
+          </a:xfrm>
+          <a:prstGeom prst="rect">
+            <a:avLst/>
+          </a:prstGeom>
+        </p:spPr>
+      </p:pic>
+      <p:pic>
+        <p:nvPicPr>
+          <p:cNvPr id="6" name="Picture 5">
+            <a:extLst>
+              <a:ext uri="{FF2B5EF4-FFF2-40B4-BE49-F238E27FC236}">
+                <a16:creationId xmlns:a16="http://schemas.microsoft.com/office/drawing/2014/main" id="{4ED5283C-C7D5-3949-816F-0B86F96C8716}"/>
+              </a:ext>
+            </a:extLst>
+          </p:cNvPr>
+          <p:cNvPicPr>
+            <a:picLocks noChangeAspect="1"/>
+          </p:cNvPicPr>
+          <p:nvPr/>
+        </p:nvPicPr>
+        <p:blipFill>
+          <a:blip r:embed="rId5"/>
+          <a:stretch>
+            <a:fillRect/>
+          </a:stretch>
+        </p:blipFill>
+        <p:spPr>
+          <a:xfrm>
+            <a:off x="457200" y="2895600"/>
+            <a:ext cx="2451100" cy="1765300"/>
+          </a:xfrm>
+          <a:prstGeom prst="rect">
+            <a:avLst/>
+          </a:prstGeom>
+        </p:spPr>
+      </p:pic>
+      <p:pic>
+        <p:nvPicPr>
+          <p:cNvPr id="7" name="Picture 6">
+            <a:extLst>
+              <a:ext uri="{FF2B5EF4-FFF2-40B4-BE49-F238E27FC236}">
+                <a16:creationId xmlns:a16="http://schemas.microsoft.com/office/drawing/2014/main" id="{B78DADB5-D17B-8E48-9C6C-9D9F7D08491C}"/>
+              </a:ext>
+            </a:extLst>
+          </p:cNvPr>
+          <p:cNvPicPr>
+            <a:picLocks noChangeAspect="1"/>
+          </p:cNvPicPr>
+          <p:nvPr/>
+        </p:nvPicPr>
+        <p:blipFill>
+          <a:blip r:embed="rId6"/>
+          <a:stretch>
+            <a:fillRect/>
+          </a:stretch>
+        </p:blipFill>
+        <p:spPr>
+          <a:xfrm>
+            <a:off x="3346450" y="2895600"/>
+            <a:ext cx="2451100" cy="1765300"/>
+          </a:xfrm>
+          <a:prstGeom prst="rect">
+            <a:avLst/>
+          </a:prstGeom>
+        </p:spPr>
+      </p:pic>
+      <p:pic>
+        <p:nvPicPr>
+          <p:cNvPr id="8" name="Picture 7">
+            <a:extLst>
+              <a:ext uri="{FF2B5EF4-FFF2-40B4-BE49-F238E27FC236}">
+                <a16:creationId xmlns:a16="http://schemas.microsoft.com/office/drawing/2014/main" id="{39B56F2D-DD67-6B43-BC25-E7DFF6CA382E}"/>
+              </a:ext>
+            </a:extLst>
+          </p:cNvPr>
+          <p:cNvPicPr>
+            <a:picLocks noChangeAspect="1"/>
+          </p:cNvPicPr>
+          <p:nvPr/>
+        </p:nvPicPr>
+        <p:blipFill>
+          <a:blip r:embed="rId7"/>
+          <a:stretch>
+            <a:fillRect/>
+          </a:stretch>
+        </p:blipFill>
+        <p:spPr>
+          <a:xfrm>
+            <a:off x="6096000" y="2895600"/>
+            <a:ext cx="2451100" cy="1765300"/>
+          </a:xfrm>
+          <a:prstGeom prst="rect">
+            <a:avLst/>
+          </a:prstGeom>
+        </p:spPr>
+      </p:pic>
+      <p:pic>
+        <p:nvPicPr>
+          <p:cNvPr id="9" name="Picture 8">
+            <a:extLst>
+              <a:ext uri="{FF2B5EF4-FFF2-40B4-BE49-F238E27FC236}">
+                <a16:creationId xmlns:a16="http://schemas.microsoft.com/office/drawing/2014/main" id="{B1439A53-0832-D74F-8F2E-5C804627E095}"/>
+              </a:ext>
+            </a:extLst>
+          </p:cNvPr>
+          <p:cNvPicPr>
+            <a:picLocks noChangeAspect="1"/>
+          </p:cNvPicPr>
+          <p:nvPr/>
+        </p:nvPicPr>
+        <p:blipFill>
+          <a:blip r:embed="rId8"/>
+          <a:stretch>
+            <a:fillRect/>
+          </a:stretch>
+        </p:blipFill>
+        <p:spPr>
+          <a:xfrm>
+            <a:off x="1295400" y="4704277"/>
+            <a:ext cx="2451100" cy="1765300"/>
+          </a:xfrm>
+          <a:prstGeom prst="rect">
+            <a:avLst/>
+          </a:prstGeom>
+        </p:spPr>
+      </p:pic>
+      <p:pic>
+        <p:nvPicPr>
+          <p:cNvPr id="10" name="Picture 9">
+            <a:extLst>
+              <a:ext uri="{FF2B5EF4-FFF2-40B4-BE49-F238E27FC236}">
+                <a16:creationId xmlns:a16="http://schemas.microsoft.com/office/drawing/2014/main" id="{065C7018-A9ED-CD46-A91C-C5109B50CFE4}"/>
+              </a:ext>
+            </a:extLst>
+          </p:cNvPr>
+          <p:cNvPicPr>
+            <a:picLocks noChangeAspect="1"/>
+          </p:cNvPicPr>
+          <p:nvPr/>
+        </p:nvPicPr>
+        <p:blipFill>
+          <a:blip r:embed="rId9"/>
+          <a:stretch>
+            <a:fillRect/>
+          </a:stretch>
+        </p:blipFill>
+        <p:spPr>
+          <a:xfrm>
+            <a:off x="4171952" y="4704277"/>
+            <a:ext cx="2451100" cy="1765300"/>
+          </a:xfrm>
+          <a:prstGeom prst="rect">
+            <a:avLst/>
+          </a:prstGeom>
+        </p:spPr>
+      </p:pic>
+      <p:sp>
+        <p:nvSpPr>
+          <p:cNvPr id="11" name="TextBox 10">
+            <a:extLst>
+              <a:ext uri="{FF2B5EF4-FFF2-40B4-BE49-F238E27FC236}">
+                <a16:creationId xmlns:a16="http://schemas.microsoft.com/office/drawing/2014/main" id="{F43124CE-6F63-8748-A234-7D1544C4ABE5}"/>
+              </a:ext>
+            </a:extLst>
+          </p:cNvPr>
+          <p:cNvSpPr txBox="1"/>
+          <p:nvPr/>
+        </p:nvSpPr>
+        <p:spPr>
+          <a:xfrm>
+            <a:off x="1295400" y="1214735"/>
+            <a:ext cx="356188" cy="461665"/>
+          </a:xfrm>
+          <a:prstGeom prst="rect">
+            <a:avLst/>
+          </a:prstGeom>
+          <a:noFill/>
+        </p:spPr>
+        <p:txBody>
+          <a:bodyPr wrap="none" rtlCol="0">
+            <a:spAutoFit/>
+          </a:bodyPr>
+          <a:lstStyle/>
+          <a:p>
+            <a:r>
+              <a:rPr lang="en-US" sz="2400" dirty="0"/>
+              <a:t>1</a:t>
+            </a:r>
+          </a:p>
+        </p:txBody>
+      </p:sp>
+      <p:sp>
+        <p:nvSpPr>
+          <p:cNvPr id="12" name="TextBox 11">
+            <a:extLst>
+              <a:ext uri="{FF2B5EF4-FFF2-40B4-BE49-F238E27FC236}">
+                <a16:creationId xmlns:a16="http://schemas.microsoft.com/office/drawing/2014/main" id="{B64B1FEE-7178-DF40-A17E-82EF2F32E5E6}"/>
+              </a:ext>
+            </a:extLst>
+          </p:cNvPr>
+          <p:cNvSpPr txBox="1"/>
+          <p:nvPr/>
+        </p:nvSpPr>
+        <p:spPr>
+          <a:xfrm>
+            <a:off x="4247856" y="1290935"/>
+            <a:ext cx="356188" cy="461665"/>
+          </a:xfrm>
+          <a:prstGeom prst="rect">
+            <a:avLst/>
+          </a:prstGeom>
+          <a:noFill/>
+        </p:spPr>
+        <p:txBody>
+          <a:bodyPr wrap="none" rtlCol="0">
+            <a:spAutoFit/>
+          </a:bodyPr>
+          <a:lstStyle/>
+          <a:p>
+            <a:r>
+              <a:rPr lang="en-US" sz="2400" dirty="0"/>
+              <a:t>2</a:t>
+            </a:r>
+          </a:p>
+        </p:txBody>
+      </p:sp>
+      <p:sp>
+        <p:nvSpPr>
+          <p:cNvPr id="13" name="Rectangle 12">
+            <a:extLst>
+              <a:ext uri="{FF2B5EF4-FFF2-40B4-BE49-F238E27FC236}">
+                <a16:creationId xmlns:a16="http://schemas.microsoft.com/office/drawing/2014/main" id="{0104A6E9-587A-2243-AB2C-4CAB3E0FF807}"/>
+              </a:ext>
+            </a:extLst>
+          </p:cNvPr>
+          <p:cNvSpPr/>
+          <p:nvPr/>
+        </p:nvSpPr>
+        <p:spPr>
+          <a:xfrm>
+            <a:off x="1078336" y="770406"/>
+            <a:ext cx="1055263" cy="220193"/>
+          </a:xfrm>
+          <a:prstGeom prst="rect">
+            <a:avLst/>
+          </a:prstGeom>
+          <a:solidFill>
+            <a:schemeClr val="bg1"/>
+          </a:solidFill>
+          <a:ln>
+            <a:noFill/>
+          </a:ln>
+          <a:effectLst>
+            <a:outerShdw dist="23000" sx="1000" sy="1000" rotWithShape="0">
+              <a:srgbClr val="000000"/>
+            </a:outerShdw>
+          </a:effectLst>
+        </p:spPr>
+        <p:style>
+          <a:lnRef idx="1">
+            <a:schemeClr val="accent1"/>
+          </a:lnRef>
+          <a:fillRef idx="3">
+            <a:schemeClr val="accent1"/>
+          </a:fillRef>
+          <a:effectRef idx="2">
+            <a:schemeClr val="accent1"/>
+          </a:effectRef>
+          <a:fontRef idx="minor">
+            <a:schemeClr val="lt1"/>
+          </a:fontRef>
+        </p:style>
+        <p:txBody>
+          <a:bodyPr rtlCol="0" anchor="ctr"/>
+          <a:lstStyle/>
+          <a:p>
+            <a:pPr algn="ctr"/>
+            <a:endParaRPr lang="en-US"/>
+          </a:p>
+        </p:txBody>
+      </p:sp>
+      <p:sp>
+        <p:nvSpPr>
+          <p:cNvPr id="14" name="Rectangle 13">
+            <a:extLst>
+              <a:ext uri="{FF2B5EF4-FFF2-40B4-BE49-F238E27FC236}">
+                <a16:creationId xmlns:a16="http://schemas.microsoft.com/office/drawing/2014/main" id="{9996613D-2FD9-FA4C-AB5F-8B224A32477A}"/>
+              </a:ext>
+            </a:extLst>
+          </p:cNvPr>
+          <p:cNvSpPr/>
+          <p:nvPr/>
+        </p:nvSpPr>
+        <p:spPr>
+          <a:xfrm>
+            <a:off x="3897737" y="762000"/>
+            <a:ext cx="1055263" cy="220193"/>
+          </a:xfrm>
+          <a:prstGeom prst="rect">
+            <a:avLst/>
+          </a:prstGeom>
+          <a:solidFill>
+            <a:schemeClr val="bg1"/>
+          </a:solidFill>
+          <a:ln>
+            <a:noFill/>
+          </a:ln>
+          <a:effectLst>
+            <a:outerShdw dist="23000" sx="1000" sy="1000" rotWithShape="0">
+              <a:srgbClr val="000000"/>
+            </a:outerShdw>
+          </a:effectLst>
+        </p:spPr>
+        <p:style>
+          <a:lnRef idx="1">
+            <a:schemeClr val="accent1"/>
+          </a:lnRef>
+          <a:fillRef idx="3">
+            <a:schemeClr val="accent1"/>
+          </a:fillRef>
+          <a:effectRef idx="2">
+            <a:schemeClr val="accent1"/>
+          </a:effectRef>
+          <a:fontRef idx="minor">
+            <a:schemeClr val="lt1"/>
+          </a:fontRef>
+        </p:style>
+        <p:txBody>
+          <a:bodyPr rtlCol="0" anchor="ctr"/>
+          <a:lstStyle/>
+          <a:p>
+            <a:pPr algn="ctr"/>
+            <a:endParaRPr lang="en-US"/>
+          </a:p>
+        </p:txBody>
+      </p:sp>
+      <p:sp>
+        <p:nvSpPr>
+          <p:cNvPr id="15" name="Rectangle 14">
+            <a:extLst>
+              <a:ext uri="{FF2B5EF4-FFF2-40B4-BE49-F238E27FC236}">
+                <a16:creationId xmlns:a16="http://schemas.microsoft.com/office/drawing/2014/main" id="{0356E26F-C4FA-2747-B43A-097ED169FF77}"/>
+              </a:ext>
+            </a:extLst>
+          </p:cNvPr>
+          <p:cNvSpPr/>
+          <p:nvPr/>
+        </p:nvSpPr>
+        <p:spPr>
+          <a:xfrm>
+            <a:off x="6640937" y="922807"/>
+            <a:ext cx="1055263" cy="220193"/>
+          </a:xfrm>
+          <a:prstGeom prst="rect">
+            <a:avLst/>
+          </a:prstGeom>
+          <a:solidFill>
+            <a:schemeClr val="bg1"/>
+          </a:solidFill>
+          <a:ln>
+            <a:noFill/>
+          </a:ln>
+          <a:effectLst>
+            <a:outerShdw dist="23000" sx="1000" sy="1000" rotWithShape="0">
+              <a:srgbClr val="000000"/>
+            </a:outerShdw>
+          </a:effectLst>
+        </p:spPr>
+        <p:style>
+          <a:lnRef idx="1">
+            <a:schemeClr val="accent1"/>
+          </a:lnRef>
+          <a:fillRef idx="3">
+            <a:schemeClr val="accent1"/>
+          </a:fillRef>
+          <a:effectRef idx="2">
+            <a:schemeClr val="accent1"/>
+          </a:effectRef>
+          <a:fontRef idx="minor">
+            <a:schemeClr val="lt1"/>
+          </a:fontRef>
+        </p:style>
+        <p:txBody>
+          <a:bodyPr rtlCol="0" anchor="ctr"/>
+          <a:lstStyle/>
+          <a:p>
+            <a:pPr algn="ctr"/>
+            <a:endParaRPr lang="en-US"/>
+          </a:p>
+        </p:txBody>
+      </p:sp>
+      <p:sp>
+        <p:nvSpPr>
+          <p:cNvPr id="16" name="Rectangle 15">
+            <a:extLst>
+              <a:ext uri="{FF2B5EF4-FFF2-40B4-BE49-F238E27FC236}">
+                <a16:creationId xmlns:a16="http://schemas.microsoft.com/office/drawing/2014/main" id="{CB34995F-08D8-E748-B8E8-49394B8D32B9}"/>
+              </a:ext>
+            </a:extLst>
+          </p:cNvPr>
+          <p:cNvSpPr/>
+          <p:nvPr/>
+        </p:nvSpPr>
+        <p:spPr>
+          <a:xfrm>
+            <a:off x="6793337" y="2827807"/>
+            <a:ext cx="1055263" cy="220193"/>
+          </a:xfrm>
+          <a:prstGeom prst="rect">
+            <a:avLst/>
+          </a:prstGeom>
+          <a:solidFill>
+            <a:schemeClr val="bg1"/>
+          </a:solidFill>
+          <a:ln>
+            <a:noFill/>
+          </a:ln>
+          <a:effectLst>
+            <a:outerShdw dist="23000" sx="1000" sy="1000" rotWithShape="0">
+              <a:srgbClr val="000000"/>
+            </a:outerShdw>
+          </a:effectLst>
+        </p:spPr>
+        <p:style>
+          <a:lnRef idx="1">
+            <a:schemeClr val="accent1"/>
+          </a:lnRef>
+          <a:fillRef idx="3">
+            <a:schemeClr val="accent1"/>
+          </a:fillRef>
+          <a:effectRef idx="2">
+            <a:schemeClr val="accent1"/>
+          </a:effectRef>
+          <a:fontRef idx="minor">
+            <a:schemeClr val="lt1"/>
+          </a:fontRef>
+        </p:style>
+        <p:txBody>
+          <a:bodyPr rtlCol="0" anchor="ctr"/>
+          <a:lstStyle/>
+          <a:p>
+            <a:pPr algn="ctr"/>
+            <a:endParaRPr lang="en-US"/>
+          </a:p>
+        </p:txBody>
+      </p:sp>
+      <p:sp>
+        <p:nvSpPr>
+          <p:cNvPr id="17" name="Rectangle 16">
+            <a:extLst>
+              <a:ext uri="{FF2B5EF4-FFF2-40B4-BE49-F238E27FC236}">
+                <a16:creationId xmlns:a16="http://schemas.microsoft.com/office/drawing/2014/main" id="{12B160F5-A339-4D43-A333-9787824198AE}"/>
+              </a:ext>
+            </a:extLst>
+          </p:cNvPr>
+          <p:cNvSpPr/>
+          <p:nvPr/>
+        </p:nvSpPr>
+        <p:spPr>
+          <a:xfrm>
+            <a:off x="4114800" y="2819400"/>
+            <a:ext cx="1055263" cy="220193"/>
+          </a:xfrm>
+          <a:prstGeom prst="rect">
+            <a:avLst/>
+          </a:prstGeom>
+          <a:solidFill>
+            <a:schemeClr val="bg1"/>
+          </a:solidFill>
+          <a:ln>
+            <a:noFill/>
+          </a:ln>
+          <a:effectLst>
+            <a:outerShdw dist="23000" sx="1000" sy="1000" rotWithShape="0">
+              <a:srgbClr val="000000"/>
+            </a:outerShdw>
+          </a:effectLst>
+        </p:spPr>
+        <p:style>
+          <a:lnRef idx="1">
+            <a:schemeClr val="accent1"/>
+          </a:lnRef>
+          <a:fillRef idx="3">
+            <a:schemeClr val="accent1"/>
+          </a:fillRef>
+          <a:effectRef idx="2">
+            <a:schemeClr val="accent1"/>
+          </a:effectRef>
+          <a:fontRef idx="minor">
+            <a:schemeClr val="lt1"/>
+          </a:fontRef>
+        </p:style>
+        <p:txBody>
+          <a:bodyPr rtlCol="0" anchor="ctr"/>
+          <a:lstStyle/>
+          <a:p>
+            <a:pPr algn="ctr"/>
+            <a:endParaRPr lang="en-US"/>
+          </a:p>
+        </p:txBody>
+      </p:sp>
+      <p:sp>
+        <p:nvSpPr>
+          <p:cNvPr id="18" name="Rectangle 17">
+            <a:extLst>
+              <a:ext uri="{FF2B5EF4-FFF2-40B4-BE49-F238E27FC236}">
+                <a16:creationId xmlns:a16="http://schemas.microsoft.com/office/drawing/2014/main" id="{B4513343-72D8-1145-8C54-CAC8F409CDE8}"/>
+              </a:ext>
+            </a:extLst>
+          </p:cNvPr>
+          <p:cNvSpPr/>
+          <p:nvPr/>
+        </p:nvSpPr>
+        <p:spPr>
+          <a:xfrm>
+            <a:off x="1219200" y="2819400"/>
+            <a:ext cx="1055263" cy="220193"/>
+          </a:xfrm>
+          <a:prstGeom prst="rect">
+            <a:avLst/>
+          </a:prstGeom>
+          <a:solidFill>
+            <a:schemeClr val="bg1"/>
+          </a:solidFill>
+          <a:ln>
+            <a:noFill/>
+          </a:ln>
+          <a:effectLst>
+            <a:outerShdw dist="23000" sx="1000" sy="1000" rotWithShape="0">
+              <a:srgbClr val="000000"/>
+            </a:outerShdw>
+          </a:effectLst>
+        </p:spPr>
+        <p:style>
+          <a:lnRef idx="1">
+            <a:schemeClr val="accent1"/>
+          </a:lnRef>
+          <a:fillRef idx="3">
+            <a:schemeClr val="accent1"/>
+          </a:fillRef>
+          <a:effectRef idx="2">
+            <a:schemeClr val="accent1"/>
+          </a:effectRef>
+          <a:fontRef idx="minor">
+            <a:schemeClr val="lt1"/>
+          </a:fontRef>
+        </p:style>
+        <p:txBody>
+          <a:bodyPr rtlCol="0" anchor="ctr"/>
+          <a:lstStyle/>
+          <a:p>
+            <a:pPr algn="ctr"/>
+            <a:endParaRPr lang="en-US"/>
+          </a:p>
+        </p:txBody>
+      </p:sp>
+      <p:sp>
+        <p:nvSpPr>
+          <p:cNvPr id="19" name="Rectangle 18">
+            <a:extLst>
+              <a:ext uri="{FF2B5EF4-FFF2-40B4-BE49-F238E27FC236}">
+                <a16:creationId xmlns:a16="http://schemas.microsoft.com/office/drawing/2014/main" id="{97C91907-60E2-D948-AB9B-FE13DEC2E825}"/>
+              </a:ext>
+            </a:extLst>
+          </p:cNvPr>
+          <p:cNvSpPr/>
+          <p:nvPr/>
+        </p:nvSpPr>
+        <p:spPr>
+          <a:xfrm>
+            <a:off x="1992737" y="4656607"/>
+            <a:ext cx="1055263" cy="220193"/>
+          </a:xfrm>
+          <a:prstGeom prst="rect">
+            <a:avLst/>
+          </a:prstGeom>
+          <a:solidFill>
+            <a:schemeClr val="bg1"/>
+          </a:solidFill>
+          <a:ln>
+            <a:noFill/>
+          </a:ln>
+          <a:effectLst>
+            <a:outerShdw dist="23000" sx="1000" sy="1000" rotWithShape="0">
+              <a:srgbClr val="000000"/>
+            </a:outerShdw>
+          </a:effectLst>
+        </p:spPr>
+        <p:style>
+          <a:lnRef idx="1">
+            <a:schemeClr val="accent1"/>
+          </a:lnRef>
+          <a:fillRef idx="3">
+            <a:schemeClr val="accent1"/>
+          </a:fillRef>
+          <a:effectRef idx="2">
+            <a:schemeClr val="accent1"/>
+          </a:effectRef>
+          <a:fontRef idx="minor">
+            <a:schemeClr val="lt1"/>
+          </a:fontRef>
+        </p:style>
+        <p:txBody>
+          <a:bodyPr rtlCol="0" anchor="ctr"/>
+          <a:lstStyle/>
+          <a:p>
+            <a:pPr algn="ctr"/>
+            <a:endParaRPr lang="en-US"/>
+          </a:p>
+        </p:txBody>
+      </p:sp>
+      <p:sp>
+        <p:nvSpPr>
+          <p:cNvPr id="20" name="Rectangle 19">
+            <a:extLst>
+              <a:ext uri="{FF2B5EF4-FFF2-40B4-BE49-F238E27FC236}">
+                <a16:creationId xmlns:a16="http://schemas.microsoft.com/office/drawing/2014/main" id="{7B3F7CE6-9E0C-714D-A764-0C44517DBF56}"/>
+              </a:ext>
+            </a:extLst>
+          </p:cNvPr>
+          <p:cNvSpPr/>
+          <p:nvPr/>
+        </p:nvSpPr>
+        <p:spPr>
+          <a:xfrm>
+            <a:off x="4964537" y="4648200"/>
+            <a:ext cx="1055263" cy="220193"/>
+          </a:xfrm>
+          <a:prstGeom prst="rect">
+            <a:avLst/>
+          </a:prstGeom>
+          <a:solidFill>
+            <a:schemeClr val="bg1"/>
+          </a:solidFill>
+          <a:ln>
+            <a:noFill/>
+          </a:ln>
+          <a:effectLst>
+            <a:outerShdw dist="23000" sx="1000" sy="1000" rotWithShape="0">
+              <a:srgbClr val="000000"/>
+            </a:outerShdw>
+          </a:effectLst>
+        </p:spPr>
+        <p:style>
+          <a:lnRef idx="1">
+            <a:schemeClr val="accent1"/>
+          </a:lnRef>
+          <a:fillRef idx="3">
+            <a:schemeClr val="accent1"/>
+          </a:fillRef>
+          <a:effectRef idx="2">
+            <a:schemeClr val="accent1"/>
+          </a:effectRef>
+          <a:fontRef idx="minor">
+            <a:schemeClr val="lt1"/>
+          </a:fontRef>
+        </p:style>
+        <p:txBody>
+          <a:bodyPr rtlCol="0" anchor="ctr"/>
+          <a:lstStyle/>
+          <a:p>
+            <a:pPr algn="ctr"/>
+            <a:endParaRPr lang="en-US"/>
+          </a:p>
+        </p:txBody>
+      </p:sp>
+      <p:sp>
+        <p:nvSpPr>
+          <p:cNvPr id="21" name="TextBox 20">
+            <a:extLst>
+              <a:ext uri="{FF2B5EF4-FFF2-40B4-BE49-F238E27FC236}">
+                <a16:creationId xmlns:a16="http://schemas.microsoft.com/office/drawing/2014/main" id="{863C6474-D08E-174D-BAD9-F2DF7EF30127}"/>
+              </a:ext>
+            </a:extLst>
+          </p:cNvPr>
+          <p:cNvSpPr txBox="1"/>
+          <p:nvPr/>
+        </p:nvSpPr>
+        <p:spPr>
+          <a:xfrm>
+            <a:off x="6705600" y="1367135"/>
+            <a:ext cx="356188" cy="461665"/>
+          </a:xfrm>
+          <a:prstGeom prst="rect">
+            <a:avLst/>
+          </a:prstGeom>
+          <a:noFill/>
+        </p:spPr>
+        <p:txBody>
+          <a:bodyPr wrap="none" rtlCol="0">
+            <a:spAutoFit/>
+          </a:bodyPr>
+          <a:lstStyle/>
+          <a:p>
+            <a:r>
+              <a:rPr lang="en-US" sz="2400" dirty="0"/>
+              <a:t>3</a:t>
+            </a:r>
+          </a:p>
+        </p:txBody>
+      </p:sp>
+    </p:spTree>
+    <p:extLst>
+      <p:ext uri="{BB962C8B-B14F-4D97-AF65-F5344CB8AC3E}">
+        <p14:creationId xmlns:p14="http://schemas.microsoft.com/office/powerpoint/2010/main" val="1970827781"/>
       </p:ext>
     </p:extLst>
   </p:cSld>

--- a/ModelingGame/Summary of Approach to Modeling Game.pptx
+++ b/ModelingGame/Summary of Approach to Modeling Game.pptx
@@ -5,20 +5,23 @@
     <p:sldMasterId id="2147483648" r:id="rId1"/>
   </p:sldMasterIdLst>
   <p:notesMasterIdLst>
-    <p:notesMasterId r:id="rId10"/>
+    <p:notesMasterId r:id="rId13"/>
   </p:notesMasterIdLst>
   <p:handoutMasterIdLst>
-    <p:handoutMasterId r:id="rId11"/>
+    <p:handoutMasterId r:id="rId14"/>
   </p:handoutMasterIdLst>
   <p:sldIdLst>
     <p:sldId id="347" r:id="rId2"/>
     <p:sldId id="371" r:id="rId3"/>
     <p:sldId id="366" r:id="rId4"/>
-    <p:sldId id="372" r:id="rId5"/>
-    <p:sldId id="373" r:id="rId6"/>
+    <p:sldId id="379" r:id="rId5"/>
+    <p:sldId id="381" r:id="rId6"/>
     <p:sldId id="374" r:id="rId7"/>
     <p:sldId id="375" r:id="rId8"/>
-    <p:sldId id="377" r:id="rId9"/>
+    <p:sldId id="382" r:id="rId9"/>
+    <p:sldId id="378" r:id="rId10"/>
+    <p:sldId id="377" r:id="rId11"/>
+    <p:sldId id="383" r:id="rId12"/>
   </p:sldIdLst>
   <p:sldSz cx="9144000" cy="6858000" type="screen4x3"/>
   <p:notesSz cx="6858000" cy="9144000"/>
@@ -155,11 +158,14 @@
             <p14:sldId id="347"/>
             <p14:sldId id="371"/>
             <p14:sldId id="366"/>
-            <p14:sldId id="372"/>
-            <p14:sldId id="373"/>
+            <p14:sldId id="379"/>
+            <p14:sldId id="381"/>
             <p14:sldId id="374"/>
             <p14:sldId id="375"/>
+            <p14:sldId id="382"/>
+            <p14:sldId id="378"/>
             <p14:sldId id="377"/>
+            <p14:sldId id="383"/>
           </p14:sldIdLst>
         </p14:section>
       </p14:sectionLst>
@@ -5002,46 +5008,13 @@
             </a:r>
           </a:p>
           <a:p>
-            <a:r>
-              <a:rPr lang="en-US" dirty="0"/>
-              <a:t>Herbert </a:t>
-            </a:r>
-            <a:r>
-              <a:rPr lang="en-US" dirty="0" err="1"/>
-              <a:t>Sauro</a:t>
-            </a:r>
-            <a:r>
-              <a:rPr lang="en-US" dirty="0"/>
-              <a:t>**</a:t>
-            </a:r>
-          </a:p>
-          <a:p>
             <a:endParaRPr lang="en-US" dirty="0"/>
           </a:p>
           <a:p>
             <a:r>
               <a:rPr lang="en-US" sz="2800" dirty="0"/>
-              <a:t>*</a:t>
-            </a:r>
-            <a:r>
-              <a:rPr lang="en-US" sz="2800" dirty="0" err="1"/>
-              <a:t>eScience</a:t>
-            </a:r>
-            <a:r>
-              <a:rPr lang="en-US" sz="2800" dirty="0"/>
-              <a:t> Institute, Computer Science &amp; Engineering</a:t>
-            </a:r>
-          </a:p>
-          <a:p>
-            <a:r>
-              <a:rPr lang="en-US" sz="2800" dirty="0"/>
-              <a:t>**</a:t>
-            </a:r>
-            <a:r>
-              <a:rPr lang="en-US" sz="2800" dirty="0" err="1"/>
-              <a:t>BioEngineering</a:t>
-            </a:r>
-            <a:endParaRPr lang="en-US" sz="2800" dirty="0"/>
+              <a:t>*eScience Institute, Computer Science &amp; Engineering</a:t>
+            </a:r>
           </a:p>
         </p:txBody>
       </p:sp>
@@ -5055,6 +5028,1566 @@
   <p:clrMapOvr>
     <a:masterClrMapping/>
   </p:clrMapOvr>
+</p:sld>
+</file>
+
+<file path=ppt/slides/slide10.xml><?xml version="1.0" encoding="utf-8"?>
+<p:sld xmlns:a="http://schemas.openxmlformats.org/drawingml/2006/main" xmlns:r="http://schemas.openxmlformats.org/officeDocument/2006/relationships" xmlns:p="http://schemas.openxmlformats.org/presentationml/2006/main">
+  <p:cSld>
+    <p:spTree>
+      <p:nvGrpSpPr>
+        <p:cNvPr id="1" name=""/>
+        <p:cNvGrpSpPr/>
+        <p:nvPr/>
+      </p:nvGrpSpPr>
+      <p:grpSpPr>
+        <a:xfrm>
+          <a:off x="0" y="0"/>
+          <a:ext cx="0" cy="0"/>
+          <a:chOff x="0" y="0"/>
+          <a:chExt cx="0" cy="0"/>
+        </a:xfrm>
+      </p:grpSpPr>
+      <p:sp>
+        <p:nvSpPr>
+          <p:cNvPr id="2" name="Slide Number Placeholder 1">
+            <a:extLst>
+              <a:ext uri="{FF2B5EF4-FFF2-40B4-BE49-F238E27FC236}">
+                <a16:creationId xmlns:a16="http://schemas.microsoft.com/office/drawing/2014/main" id="{455C95B7-4A49-6B4A-B572-5EB0001EAC20}"/>
+              </a:ext>
+            </a:extLst>
+          </p:cNvPr>
+          <p:cNvSpPr>
+            <a:spLocks noGrp="1"/>
+          </p:cNvSpPr>
+          <p:nvPr>
+            <p:ph type="sldNum" sz="quarter" idx="11"/>
+          </p:nvPr>
+        </p:nvSpPr>
+        <p:spPr/>
+        <p:txBody>
+          <a:bodyPr/>
+          <a:lstStyle/>
+          <a:p>
+            <a:pPr>
+              <a:defRPr/>
+            </a:pPr>
+            <a:fld id="{21F96DF4-0A1C-4FFD-A010-55DAD04D9A67}" type="slidenum">
+              <a:rPr lang="en-US" altLang="x-none" smtClean="0"/>
+              <a:pPr>
+                <a:defRPr/>
+              </a:pPr>
+              <a:t>10</a:t>
+            </a:fld>
+            <a:endParaRPr lang="en-US" altLang="x-none"/>
+          </a:p>
+        </p:txBody>
+      </p:sp>
+      <p:pic>
+        <p:nvPicPr>
+          <p:cNvPr id="3" name="Picture 2">
+            <a:extLst>
+              <a:ext uri="{FF2B5EF4-FFF2-40B4-BE49-F238E27FC236}">
+                <a16:creationId xmlns:a16="http://schemas.microsoft.com/office/drawing/2014/main" id="{3E64EDCE-973C-F34C-9B8D-0B2409C56374}"/>
+              </a:ext>
+            </a:extLst>
+          </p:cNvPr>
+          <p:cNvPicPr>
+            <a:picLocks noChangeAspect="1"/>
+          </p:cNvPicPr>
+          <p:nvPr/>
+        </p:nvPicPr>
+        <p:blipFill>
+          <a:blip r:embed="rId2"/>
+          <a:stretch>
+            <a:fillRect/>
+          </a:stretch>
+        </p:blipFill>
+        <p:spPr>
+          <a:xfrm>
+            <a:off x="381000" y="1074223"/>
+            <a:ext cx="2451100" cy="1765300"/>
+          </a:xfrm>
+          <a:prstGeom prst="rect">
+            <a:avLst/>
+          </a:prstGeom>
+        </p:spPr>
+      </p:pic>
+      <p:pic>
+        <p:nvPicPr>
+          <p:cNvPr id="4" name="Picture 3">
+            <a:extLst>
+              <a:ext uri="{FF2B5EF4-FFF2-40B4-BE49-F238E27FC236}">
+                <a16:creationId xmlns:a16="http://schemas.microsoft.com/office/drawing/2014/main" id="{CE54C996-9D0E-5E4F-BE31-4AE5E16FE890}"/>
+              </a:ext>
+            </a:extLst>
+          </p:cNvPr>
+          <p:cNvPicPr>
+            <a:picLocks noChangeAspect="1"/>
+          </p:cNvPicPr>
+          <p:nvPr/>
+        </p:nvPicPr>
+        <p:blipFill>
+          <a:blip r:embed="rId3"/>
+          <a:stretch>
+            <a:fillRect/>
+          </a:stretch>
+        </p:blipFill>
+        <p:spPr>
+          <a:xfrm>
+            <a:off x="3200400" y="1074223"/>
+            <a:ext cx="2451100" cy="1765300"/>
+          </a:xfrm>
+          <a:prstGeom prst="rect">
+            <a:avLst/>
+          </a:prstGeom>
+        </p:spPr>
+      </p:pic>
+      <p:pic>
+        <p:nvPicPr>
+          <p:cNvPr id="5" name="Picture 4">
+            <a:extLst>
+              <a:ext uri="{FF2B5EF4-FFF2-40B4-BE49-F238E27FC236}">
+                <a16:creationId xmlns:a16="http://schemas.microsoft.com/office/drawing/2014/main" id="{6B273A57-92A1-EA43-AEDF-5F0976580E80}"/>
+              </a:ext>
+            </a:extLst>
+          </p:cNvPr>
+          <p:cNvPicPr>
+            <a:picLocks noChangeAspect="1"/>
+          </p:cNvPicPr>
+          <p:nvPr/>
+        </p:nvPicPr>
+        <p:blipFill>
+          <a:blip r:embed="rId4"/>
+          <a:stretch>
+            <a:fillRect/>
+          </a:stretch>
+        </p:blipFill>
+        <p:spPr>
+          <a:xfrm>
+            <a:off x="5867400" y="1226623"/>
+            <a:ext cx="2451100" cy="1765300"/>
+          </a:xfrm>
+          <a:prstGeom prst="rect">
+            <a:avLst/>
+          </a:prstGeom>
+        </p:spPr>
+      </p:pic>
+      <p:pic>
+        <p:nvPicPr>
+          <p:cNvPr id="6" name="Picture 5">
+            <a:extLst>
+              <a:ext uri="{FF2B5EF4-FFF2-40B4-BE49-F238E27FC236}">
+                <a16:creationId xmlns:a16="http://schemas.microsoft.com/office/drawing/2014/main" id="{4ED5283C-C7D5-3949-816F-0B86F96C8716}"/>
+              </a:ext>
+            </a:extLst>
+          </p:cNvPr>
+          <p:cNvPicPr>
+            <a:picLocks noChangeAspect="1"/>
+          </p:cNvPicPr>
+          <p:nvPr/>
+        </p:nvPicPr>
+        <p:blipFill>
+          <a:blip r:embed="rId5"/>
+          <a:stretch>
+            <a:fillRect/>
+          </a:stretch>
+        </p:blipFill>
+        <p:spPr>
+          <a:xfrm>
+            <a:off x="457200" y="3131623"/>
+            <a:ext cx="2451100" cy="1765300"/>
+          </a:xfrm>
+          <a:prstGeom prst="rect">
+            <a:avLst/>
+          </a:prstGeom>
+        </p:spPr>
+      </p:pic>
+      <p:pic>
+        <p:nvPicPr>
+          <p:cNvPr id="7" name="Picture 6">
+            <a:extLst>
+              <a:ext uri="{FF2B5EF4-FFF2-40B4-BE49-F238E27FC236}">
+                <a16:creationId xmlns:a16="http://schemas.microsoft.com/office/drawing/2014/main" id="{B78DADB5-D17B-8E48-9C6C-9D9F7D08491C}"/>
+              </a:ext>
+            </a:extLst>
+          </p:cNvPr>
+          <p:cNvPicPr>
+            <a:picLocks noChangeAspect="1"/>
+          </p:cNvPicPr>
+          <p:nvPr/>
+        </p:nvPicPr>
+        <p:blipFill>
+          <a:blip r:embed="rId6"/>
+          <a:stretch>
+            <a:fillRect/>
+          </a:stretch>
+        </p:blipFill>
+        <p:spPr>
+          <a:xfrm>
+            <a:off x="3346450" y="3131623"/>
+            <a:ext cx="2451100" cy="1765300"/>
+          </a:xfrm>
+          <a:prstGeom prst="rect">
+            <a:avLst/>
+          </a:prstGeom>
+        </p:spPr>
+      </p:pic>
+      <p:pic>
+        <p:nvPicPr>
+          <p:cNvPr id="8" name="Picture 7">
+            <a:extLst>
+              <a:ext uri="{FF2B5EF4-FFF2-40B4-BE49-F238E27FC236}">
+                <a16:creationId xmlns:a16="http://schemas.microsoft.com/office/drawing/2014/main" id="{39B56F2D-DD67-6B43-BC25-E7DFF6CA382E}"/>
+              </a:ext>
+            </a:extLst>
+          </p:cNvPr>
+          <p:cNvPicPr>
+            <a:picLocks noChangeAspect="1"/>
+          </p:cNvPicPr>
+          <p:nvPr/>
+        </p:nvPicPr>
+        <p:blipFill>
+          <a:blip r:embed="rId7"/>
+          <a:stretch>
+            <a:fillRect/>
+          </a:stretch>
+        </p:blipFill>
+        <p:spPr>
+          <a:xfrm>
+            <a:off x="6096000" y="3131623"/>
+            <a:ext cx="2451100" cy="1765300"/>
+          </a:xfrm>
+          <a:prstGeom prst="rect">
+            <a:avLst/>
+          </a:prstGeom>
+        </p:spPr>
+      </p:pic>
+      <p:pic>
+        <p:nvPicPr>
+          <p:cNvPr id="9" name="Picture 8">
+            <a:extLst>
+              <a:ext uri="{FF2B5EF4-FFF2-40B4-BE49-F238E27FC236}">
+                <a16:creationId xmlns:a16="http://schemas.microsoft.com/office/drawing/2014/main" id="{B1439A53-0832-D74F-8F2E-5C804627E095}"/>
+              </a:ext>
+            </a:extLst>
+          </p:cNvPr>
+          <p:cNvPicPr>
+            <a:picLocks noChangeAspect="1"/>
+          </p:cNvPicPr>
+          <p:nvPr/>
+        </p:nvPicPr>
+        <p:blipFill>
+          <a:blip r:embed="rId8"/>
+          <a:stretch>
+            <a:fillRect/>
+          </a:stretch>
+        </p:blipFill>
+        <p:spPr>
+          <a:xfrm>
+            <a:off x="1295400" y="4940300"/>
+            <a:ext cx="2451100" cy="1765300"/>
+          </a:xfrm>
+          <a:prstGeom prst="rect">
+            <a:avLst/>
+          </a:prstGeom>
+        </p:spPr>
+      </p:pic>
+      <p:pic>
+        <p:nvPicPr>
+          <p:cNvPr id="10" name="Picture 9">
+            <a:extLst>
+              <a:ext uri="{FF2B5EF4-FFF2-40B4-BE49-F238E27FC236}">
+                <a16:creationId xmlns:a16="http://schemas.microsoft.com/office/drawing/2014/main" id="{065C7018-A9ED-CD46-A91C-C5109B50CFE4}"/>
+              </a:ext>
+            </a:extLst>
+          </p:cNvPr>
+          <p:cNvPicPr>
+            <a:picLocks noChangeAspect="1"/>
+          </p:cNvPicPr>
+          <p:nvPr/>
+        </p:nvPicPr>
+        <p:blipFill>
+          <a:blip r:embed="rId9"/>
+          <a:stretch>
+            <a:fillRect/>
+          </a:stretch>
+        </p:blipFill>
+        <p:spPr>
+          <a:xfrm>
+            <a:off x="4171952" y="4940300"/>
+            <a:ext cx="2451100" cy="1765300"/>
+          </a:xfrm>
+          <a:prstGeom prst="rect">
+            <a:avLst/>
+          </a:prstGeom>
+        </p:spPr>
+      </p:pic>
+      <p:sp>
+        <p:nvSpPr>
+          <p:cNvPr id="11" name="TextBox 10">
+            <a:extLst>
+              <a:ext uri="{FF2B5EF4-FFF2-40B4-BE49-F238E27FC236}">
+                <a16:creationId xmlns:a16="http://schemas.microsoft.com/office/drawing/2014/main" id="{F43124CE-6F63-8748-A234-7D1544C4ABE5}"/>
+              </a:ext>
+            </a:extLst>
+          </p:cNvPr>
+          <p:cNvSpPr txBox="1"/>
+          <p:nvPr/>
+        </p:nvSpPr>
+        <p:spPr>
+          <a:xfrm>
+            <a:off x="1295400" y="1565058"/>
+            <a:ext cx="356188" cy="461665"/>
+          </a:xfrm>
+          <a:prstGeom prst="rect">
+            <a:avLst/>
+          </a:prstGeom>
+          <a:noFill/>
+        </p:spPr>
+        <p:txBody>
+          <a:bodyPr wrap="none" rtlCol="0">
+            <a:spAutoFit/>
+          </a:bodyPr>
+          <a:lstStyle/>
+          <a:p>
+            <a:r>
+              <a:rPr lang="en-US" sz="2400" dirty="0"/>
+              <a:t>1</a:t>
+            </a:r>
+          </a:p>
+        </p:txBody>
+      </p:sp>
+      <p:sp>
+        <p:nvSpPr>
+          <p:cNvPr id="12" name="TextBox 11">
+            <a:extLst>
+              <a:ext uri="{FF2B5EF4-FFF2-40B4-BE49-F238E27FC236}">
+                <a16:creationId xmlns:a16="http://schemas.microsoft.com/office/drawing/2014/main" id="{B64B1FEE-7178-DF40-A17E-82EF2F32E5E6}"/>
+              </a:ext>
+            </a:extLst>
+          </p:cNvPr>
+          <p:cNvSpPr txBox="1"/>
+          <p:nvPr/>
+        </p:nvSpPr>
+        <p:spPr>
+          <a:xfrm>
+            <a:off x="4247856" y="1565058"/>
+            <a:ext cx="356188" cy="461665"/>
+          </a:xfrm>
+          <a:prstGeom prst="rect">
+            <a:avLst/>
+          </a:prstGeom>
+          <a:noFill/>
+        </p:spPr>
+        <p:txBody>
+          <a:bodyPr wrap="none" rtlCol="0">
+            <a:spAutoFit/>
+          </a:bodyPr>
+          <a:lstStyle/>
+          <a:p>
+            <a:r>
+              <a:rPr lang="en-US" sz="2400" dirty="0"/>
+              <a:t>2</a:t>
+            </a:r>
+          </a:p>
+        </p:txBody>
+      </p:sp>
+      <p:sp>
+        <p:nvSpPr>
+          <p:cNvPr id="13" name="Rectangle 12">
+            <a:extLst>
+              <a:ext uri="{FF2B5EF4-FFF2-40B4-BE49-F238E27FC236}">
+                <a16:creationId xmlns:a16="http://schemas.microsoft.com/office/drawing/2014/main" id="{0104A6E9-587A-2243-AB2C-4CAB3E0FF807}"/>
+              </a:ext>
+            </a:extLst>
+          </p:cNvPr>
+          <p:cNvSpPr/>
+          <p:nvPr/>
+        </p:nvSpPr>
+        <p:spPr>
+          <a:xfrm>
+            <a:off x="1078336" y="1006429"/>
+            <a:ext cx="1055263" cy="220193"/>
+          </a:xfrm>
+          <a:prstGeom prst="rect">
+            <a:avLst/>
+          </a:prstGeom>
+          <a:solidFill>
+            <a:schemeClr val="bg1"/>
+          </a:solidFill>
+          <a:ln>
+            <a:noFill/>
+          </a:ln>
+          <a:effectLst>
+            <a:outerShdw dist="23000" sx="1000" sy="1000" rotWithShape="0">
+              <a:srgbClr val="000000"/>
+            </a:outerShdw>
+          </a:effectLst>
+        </p:spPr>
+        <p:style>
+          <a:lnRef idx="1">
+            <a:schemeClr val="accent1"/>
+          </a:lnRef>
+          <a:fillRef idx="3">
+            <a:schemeClr val="accent1"/>
+          </a:fillRef>
+          <a:effectRef idx="2">
+            <a:schemeClr val="accent1"/>
+          </a:effectRef>
+          <a:fontRef idx="minor">
+            <a:schemeClr val="lt1"/>
+          </a:fontRef>
+        </p:style>
+        <p:txBody>
+          <a:bodyPr rtlCol="0" anchor="ctr"/>
+          <a:lstStyle/>
+          <a:p>
+            <a:pPr algn="ctr"/>
+            <a:endParaRPr lang="en-US"/>
+          </a:p>
+        </p:txBody>
+      </p:sp>
+      <p:sp>
+        <p:nvSpPr>
+          <p:cNvPr id="14" name="Rectangle 13">
+            <a:extLst>
+              <a:ext uri="{FF2B5EF4-FFF2-40B4-BE49-F238E27FC236}">
+                <a16:creationId xmlns:a16="http://schemas.microsoft.com/office/drawing/2014/main" id="{9996613D-2FD9-FA4C-AB5F-8B224A32477A}"/>
+              </a:ext>
+            </a:extLst>
+          </p:cNvPr>
+          <p:cNvSpPr/>
+          <p:nvPr/>
+        </p:nvSpPr>
+        <p:spPr>
+          <a:xfrm>
+            <a:off x="3897737" y="998023"/>
+            <a:ext cx="1055263" cy="220193"/>
+          </a:xfrm>
+          <a:prstGeom prst="rect">
+            <a:avLst/>
+          </a:prstGeom>
+          <a:solidFill>
+            <a:schemeClr val="bg1"/>
+          </a:solidFill>
+          <a:ln>
+            <a:noFill/>
+          </a:ln>
+          <a:effectLst>
+            <a:outerShdw dist="23000" sx="1000" sy="1000" rotWithShape="0">
+              <a:srgbClr val="000000"/>
+            </a:outerShdw>
+          </a:effectLst>
+        </p:spPr>
+        <p:style>
+          <a:lnRef idx="1">
+            <a:schemeClr val="accent1"/>
+          </a:lnRef>
+          <a:fillRef idx="3">
+            <a:schemeClr val="accent1"/>
+          </a:fillRef>
+          <a:effectRef idx="2">
+            <a:schemeClr val="accent1"/>
+          </a:effectRef>
+          <a:fontRef idx="minor">
+            <a:schemeClr val="lt1"/>
+          </a:fontRef>
+        </p:style>
+        <p:txBody>
+          <a:bodyPr rtlCol="0" anchor="ctr"/>
+          <a:lstStyle/>
+          <a:p>
+            <a:pPr algn="ctr"/>
+            <a:endParaRPr lang="en-US"/>
+          </a:p>
+        </p:txBody>
+      </p:sp>
+      <p:sp>
+        <p:nvSpPr>
+          <p:cNvPr id="15" name="Rectangle 14">
+            <a:extLst>
+              <a:ext uri="{FF2B5EF4-FFF2-40B4-BE49-F238E27FC236}">
+                <a16:creationId xmlns:a16="http://schemas.microsoft.com/office/drawing/2014/main" id="{0356E26F-C4FA-2747-B43A-097ED169FF77}"/>
+              </a:ext>
+            </a:extLst>
+          </p:cNvPr>
+          <p:cNvSpPr/>
+          <p:nvPr/>
+        </p:nvSpPr>
+        <p:spPr>
+          <a:xfrm>
+            <a:off x="6640937" y="1158830"/>
+            <a:ext cx="1055263" cy="220193"/>
+          </a:xfrm>
+          <a:prstGeom prst="rect">
+            <a:avLst/>
+          </a:prstGeom>
+          <a:solidFill>
+            <a:schemeClr val="bg1"/>
+          </a:solidFill>
+          <a:ln>
+            <a:noFill/>
+          </a:ln>
+          <a:effectLst>
+            <a:outerShdw dist="23000" sx="1000" sy="1000" rotWithShape="0">
+              <a:srgbClr val="000000"/>
+            </a:outerShdw>
+          </a:effectLst>
+        </p:spPr>
+        <p:style>
+          <a:lnRef idx="1">
+            <a:schemeClr val="accent1"/>
+          </a:lnRef>
+          <a:fillRef idx="3">
+            <a:schemeClr val="accent1"/>
+          </a:fillRef>
+          <a:effectRef idx="2">
+            <a:schemeClr val="accent1"/>
+          </a:effectRef>
+          <a:fontRef idx="minor">
+            <a:schemeClr val="lt1"/>
+          </a:fontRef>
+        </p:style>
+        <p:txBody>
+          <a:bodyPr rtlCol="0" anchor="ctr"/>
+          <a:lstStyle/>
+          <a:p>
+            <a:pPr algn="ctr"/>
+            <a:endParaRPr lang="en-US"/>
+          </a:p>
+        </p:txBody>
+      </p:sp>
+      <p:sp>
+        <p:nvSpPr>
+          <p:cNvPr id="16" name="Rectangle 15">
+            <a:extLst>
+              <a:ext uri="{FF2B5EF4-FFF2-40B4-BE49-F238E27FC236}">
+                <a16:creationId xmlns:a16="http://schemas.microsoft.com/office/drawing/2014/main" id="{CB34995F-08D8-E748-B8E8-49394B8D32B9}"/>
+              </a:ext>
+            </a:extLst>
+          </p:cNvPr>
+          <p:cNvSpPr/>
+          <p:nvPr/>
+        </p:nvSpPr>
+        <p:spPr>
+          <a:xfrm>
+            <a:off x="6793337" y="3063830"/>
+            <a:ext cx="1055263" cy="220193"/>
+          </a:xfrm>
+          <a:prstGeom prst="rect">
+            <a:avLst/>
+          </a:prstGeom>
+          <a:solidFill>
+            <a:schemeClr val="bg1"/>
+          </a:solidFill>
+          <a:ln>
+            <a:noFill/>
+          </a:ln>
+          <a:effectLst>
+            <a:outerShdw dist="23000" sx="1000" sy="1000" rotWithShape="0">
+              <a:srgbClr val="000000"/>
+            </a:outerShdw>
+          </a:effectLst>
+        </p:spPr>
+        <p:style>
+          <a:lnRef idx="1">
+            <a:schemeClr val="accent1"/>
+          </a:lnRef>
+          <a:fillRef idx="3">
+            <a:schemeClr val="accent1"/>
+          </a:fillRef>
+          <a:effectRef idx="2">
+            <a:schemeClr val="accent1"/>
+          </a:effectRef>
+          <a:fontRef idx="minor">
+            <a:schemeClr val="lt1"/>
+          </a:fontRef>
+        </p:style>
+        <p:txBody>
+          <a:bodyPr rtlCol="0" anchor="ctr"/>
+          <a:lstStyle/>
+          <a:p>
+            <a:pPr algn="ctr"/>
+            <a:endParaRPr lang="en-US"/>
+          </a:p>
+        </p:txBody>
+      </p:sp>
+      <p:sp>
+        <p:nvSpPr>
+          <p:cNvPr id="17" name="Rectangle 16">
+            <a:extLst>
+              <a:ext uri="{FF2B5EF4-FFF2-40B4-BE49-F238E27FC236}">
+                <a16:creationId xmlns:a16="http://schemas.microsoft.com/office/drawing/2014/main" id="{12B160F5-A339-4D43-A333-9787824198AE}"/>
+              </a:ext>
+            </a:extLst>
+          </p:cNvPr>
+          <p:cNvSpPr/>
+          <p:nvPr/>
+        </p:nvSpPr>
+        <p:spPr>
+          <a:xfrm>
+            <a:off x="4114800" y="3055423"/>
+            <a:ext cx="1055263" cy="220193"/>
+          </a:xfrm>
+          <a:prstGeom prst="rect">
+            <a:avLst/>
+          </a:prstGeom>
+          <a:solidFill>
+            <a:schemeClr val="bg1"/>
+          </a:solidFill>
+          <a:ln>
+            <a:noFill/>
+          </a:ln>
+          <a:effectLst>
+            <a:outerShdw dist="23000" sx="1000" sy="1000" rotWithShape="0">
+              <a:srgbClr val="000000"/>
+            </a:outerShdw>
+          </a:effectLst>
+        </p:spPr>
+        <p:style>
+          <a:lnRef idx="1">
+            <a:schemeClr val="accent1"/>
+          </a:lnRef>
+          <a:fillRef idx="3">
+            <a:schemeClr val="accent1"/>
+          </a:fillRef>
+          <a:effectRef idx="2">
+            <a:schemeClr val="accent1"/>
+          </a:effectRef>
+          <a:fontRef idx="minor">
+            <a:schemeClr val="lt1"/>
+          </a:fontRef>
+        </p:style>
+        <p:txBody>
+          <a:bodyPr rtlCol="0" anchor="ctr"/>
+          <a:lstStyle/>
+          <a:p>
+            <a:pPr algn="ctr"/>
+            <a:endParaRPr lang="en-US"/>
+          </a:p>
+        </p:txBody>
+      </p:sp>
+      <p:sp>
+        <p:nvSpPr>
+          <p:cNvPr id="18" name="Rectangle 17">
+            <a:extLst>
+              <a:ext uri="{FF2B5EF4-FFF2-40B4-BE49-F238E27FC236}">
+                <a16:creationId xmlns:a16="http://schemas.microsoft.com/office/drawing/2014/main" id="{B4513343-72D8-1145-8C54-CAC8F409CDE8}"/>
+              </a:ext>
+            </a:extLst>
+          </p:cNvPr>
+          <p:cNvSpPr/>
+          <p:nvPr/>
+        </p:nvSpPr>
+        <p:spPr>
+          <a:xfrm>
+            <a:off x="1219200" y="3055423"/>
+            <a:ext cx="1055263" cy="220193"/>
+          </a:xfrm>
+          <a:prstGeom prst="rect">
+            <a:avLst/>
+          </a:prstGeom>
+          <a:solidFill>
+            <a:schemeClr val="bg1"/>
+          </a:solidFill>
+          <a:ln>
+            <a:noFill/>
+          </a:ln>
+          <a:effectLst>
+            <a:outerShdw dist="23000" sx="1000" sy="1000" rotWithShape="0">
+              <a:srgbClr val="000000"/>
+            </a:outerShdw>
+          </a:effectLst>
+        </p:spPr>
+        <p:style>
+          <a:lnRef idx="1">
+            <a:schemeClr val="accent1"/>
+          </a:lnRef>
+          <a:fillRef idx="3">
+            <a:schemeClr val="accent1"/>
+          </a:fillRef>
+          <a:effectRef idx="2">
+            <a:schemeClr val="accent1"/>
+          </a:effectRef>
+          <a:fontRef idx="minor">
+            <a:schemeClr val="lt1"/>
+          </a:fontRef>
+        </p:style>
+        <p:txBody>
+          <a:bodyPr rtlCol="0" anchor="ctr"/>
+          <a:lstStyle/>
+          <a:p>
+            <a:pPr algn="ctr"/>
+            <a:endParaRPr lang="en-US"/>
+          </a:p>
+        </p:txBody>
+      </p:sp>
+      <p:sp>
+        <p:nvSpPr>
+          <p:cNvPr id="19" name="Rectangle 18">
+            <a:extLst>
+              <a:ext uri="{FF2B5EF4-FFF2-40B4-BE49-F238E27FC236}">
+                <a16:creationId xmlns:a16="http://schemas.microsoft.com/office/drawing/2014/main" id="{97C91907-60E2-D948-AB9B-FE13DEC2E825}"/>
+              </a:ext>
+            </a:extLst>
+          </p:cNvPr>
+          <p:cNvSpPr/>
+          <p:nvPr/>
+        </p:nvSpPr>
+        <p:spPr>
+          <a:xfrm>
+            <a:off x="1992737" y="4892630"/>
+            <a:ext cx="1055263" cy="220193"/>
+          </a:xfrm>
+          <a:prstGeom prst="rect">
+            <a:avLst/>
+          </a:prstGeom>
+          <a:solidFill>
+            <a:schemeClr val="bg1"/>
+          </a:solidFill>
+          <a:ln>
+            <a:noFill/>
+          </a:ln>
+          <a:effectLst>
+            <a:outerShdw dist="23000" sx="1000" sy="1000" rotWithShape="0">
+              <a:srgbClr val="000000"/>
+            </a:outerShdw>
+          </a:effectLst>
+        </p:spPr>
+        <p:style>
+          <a:lnRef idx="1">
+            <a:schemeClr val="accent1"/>
+          </a:lnRef>
+          <a:fillRef idx="3">
+            <a:schemeClr val="accent1"/>
+          </a:fillRef>
+          <a:effectRef idx="2">
+            <a:schemeClr val="accent1"/>
+          </a:effectRef>
+          <a:fontRef idx="minor">
+            <a:schemeClr val="lt1"/>
+          </a:fontRef>
+        </p:style>
+        <p:txBody>
+          <a:bodyPr rtlCol="0" anchor="ctr"/>
+          <a:lstStyle/>
+          <a:p>
+            <a:pPr algn="ctr"/>
+            <a:endParaRPr lang="en-US"/>
+          </a:p>
+        </p:txBody>
+      </p:sp>
+      <p:sp>
+        <p:nvSpPr>
+          <p:cNvPr id="20" name="Rectangle 19">
+            <a:extLst>
+              <a:ext uri="{FF2B5EF4-FFF2-40B4-BE49-F238E27FC236}">
+                <a16:creationId xmlns:a16="http://schemas.microsoft.com/office/drawing/2014/main" id="{7B3F7CE6-9E0C-714D-A764-0C44517DBF56}"/>
+              </a:ext>
+            </a:extLst>
+          </p:cNvPr>
+          <p:cNvSpPr/>
+          <p:nvPr/>
+        </p:nvSpPr>
+        <p:spPr>
+          <a:xfrm>
+            <a:off x="4964537" y="4884223"/>
+            <a:ext cx="1055263" cy="220193"/>
+          </a:xfrm>
+          <a:prstGeom prst="rect">
+            <a:avLst/>
+          </a:prstGeom>
+          <a:solidFill>
+            <a:schemeClr val="bg1"/>
+          </a:solidFill>
+          <a:ln>
+            <a:noFill/>
+          </a:ln>
+          <a:effectLst>
+            <a:outerShdw dist="23000" sx="1000" sy="1000" rotWithShape="0">
+              <a:srgbClr val="000000"/>
+            </a:outerShdw>
+          </a:effectLst>
+        </p:spPr>
+        <p:style>
+          <a:lnRef idx="1">
+            <a:schemeClr val="accent1"/>
+          </a:lnRef>
+          <a:fillRef idx="3">
+            <a:schemeClr val="accent1"/>
+          </a:fillRef>
+          <a:effectRef idx="2">
+            <a:schemeClr val="accent1"/>
+          </a:effectRef>
+          <a:fontRef idx="minor">
+            <a:schemeClr val="lt1"/>
+          </a:fontRef>
+        </p:style>
+        <p:txBody>
+          <a:bodyPr rtlCol="0" anchor="ctr"/>
+          <a:lstStyle/>
+          <a:p>
+            <a:pPr algn="ctr"/>
+            <a:endParaRPr lang="en-US"/>
+          </a:p>
+        </p:txBody>
+      </p:sp>
+      <p:sp>
+        <p:nvSpPr>
+          <p:cNvPr id="21" name="TextBox 20">
+            <a:extLst>
+              <a:ext uri="{FF2B5EF4-FFF2-40B4-BE49-F238E27FC236}">
+                <a16:creationId xmlns:a16="http://schemas.microsoft.com/office/drawing/2014/main" id="{863C6474-D08E-174D-BAD9-F2DF7EF30127}"/>
+              </a:ext>
+            </a:extLst>
+          </p:cNvPr>
+          <p:cNvSpPr txBox="1"/>
+          <p:nvPr/>
+        </p:nvSpPr>
+        <p:spPr>
+          <a:xfrm>
+            <a:off x="6705600" y="1565058"/>
+            <a:ext cx="356188" cy="461665"/>
+          </a:xfrm>
+          <a:prstGeom prst="rect">
+            <a:avLst/>
+          </a:prstGeom>
+          <a:noFill/>
+        </p:spPr>
+        <p:txBody>
+          <a:bodyPr wrap="none" rtlCol="0">
+            <a:spAutoFit/>
+          </a:bodyPr>
+          <a:lstStyle/>
+          <a:p>
+            <a:r>
+              <a:rPr lang="en-US" sz="2400" dirty="0"/>
+              <a:t>3</a:t>
+            </a:r>
+          </a:p>
+        </p:txBody>
+      </p:sp>
+      <p:sp>
+        <p:nvSpPr>
+          <p:cNvPr id="22" name="TextBox 21">
+            <a:extLst>
+              <a:ext uri="{FF2B5EF4-FFF2-40B4-BE49-F238E27FC236}">
+                <a16:creationId xmlns:a16="http://schemas.microsoft.com/office/drawing/2014/main" id="{4CE866D7-2E7C-764C-88D4-F6E9C3D698C3}"/>
+              </a:ext>
+            </a:extLst>
+          </p:cNvPr>
+          <p:cNvSpPr txBox="1"/>
+          <p:nvPr/>
+        </p:nvSpPr>
+        <p:spPr>
+          <a:xfrm>
+            <a:off x="1320212" y="3584358"/>
+            <a:ext cx="356188" cy="461665"/>
+          </a:xfrm>
+          <a:prstGeom prst="rect">
+            <a:avLst/>
+          </a:prstGeom>
+          <a:noFill/>
+        </p:spPr>
+        <p:txBody>
+          <a:bodyPr wrap="none" rtlCol="0">
+            <a:spAutoFit/>
+          </a:bodyPr>
+          <a:lstStyle/>
+          <a:p>
+            <a:r>
+              <a:rPr lang="en-US" sz="2400" dirty="0"/>
+              <a:t>4</a:t>
+            </a:r>
+          </a:p>
+        </p:txBody>
+      </p:sp>
+      <p:sp>
+        <p:nvSpPr>
+          <p:cNvPr id="23" name="TextBox 22">
+            <a:extLst>
+              <a:ext uri="{FF2B5EF4-FFF2-40B4-BE49-F238E27FC236}">
+                <a16:creationId xmlns:a16="http://schemas.microsoft.com/office/drawing/2014/main" id="{482E8A32-4912-5F4F-9688-1969683F7B56}"/>
+              </a:ext>
+            </a:extLst>
+          </p:cNvPr>
+          <p:cNvSpPr txBox="1"/>
+          <p:nvPr/>
+        </p:nvSpPr>
+        <p:spPr>
+          <a:xfrm>
+            <a:off x="4272668" y="3584358"/>
+            <a:ext cx="356188" cy="461665"/>
+          </a:xfrm>
+          <a:prstGeom prst="rect">
+            <a:avLst/>
+          </a:prstGeom>
+          <a:noFill/>
+        </p:spPr>
+        <p:txBody>
+          <a:bodyPr wrap="none" rtlCol="0">
+            <a:spAutoFit/>
+          </a:bodyPr>
+          <a:lstStyle/>
+          <a:p>
+            <a:r>
+              <a:rPr lang="en-US" sz="2400" dirty="0"/>
+              <a:t>5</a:t>
+            </a:r>
+          </a:p>
+        </p:txBody>
+      </p:sp>
+      <p:sp>
+        <p:nvSpPr>
+          <p:cNvPr id="24" name="TextBox 23">
+            <a:extLst>
+              <a:ext uri="{FF2B5EF4-FFF2-40B4-BE49-F238E27FC236}">
+                <a16:creationId xmlns:a16="http://schemas.microsoft.com/office/drawing/2014/main" id="{ABFDA732-5A1F-F248-9095-BB15FEB6B957}"/>
+              </a:ext>
+            </a:extLst>
+          </p:cNvPr>
+          <p:cNvSpPr txBox="1"/>
+          <p:nvPr/>
+        </p:nvSpPr>
+        <p:spPr>
+          <a:xfrm>
+            <a:off x="6730412" y="3584358"/>
+            <a:ext cx="356188" cy="461665"/>
+          </a:xfrm>
+          <a:prstGeom prst="rect">
+            <a:avLst/>
+          </a:prstGeom>
+          <a:noFill/>
+        </p:spPr>
+        <p:txBody>
+          <a:bodyPr wrap="none" rtlCol="0">
+            <a:spAutoFit/>
+          </a:bodyPr>
+          <a:lstStyle/>
+          <a:p>
+            <a:r>
+              <a:rPr lang="en-US" sz="2400" dirty="0"/>
+              <a:t>6</a:t>
+            </a:r>
+          </a:p>
+        </p:txBody>
+      </p:sp>
+      <p:sp>
+        <p:nvSpPr>
+          <p:cNvPr id="25" name="TextBox 24">
+            <a:extLst>
+              <a:ext uri="{FF2B5EF4-FFF2-40B4-BE49-F238E27FC236}">
+                <a16:creationId xmlns:a16="http://schemas.microsoft.com/office/drawing/2014/main" id="{B610F5A4-ACB5-D34F-9C48-0B8F29327109}"/>
+              </a:ext>
+            </a:extLst>
+          </p:cNvPr>
+          <p:cNvSpPr txBox="1"/>
+          <p:nvPr/>
+        </p:nvSpPr>
+        <p:spPr>
+          <a:xfrm>
+            <a:off x="2438400" y="5489358"/>
+            <a:ext cx="356188" cy="461665"/>
+          </a:xfrm>
+          <a:prstGeom prst="rect">
+            <a:avLst/>
+          </a:prstGeom>
+          <a:noFill/>
+        </p:spPr>
+        <p:txBody>
+          <a:bodyPr wrap="none" rtlCol="0">
+            <a:spAutoFit/>
+          </a:bodyPr>
+          <a:lstStyle/>
+          <a:p>
+            <a:r>
+              <a:rPr lang="en-US" sz="2400" dirty="0"/>
+              <a:t>7</a:t>
+            </a:r>
+          </a:p>
+        </p:txBody>
+      </p:sp>
+      <p:sp>
+        <p:nvSpPr>
+          <p:cNvPr id="26" name="TextBox 25">
+            <a:extLst>
+              <a:ext uri="{FF2B5EF4-FFF2-40B4-BE49-F238E27FC236}">
+                <a16:creationId xmlns:a16="http://schemas.microsoft.com/office/drawing/2014/main" id="{C79BF320-391F-6F48-BCB8-96EAEC786C33}"/>
+              </a:ext>
+            </a:extLst>
+          </p:cNvPr>
+          <p:cNvSpPr txBox="1"/>
+          <p:nvPr/>
+        </p:nvSpPr>
+        <p:spPr>
+          <a:xfrm>
+            <a:off x="5130212" y="5489358"/>
+            <a:ext cx="356188" cy="461665"/>
+          </a:xfrm>
+          <a:prstGeom prst="rect">
+            <a:avLst/>
+          </a:prstGeom>
+          <a:noFill/>
+        </p:spPr>
+        <p:txBody>
+          <a:bodyPr wrap="none" rtlCol="0">
+            <a:spAutoFit/>
+          </a:bodyPr>
+          <a:lstStyle/>
+          <a:p>
+            <a:r>
+              <a:rPr lang="en-US" sz="2400" dirty="0"/>
+              <a:t>8</a:t>
+            </a:r>
+          </a:p>
+        </p:txBody>
+      </p:sp>
+      <p:sp>
+        <p:nvSpPr>
+          <p:cNvPr id="27" name="TextBox 26">
+            <a:extLst>
+              <a:ext uri="{FF2B5EF4-FFF2-40B4-BE49-F238E27FC236}">
+                <a16:creationId xmlns:a16="http://schemas.microsoft.com/office/drawing/2014/main" id="{14139FA4-1D54-FB4E-A72C-A0DAAD9FA27B}"/>
+              </a:ext>
+            </a:extLst>
+          </p:cNvPr>
+          <p:cNvSpPr txBox="1"/>
+          <p:nvPr/>
+        </p:nvSpPr>
+        <p:spPr>
+          <a:xfrm>
+            <a:off x="2849195" y="381000"/>
+            <a:ext cx="4140877" cy="523220"/>
+          </a:xfrm>
+          <a:prstGeom prst="rect">
+            <a:avLst/>
+          </a:prstGeom>
+          <a:noFill/>
+        </p:spPr>
+        <p:txBody>
+          <a:bodyPr wrap="none" rtlCol="0">
+            <a:spAutoFit/>
+          </a:bodyPr>
+          <a:lstStyle/>
+          <a:p>
+            <a:r>
+              <a:rPr lang="en-US" sz="2800" b="1" dirty="0"/>
+              <a:t>Model Results by Gene</a:t>
+            </a:r>
+          </a:p>
+        </p:txBody>
+      </p:sp>
+    </p:spTree>
+    <p:extLst>
+      <p:ext uri="{BB962C8B-B14F-4D97-AF65-F5344CB8AC3E}">
+        <p14:creationId xmlns:p14="http://schemas.microsoft.com/office/powerpoint/2010/main" val="1970827781"/>
+      </p:ext>
+    </p:extLst>
+  </p:cSld>
+  <p:clrMapOvr>
+    <a:masterClrMapping/>
+  </p:clrMapOvr>
+</p:sld>
+</file>
+
+<file path=ppt/slides/slide11.xml><?xml version="1.0" encoding="utf-8"?>
+<p:sld xmlns:a="http://schemas.openxmlformats.org/drawingml/2006/main" xmlns:r="http://schemas.openxmlformats.org/officeDocument/2006/relationships" xmlns:p="http://schemas.openxmlformats.org/presentationml/2006/main">
+  <p:cSld>
+    <p:spTree>
+      <p:nvGrpSpPr>
+        <p:cNvPr id="1" name=""/>
+        <p:cNvGrpSpPr/>
+        <p:nvPr/>
+      </p:nvGrpSpPr>
+      <p:grpSpPr>
+        <a:xfrm>
+          <a:off x="0" y="0"/>
+          <a:ext cx="0" cy="0"/>
+          <a:chOff x="0" y="0"/>
+          <a:chExt cx="0" cy="0"/>
+        </a:xfrm>
+      </p:grpSpPr>
+      <p:sp>
+        <p:nvSpPr>
+          <p:cNvPr id="3" name="Title 2">
+            <a:extLst>
+              <a:ext uri="{FF2B5EF4-FFF2-40B4-BE49-F238E27FC236}">
+                <a16:creationId xmlns:a16="http://schemas.microsoft.com/office/drawing/2014/main" id="{F924BC6B-1F7B-0F42-8357-2F1DD25B6186}"/>
+              </a:ext>
+            </a:extLst>
+          </p:cNvPr>
+          <p:cNvSpPr>
+            <a:spLocks noGrp="1"/>
+          </p:cNvSpPr>
+          <p:nvPr>
+            <p:ph type="title"/>
+          </p:nvPr>
+        </p:nvSpPr>
+        <p:spPr/>
+        <p:txBody>
+          <a:bodyPr/>
+          <a:lstStyle/>
+          <a:p>
+            <a:r>
+              <a:rPr lang="en-US" dirty="0"/>
+              <a:t>My Experience</a:t>
+            </a:r>
+          </a:p>
+        </p:txBody>
+      </p:sp>
+      <p:sp>
+        <p:nvSpPr>
+          <p:cNvPr id="4" name="Content Placeholder 3">
+            <a:extLst>
+              <a:ext uri="{FF2B5EF4-FFF2-40B4-BE49-F238E27FC236}">
+                <a16:creationId xmlns:a16="http://schemas.microsoft.com/office/drawing/2014/main" id="{B28CF362-8A9A-784B-8640-199AB45111FA}"/>
+              </a:ext>
+            </a:extLst>
+          </p:cNvPr>
+          <p:cNvSpPr>
+            <a:spLocks noGrp="1"/>
+          </p:cNvSpPr>
+          <p:nvPr>
+            <p:ph idx="1"/>
+          </p:nvPr>
+        </p:nvSpPr>
+        <p:spPr>
+          <a:xfrm>
+            <a:off x="457200" y="1066800"/>
+            <a:ext cx="8229600" cy="4572001"/>
+          </a:xfrm>
+        </p:spPr>
+        <p:txBody>
+          <a:bodyPr/>
+          <a:lstStyle/>
+          <a:p>
+            <a:r>
+              <a:rPr lang="en-US" dirty="0"/>
+              <a:t>Need an overall strategy to address the huge combinatorics</a:t>
+            </a:r>
+          </a:p>
+          <a:p>
+            <a:pPr lvl="1"/>
+            <a:r>
+              <a:rPr lang="en-US" dirty="0"/>
+              <a:t>My strategy: decouple the kinetics equations</a:t>
+            </a:r>
+          </a:p>
+          <a:p>
+            <a:r>
+              <a:rPr lang="en-US" dirty="0"/>
+              <a:t>Need good control over parameter optimization</a:t>
+            </a:r>
+          </a:p>
+          <a:p>
+            <a:pPr lvl="1"/>
+            <a:r>
+              <a:rPr lang="en-US" dirty="0"/>
+              <a:t>Choice of objective function (used 1 – </a:t>
+            </a:r>
+            <a:r>
+              <a:rPr lang="en-US" i="1" dirty="0"/>
+              <a:t>R</a:t>
+            </a:r>
+            <a:r>
+              <a:rPr lang="en-US" baseline="30000" dirty="0"/>
+              <a:t>2</a:t>
+            </a:r>
+            <a:r>
+              <a:rPr lang="en-US" dirty="0"/>
+              <a:t>)</a:t>
+            </a:r>
+          </a:p>
+          <a:p>
+            <a:pPr lvl="1"/>
+            <a:r>
+              <a:rPr lang="en-US" dirty="0"/>
+              <a:t>Limits on number of iterations</a:t>
+            </a:r>
+          </a:p>
+          <a:p>
+            <a:r>
+              <a:rPr lang="en-US" dirty="0"/>
+              <a:t>Visualize the data. </a:t>
+            </a:r>
+          </a:p>
+          <a:p>
+            <a:pPr lvl="1"/>
+            <a:r>
+              <a:rPr lang="en-US" dirty="0"/>
+              <a:t>Model quality metrics often fail to yield good models.</a:t>
+            </a:r>
+          </a:p>
+          <a:p>
+            <a:r>
+              <a:rPr lang="en-US" dirty="0"/>
+              <a:t>Don’t skimp on computational tools.</a:t>
+            </a:r>
+          </a:p>
+          <a:p>
+            <a:pPr lvl="1"/>
+            <a:r>
+              <a:rPr lang="en-US" dirty="0"/>
+              <a:t>I spent much </a:t>
+            </a:r>
+            <a:r>
+              <a:rPr lang="en-US" i="1" dirty="0"/>
+              <a:t>less</a:t>
+            </a:r>
+            <a:r>
+              <a:rPr lang="en-US" dirty="0"/>
+              <a:t> time analyzing models than I spent writing software so that I could more rapidly analyze models</a:t>
+            </a:r>
+          </a:p>
+        </p:txBody>
+      </p:sp>
+      <p:sp>
+        <p:nvSpPr>
+          <p:cNvPr id="2" name="Slide Number Placeholder 1">
+            <a:extLst>
+              <a:ext uri="{FF2B5EF4-FFF2-40B4-BE49-F238E27FC236}">
+                <a16:creationId xmlns:a16="http://schemas.microsoft.com/office/drawing/2014/main" id="{276D122F-AB46-8A4E-8303-9D35988BEEE9}"/>
+              </a:ext>
+            </a:extLst>
+          </p:cNvPr>
+          <p:cNvSpPr>
+            <a:spLocks noGrp="1"/>
+          </p:cNvSpPr>
+          <p:nvPr>
+            <p:ph type="sldNum" sz="quarter" idx="11"/>
+          </p:nvPr>
+        </p:nvSpPr>
+        <p:spPr/>
+        <p:txBody>
+          <a:bodyPr/>
+          <a:lstStyle/>
+          <a:p>
+            <a:pPr>
+              <a:defRPr/>
+            </a:pPr>
+            <a:fld id="{21F96DF4-0A1C-4FFD-A010-55DAD04D9A67}" type="slidenum">
+              <a:rPr lang="en-US" altLang="x-none" smtClean="0"/>
+              <a:pPr>
+                <a:defRPr/>
+              </a:pPr>
+              <a:t>11</a:t>
+            </a:fld>
+            <a:endParaRPr lang="en-US" altLang="x-none"/>
+          </a:p>
+        </p:txBody>
+      </p:sp>
+    </p:spTree>
+    <p:extLst>
+      <p:ext uri="{BB962C8B-B14F-4D97-AF65-F5344CB8AC3E}">
+        <p14:creationId xmlns:p14="http://schemas.microsoft.com/office/powerpoint/2010/main" val="3175148304"/>
+      </p:ext>
+    </p:extLst>
+  </p:cSld>
+  <p:clrMapOvr>
+    <a:masterClrMapping/>
+  </p:clrMapOvr>
+  <p:timing>
+    <p:tnLst>
+      <p:par>
+        <p:cTn id="1" dur="indefinite" restart="never" nodeType="tmRoot">
+          <p:childTnLst>
+            <p:seq concurrent="1" nextAc="seek">
+              <p:cTn id="2" dur="indefinite" nodeType="mainSeq">
+                <p:childTnLst>
+                  <p:par>
+                    <p:cTn id="3" fill="hold">
+                      <p:stCondLst>
+                        <p:cond delay="indefinite"/>
+                      </p:stCondLst>
+                      <p:childTnLst>
+                        <p:par>
+                          <p:cTn id="4" fill="hold">
+                            <p:stCondLst>
+                              <p:cond delay="0"/>
+                            </p:stCondLst>
+                            <p:childTnLst>
+                              <p:par>
+                                <p:cTn id="5" presetID="1" presetClass="entr" presetSubtype="0" fill="hold" nodeType="clickEffect">
+                                  <p:stCondLst>
+                                    <p:cond delay="0"/>
+                                  </p:stCondLst>
+                                  <p:childTnLst>
+                                    <p:set>
+                                      <p:cBhvr>
+                                        <p:cTn id="6" dur="1" fill="hold">
+                                          <p:stCondLst>
+                                            <p:cond delay="0"/>
+                                          </p:stCondLst>
+                                        </p:cTn>
+                                        <p:tgtEl>
+                                          <p:spTgt spid="4">
+                                            <p:txEl>
+                                              <p:pRg st="2" end="2"/>
+                                            </p:txEl>
+                                          </p:spTgt>
+                                        </p:tgtEl>
+                                        <p:attrNameLst>
+                                          <p:attrName>style.visibility</p:attrName>
+                                        </p:attrNameLst>
+                                      </p:cBhvr>
+                                      <p:to>
+                                        <p:strVal val="visible"/>
+                                      </p:to>
+                                    </p:set>
+                                  </p:childTnLst>
+                                </p:cTn>
+                              </p:par>
+                              <p:par>
+                                <p:cTn id="7" presetID="1" presetClass="entr" presetSubtype="0" fill="hold" nodeType="withEffect">
+                                  <p:stCondLst>
+                                    <p:cond delay="0"/>
+                                  </p:stCondLst>
+                                  <p:childTnLst>
+                                    <p:set>
+                                      <p:cBhvr>
+                                        <p:cTn id="8" dur="1" fill="hold">
+                                          <p:stCondLst>
+                                            <p:cond delay="0"/>
+                                          </p:stCondLst>
+                                        </p:cTn>
+                                        <p:tgtEl>
+                                          <p:spTgt spid="4">
+                                            <p:txEl>
+                                              <p:pRg st="3" end="3"/>
+                                            </p:txEl>
+                                          </p:spTgt>
+                                        </p:tgtEl>
+                                        <p:attrNameLst>
+                                          <p:attrName>style.visibility</p:attrName>
+                                        </p:attrNameLst>
+                                      </p:cBhvr>
+                                      <p:to>
+                                        <p:strVal val="visible"/>
+                                      </p:to>
+                                    </p:set>
+                                  </p:childTnLst>
+                                </p:cTn>
+                              </p:par>
+                              <p:par>
+                                <p:cTn id="9" presetID="1" presetClass="entr" presetSubtype="0" fill="hold" nodeType="withEffect">
+                                  <p:stCondLst>
+                                    <p:cond delay="0"/>
+                                  </p:stCondLst>
+                                  <p:childTnLst>
+                                    <p:set>
+                                      <p:cBhvr>
+                                        <p:cTn id="10" dur="1" fill="hold">
+                                          <p:stCondLst>
+                                            <p:cond delay="0"/>
+                                          </p:stCondLst>
+                                        </p:cTn>
+                                        <p:tgtEl>
+                                          <p:spTgt spid="4">
+                                            <p:txEl>
+                                              <p:pRg st="4" end="4"/>
+                                            </p:txEl>
+                                          </p:spTgt>
+                                        </p:tgtEl>
+                                        <p:attrNameLst>
+                                          <p:attrName>style.visibility</p:attrName>
+                                        </p:attrNameLst>
+                                      </p:cBhvr>
+                                      <p:to>
+                                        <p:strVal val="visible"/>
+                                      </p:to>
+                                    </p:set>
+                                  </p:childTnLst>
+                                </p:cTn>
+                              </p:par>
+                            </p:childTnLst>
+                          </p:cTn>
+                        </p:par>
+                      </p:childTnLst>
+                    </p:cTn>
+                  </p:par>
+                  <p:par>
+                    <p:cTn id="11" fill="hold">
+                      <p:stCondLst>
+                        <p:cond delay="indefinite"/>
+                      </p:stCondLst>
+                      <p:childTnLst>
+                        <p:par>
+                          <p:cTn id="12" fill="hold">
+                            <p:stCondLst>
+                              <p:cond delay="0"/>
+                            </p:stCondLst>
+                            <p:childTnLst>
+                              <p:par>
+                                <p:cTn id="13" presetID="1" presetClass="entr" presetSubtype="0" fill="hold" nodeType="clickEffect">
+                                  <p:stCondLst>
+                                    <p:cond delay="0"/>
+                                  </p:stCondLst>
+                                  <p:childTnLst>
+                                    <p:set>
+                                      <p:cBhvr>
+                                        <p:cTn id="14" dur="1" fill="hold">
+                                          <p:stCondLst>
+                                            <p:cond delay="0"/>
+                                          </p:stCondLst>
+                                        </p:cTn>
+                                        <p:tgtEl>
+                                          <p:spTgt spid="4">
+                                            <p:txEl>
+                                              <p:pRg st="5" end="5"/>
+                                            </p:txEl>
+                                          </p:spTgt>
+                                        </p:tgtEl>
+                                        <p:attrNameLst>
+                                          <p:attrName>style.visibility</p:attrName>
+                                        </p:attrNameLst>
+                                      </p:cBhvr>
+                                      <p:to>
+                                        <p:strVal val="visible"/>
+                                      </p:to>
+                                    </p:set>
+                                  </p:childTnLst>
+                                </p:cTn>
+                              </p:par>
+                              <p:par>
+                                <p:cTn id="15" presetID="1" presetClass="entr" presetSubtype="0" fill="hold" nodeType="withEffect">
+                                  <p:stCondLst>
+                                    <p:cond delay="0"/>
+                                  </p:stCondLst>
+                                  <p:childTnLst>
+                                    <p:set>
+                                      <p:cBhvr>
+                                        <p:cTn id="16" dur="1" fill="hold">
+                                          <p:stCondLst>
+                                            <p:cond delay="0"/>
+                                          </p:stCondLst>
+                                        </p:cTn>
+                                        <p:tgtEl>
+                                          <p:spTgt spid="4">
+                                            <p:txEl>
+                                              <p:pRg st="6" end="6"/>
+                                            </p:txEl>
+                                          </p:spTgt>
+                                        </p:tgtEl>
+                                        <p:attrNameLst>
+                                          <p:attrName>style.visibility</p:attrName>
+                                        </p:attrNameLst>
+                                      </p:cBhvr>
+                                      <p:to>
+                                        <p:strVal val="visible"/>
+                                      </p:to>
+                                    </p:set>
+                                  </p:childTnLst>
+                                </p:cTn>
+                              </p:par>
+                            </p:childTnLst>
+                          </p:cTn>
+                        </p:par>
+                      </p:childTnLst>
+                    </p:cTn>
+                  </p:par>
+                  <p:par>
+                    <p:cTn id="17" fill="hold">
+                      <p:stCondLst>
+                        <p:cond delay="indefinite"/>
+                      </p:stCondLst>
+                      <p:childTnLst>
+                        <p:par>
+                          <p:cTn id="18" fill="hold">
+                            <p:stCondLst>
+                              <p:cond delay="0"/>
+                            </p:stCondLst>
+                            <p:childTnLst>
+                              <p:par>
+                                <p:cTn id="19" presetID="1" presetClass="entr" presetSubtype="0" fill="hold" nodeType="clickEffect">
+                                  <p:stCondLst>
+                                    <p:cond delay="0"/>
+                                  </p:stCondLst>
+                                  <p:childTnLst>
+                                    <p:set>
+                                      <p:cBhvr>
+                                        <p:cTn id="20" dur="1" fill="hold">
+                                          <p:stCondLst>
+                                            <p:cond delay="0"/>
+                                          </p:stCondLst>
+                                        </p:cTn>
+                                        <p:tgtEl>
+                                          <p:spTgt spid="4">
+                                            <p:txEl>
+                                              <p:pRg st="7" end="7"/>
+                                            </p:txEl>
+                                          </p:spTgt>
+                                        </p:tgtEl>
+                                        <p:attrNameLst>
+                                          <p:attrName>style.visibility</p:attrName>
+                                        </p:attrNameLst>
+                                      </p:cBhvr>
+                                      <p:to>
+                                        <p:strVal val="visible"/>
+                                      </p:to>
+                                    </p:set>
+                                  </p:childTnLst>
+                                </p:cTn>
+                              </p:par>
+                              <p:par>
+                                <p:cTn id="21" presetID="1" presetClass="entr" presetSubtype="0" fill="hold" nodeType="withEffect">
+                                  <p:stCondLst>
+                                    <p:cond delay="0"/>
+                                  </p:stCondLst>
+                                  <p:childTnLst>
+                                    <p:set>
+                                      <p:cBhvr>
+                                        <p:cTn id="22" dur="1" fill="hold">
+                                          <p:stCondLst>
+                                            <p:cond delay="0"/>
+                                          </p:stCondLst>
+                                        </p:cTn>
+                                        <p:tgtEl>
+                                          <p:spTgt spid="4">
+                                            <p:txEl>
+                                              <p:pRg st="8" end="8"/>
+                                            </p:txEl>
+                                          </p:spTgt>
+                                        </p:tgtEl>
+                                        <p:attrNameLst>
+                                          <p:attrName>style.visibility</p:attrName>
+                                        </p:attrNameLst>
+                                      </p:cBhvr>
+                                      <p:to>
+                                        <p:strVal val="visible"/>
+                                      </p:to>
+                                    </p:set>
+                                  </p:childTnLst>
+                                </p:cTn>
+                              </p:par>
+                            </p:childTnLst>
+                          </p:cTn>
+                        </p:par>
+                      </p:childTnLst>
+                    </p:cTn>
+                  </p:par>
+                </p:childTnLst>
+              </p:cTn>
+              <p:prevCondLst>
+                <p:cond evt="onPrev" delay="0">
+                  <p:tgtEl>
+                    <p:sldTgt/>
+                  </p:tgtEl>
+                </p:cond>
+              </p:prevCondLst>
+              <p:nextCondLst>
+                <p:cond evt="onNext" delay="0">
+                  <p:tgtEl>
+                    <p:sldTgt/>
+                  </p:tgtEl>
+                </p:cond>
+              </p:nextCondLst>
+            </p:seq>
+          </p:childTnLst>
+        </p:cTn>
+      </p:par>
+    </p:tnLst>
+  </p:timing>
 </p:sld>
 </file>
 
@@ -5121,12 +6654,7 @@
             <p:ph type="title"/>
           </p:nvPr>
         </p:nvSpPr>
-        <p:spPr>
-          <a:xfrm>
-            <a:off x="228600" y="381000"/>
-            <a:ext cx="6781800" cy="669924"/>
-          </a:xfrm>
-        </p:spPr>
+        <p:spPr/>
         <p:txBody>
           <a:bodyPr/>
           <a:lstStyle/>
@@ -5134,42 +6662,6 @@
             <a:r>
               <a:rPr lang="en-US" dirty="0"/>
               <a:t>Modeling Game</a:t>
-            </a:r>
-          </a:p>
-        </p:txBody>
-      </p:sp>
-      <p:sp>
-        <p:nvSpPr>
-          <p:cNvPr id="3" name="Content Placeholder 2">
-            <a:extLst>
-              <a:ext uri="{FF2B5EF4-FFF2-40B4-BE49-F238E27FC236}">
-                <a16:creationId xmlns:a16="http://schemas.microsoft.com/office/drawing/2014/main" id="{8104B173-5DA3-6D48-BEB4-3ADF103485A1}"/>
-              </a:ext>
-            </a:extLst>
-          </p:cNvPr>
-          <p:cNvSpPr>
-            <a:spLocks noGrp="1"/>
-          </p:cNvSpPr>
-          <p:nvPr>
-            <p:ph idx="1"/>
-          </p:nvPr>
-        </p:nvSpPr>
-        <p:spPr>
-          <a:xfrm>
-            <a:off x="1918828" y="5883276"/>
-            <a:ext cx="3110372" cy="669924"/>
-          </a:xfrm>
-        </p:spPr>
-        <p:txBody>
-          <a:bodyPr/>
-          <a:lstStyle/>
-          <a:p>
-            <a:pPr marL="0" indent="0">
-              <a:buNone/>
-            </a:pPr>
-            <a:r>
-              <a:rPr lang="en-US" sz="4000" b="1" dirty="0"/>
-              <a:t>Now what?</a:t>
             </a:r>
           </a:p>
         </p:txBody>
@@ -5501,55 +6993,6 @@
                       </p:childTnLst>
                     </p:cTn>
                   </p:par>
-                  <p:par>
-                    <p:cTn id="15" fill="hold">
-                      <p:stCondLst>
-                        <p:cond delay="indefinite"/>
-                      </p:stCondLst>
-                      <p:childTnLst>
-                        <p:par>
-                          <p:cTn id="16" fill="hold">
-                            <p:stCondLst>
-                              <p:cond delay="0"/>
-                            </p:stCondLst>
-                            <p:childTnLst>
-                              <p:par>
-                                <p:cTn id="17" presetID="1" presetClass="entr" presetSubtype="0" fill="hold" grpId="0" nodeType="clickEffect">
-                                  <p:stCondLst>
-                                    <p:cond delay="0"/>
-                                  </p:stCondLst>
-                                  <p:childTnLst>
-                                    <p:set>
-                                      <p:cBhvr>
-                                        <p:cTn id="18" dur="1" fill="hold">
-                                          <p:stCondLst>
-                                            <p:cond delay="0"/>
-                                          </p:stCondLst>
-                                        </p:cTn>
-                                        <p:tgtEl>
-                                          <p:spTgt spid="3">
-                                            <p:txEl>
-                                              <p:pRg st="0" end="0"/>
-                                            </p:txEl>
-                                          </p:spTgt>
-                                        </p:tgtEl>
-                                        <p:attrNameLst>
-                                          <p:attrName>style.visibility</p:attrName>
-                                        </p:attrNameLst>
-                                      </p:cBhvr>
-                                      <p:to>
-                                        <p:strVal val="visible"/>
-                                      </p:to>
-                                    </p:set>
-                                  </p:childTnLst>
-                                </p:cTn>
-                              </p:par>
-                            </p:childTnLst>
-                          </p:cTn>
-                        </p:par>
-                      </p:childTnLst>
-                    </p:cTn>
-                  </p:par>
                 </p:childTnLst>
               </p:cTn>
               <p:prevCondLst>
@@ -5572,7 +7015,6 @@
       </p:par>
     </p:tnLst>
     <p:bldLst>
-      <p:bldP spid="3" grpId="0" build="p"/>
       <p:bldP spid="6" grpId="0"/>
       <p:bldP spid="9" grpId="0"/>
     </p:bldLst>
@@ -5648,14 +7090,14 @@
           <a:p>
             <a:r>
               <a:rPr lang="en-US" dirty="0"/>
-              <a:t>Discover the modeling game GRN using </a:t>
+              <a:t>Discover the modeling game GRN using only: </a:t>
             </a:r>
           </a:p>
           <a:p>
             <a:pPr lvl="1"/>
             <a:r>
               <a:rPr lang="en-US" dirty="0"/>
-              <a:t>wild type mRNA data (protein data or no knockouts)</a:t>
+              <a:t>wild type mRNA data (no protein data; no knockouts)</a:t>
             </a:r>
           </a:p>
           <a:p>
@@ -5902,7 +7344,7 @@
         <p:spPr>
           <a:xfrm>
             <a:off x="457200" y="990600"/>
-            <a:ext cx="6553200" cy="3962400"/>
+            <a:ext cx="3585050" cy="3962400"/>
           </a:xfrm>
         </p:spPr>
         <p:txBody>
@@ -5911,36 +7353,14 @@
           <a:p>
             <a:r>
               <a:rPr lang="en-US" dirty="0"/>
-              <a:t>Combinatorics of possible networks (within the game constraints) </a:t>
+              <a:t>Combinatorics</a:t>
             </a:r>
           </a:p>
           <a:p>
             <a:pPr lvl="1"/>
             <a:r>
               <a:rPr lang="en-US" dirty="0"/>
-              <a:t>17 possibilities for each TF (8 activate + 8 inhibit + None)</a:t>
-            </a:r>
-          </a:p>
-          <a:p>
-            <a:pPr lvl="1"/>
-            <a:r>
-              <a:rPr lang="en-US" dirty="0"/>
-              <a:t>9 ”absent” TFs</a:t>
-            </a:r>
-          </a:p>
-          <a:p>
-            <a:pPr lvl="1"/>
-            <a:r>
-              <a:rPr lang="en-US" dirty="0"/>
-              <a:t>17</a:t>
-            </a:r>
-            <a:r>
-              <a:rPr lang="en-US" baseline="30000" dirty="0"/>
-              <a:t>9 </a:t>
-            </a:r>
-            <a:r>
-              <a:rPr lang="en-US" dirty="0"/>
-              <a:t>~12T</a:t>
+              <a:t>Coupled kinetics mean multiplicative combinatorics </a:t>
             </a:r>
           </a:p>
           <a:p>
@@ -5953,7 +7373,14 @@
             <a:pPr lvl="1"/>
             <a:r>
               <a:rPr lang="en-US" dirty="0"/>
-              <a:t>Number of parameters to estimate and simulation length</a:t>
+              <a:t>number of parameters to estimate</a:t>
+            </a:r>
+          </a:p>
+          <a:p>
+            <a:pPr lvl="1"/>
+            <a:r>
+              <a:rPr lang="en-US" dirty="0"/>
+              <a:t> length of time to simulate</a:t>
             </a:r>
           </a:p>
         </p:txBody>
@@ -6023,16 +7450,682 @@
           </a:prstGeom>
         </p:spPr>
       </p:pic>
+      <p:graphicFrame>
+        <p:nvGraphicFramePr>
+          <p:cNvPr id="6" name="Table 5">
+            <a:extLst>
+              <a:ext uri="{FF2B5EF4-FFF2-40B4-BE49-F238E27FC236}">
+                <a16:creationId xmlns:a16="http://schemas.microsoft.com/office/drawing/2014/main" id="{2B3B18B3-9337-8649-A679-CCD04F6A2694}"/>
+              </a:ext>
+            </a:extLst>
+          </p:cNvPr>
+          <p:cNvGraphicFramePr>
+            <a:graphicFrameLocks noGrp="1"/>
+          </p:cNvGraphicFramePr>
+          <p:nvPr>
+            <p:extLst>
+              <p:ext uri="{D42A27DB-BD31-4B8C-83A1-F6EECF244321}">
+                <p14:modId xmlns:p14="http://schemas.microsoft.com/office/powerpoint/2010/main" val="2647428516"/>
+              </p:ext>
+            </p:extLst>
+          </p:nvPr>
+        </p:nvGraphicFramePr>
+        <p:xfrm>
+          <a:off x="4339750" y="1044485"/>
+          <a:ext cx="2670649" cy="3708400"/>
+        </p:xfrm>
+        <a:graphic>
+          <a:graphicData uri="http://schemas.openxmlformats.org/drawingml/2006/table">
+            <a:tbl>
+              <a:tblPr firstRow="1" bandRow="1">
+                <a:tableStyleId>{5C22544A-7EE6-4342-B048-85BDC9FD1C3A}</a:tableStyleId>
+              </a:tblPr>
+              <a:tblGrid>
+                <a:gridCol w="867961">
+                  <a:extLst>
+                    <a:ext uri="{9D8B030D-6E8A-4147-A177-3AD203B41FA5}">
+                      <a16:colId xmlns:a16="http://schemas.microsoft.com/office/drawing/2014/main" val="4245085006"/>
+                    </a:ext>
+                  </a:extLst>
+                </a:gridCol>
+                <a:gridCol w="1802688">
+                  <a:extLst>
+                    <a:ext uri="{9D8B030D-6E8A-4147-A177-3AD203B41FA5}">
+                      <a16:colId xmlns:a16="http://schemas.microsoft.com/office/drawing/2014/main" val="4042024944"/>
+                    </a:ext>
+                  </a:extLst>
+                </a:gridCol>
+              </a:tblGrid>
+              <a:tr h="370840">
+                <a:tc>
+                  <a:txBody>
+                    <a:bodyPr/>
+                    <a:lstStyle/>
+                    <a:p>
+                      <a:r>
+                        <a:rPr lang="en-US" dirty="0"/>
+                        <a:t>Gene</a:t>
+                      </a:r>
+                    </a:p>
+                  </a:txBody>
+                  <a:tcPr/>
+                </a:tc>
+                <a:tc>
+                  <a:txBody>
+                    <a:bodyPr/>
+                    <a:lstStyle/>
+                    <a:p>
+                      <a:r>
+                        <a:rPr lang="en-US" dirty="0"/>
+                        <a:t>TF Combinations</a:t>
+                      </a:r>
+                    </a:p>
+                  </a:txBody>
+                  <a:tcPr/>
+                </a:tc>
+                <a:extLst>
+                  <a:ext uri="{0D108BD9-81ED-4DB2-BD59-A6C34878D82A}">
+                    <a16:rowId xmlns:a16="http://schemas.microsoft.com/office/drawing/2014/main" val="2012540120"/>
+                  </a:ext>
+                </a:extLst>
+              </a:tr>
+              <a:tr h="370840">
+                <a:tc>
+                  <a:txBody>
+                    <a:bodyPr/>
+                    <a:lstStyle/>
+                    <a:p>
+                      <a:r>
+                        <a:rPr lang="en-US" dirty="0"/>
+                        <a:t>1</a:t>
+                      </a:r>
+                    </a:p>
+                  </a:txBody>
+                  <a:tcPr/>
+                </a:tc>
+                <a:tc>
+                  <a:txBody>
+                    <a:bodyPr/>
+                    <a:lstStyle/>
+                    <a:p>
+                      <a:r>
+                        <a:rPr lang="en-US" dirty="0"/>
+                        <a:t>0</a:t>
+                      </a:r>
+                    </a:p>
+                  </a:txBody>
+                  <a:tcPr/>
+                </a:tc>
+                <a:extLst>
+                  <a:ext uri="{0D108BD9-81ED-4DB2-BD59-A6C34878D82A}">
+                    <a16:rowId xmlns:a16="http://schemas.microsoft.com/office/drawing/2014/main" val="1953992102"/>
+                  </a:ext>
+                </a:extLst>
+              </a:tr>
+              <a:tr h="370840">
+                <a:tc>
+                  <a:txBody>
+                    <a:bodyPr/>
+                    <a:lstStyle/>
+                    <a:p>
+                      <a:r>
+                        <a:rPr lang="en-US" dirty="0"/>
+                        <a:t>2</a:t>
+                      </a:r>
+                    </a:p>
+                  </a:txBody>
+                  <a:tcPr/>
+                </a:tc>
+                <a:tc>
+                  <a:txBody>
+                    <a:bodyPr/>
+                    <a:lstStyle/>
+                    <a:p>
+                      <a:r>
+                        <a:rPr lang="en-US" dirty="0"/>
+                        <a:t>14</a:t>
+                      </a:r>
+                    </a:p>
+                  </a:txBody>
+                  <a:tcPr/>
+                </a:tc>
+                <a:extLst>
+                  <a:ext uri="{0D108BD9-81ED-4DB2-BD59-A6C34878D82A}">
+                    <a16:rowId xmlns:a16="http://schemas.microsoft.com/office/drawing/2014/main" val="1563543479"/>
+                  </a:ext>
+                </a:extLst>
+              </a:tr>
+              <a:tr h="370840">
+                <a:tc>
+                  <a:txBody>
+                    <a:bodyPr/>
+                    <a:lstStyle/>
+                    <a:p>
+                      <a:r>
+                        <a:rPr lang="en-US" dirty="0"/>
+                        <a:t>3</a:t>
+                      </a:r>
+                    </a:p>
+                  </a:txBody>
+                  <a:tcPr/>
+                </a:tc>
+                <a:tc>
+                  <a:txBody>
+                    <a:bodyPr/>
+                    <a:lstStyle/>
+                    <a:p>
+                      <a:r>
+                        <a:rPr lang="en-US" dirty="0"/>
+                        <a:t>14</a:t>
+                      </a:r>
+                    </a:p>
+                  </a:txBody>
+                  <a:tcPr/>
+                </a:tc>
+                <a:extLst>
+                  <a:ext uri="{0D108BD9-81ED-4DB2-BD59-A6C34878D82A}">
+                    <a16:rowId xmlns:a16="http://schemas.microsoft.com/office/drawing/2014/main" val="4058934727"/>
+                  </a:ext>
+                </a:extLst>
+              </a:tr>
+              <a:tr h="370840">
+                <a:tc>
+                  <a:txBody>
+                    <a:bodyPr/>
+                    <a:lstStyle/>
+                    <a:p>
+                      <a:r>
+                        <a:rPr lang="en-US" dirty="0"/>
+                        <a:t>4</a:t>
+                      </a:r>
+                    </a:p>
+                  </a:txBody>
+                  <a:tcPr/>
+                </a:tc>
+                <a:tc>
+                  <a:txBody>
+                    <a:bodyPr/>
+                    <a:lstStyle/>
+                    <a:p>
+                      <a:r>
+                        <a:rPr lang="en-US" dirty="0"/>
+                        <a:t>14</a:t>
+                      </a:r>
+                    </a:p>
+                  </a:txBody>
+                  <a:tcPr/>
+                </a:tc>
+                <a:extLst>
+                  <a:ext uri="{0D108BD9-81ED-4DB2-BD59-A6C34878D82A}">
+                    <a16:rowId xmlns:a16="http://schemas.microsoft.com/office/drawing/2014/main" val="1137069059"/>
+                  </a:ext>
+                </a:extLst>
+              </a:tr>
+              <a:tr h="370840">
+                <a:tc>
+                  <a:txBody>
+                    <a:bodyPr/>
+                    <a:lstStyle/>
+                    <a:p>
+                      <a:r>
+                        <a:rPr lang="en-US" dirty="0"/>
+                        <a:t>5</a:t>
+                      </a:r>
+                    </a:p>
+                  </a:txBody>
+                  <a:tcPr/>
+                </a:tc>
+                <a:tc>
+                  <a:txBody>
+                    <a:bodyPr/>
+                    <a:lstStyle/>
+                    <a:p>
+                      <a:r>
+                        <a:rPr lang="en-US" dirty="0"/>
+                        <a:t>(16)(14) = 224</a:t>
+                      </a:r>
+                    </a:p>
+                  </a:txBody>
+                  <a:tcPr/>
+                </a:tc>
+                <a:extLst>
+                  <a:ext uri="{0D108BD9-81ED-4DB2-BD59-A6C34878D82A}">
+                    <a16:rowId xmlns:a16="http://schemas.microsoft.com/office/drawing/2014/main" val="788297248"/>
+                  </a:ext>
+                </a:extLst>
+              </a:tr>
+              <a:tr h="370840">
+                <a:tc>
+                  <a:txBody>
+                    <a:bodyPr/>
+                    <a:lstStyle/>
+                    <a:p>
+                      <a:r>
+                        <a:rPr lang="en-US" dirty="0"/>
+                        <a:t>6</a:t>
+                      </a:r>
+                    </a:p>
+                  </a:txBody>
+                  <a:tcPr/>
+                </a:tc>
+                <a:tc>
+                  <a:txBody>
+                    <a:bodyPr/>
+                    <a:lstStyle/>
+                    <a:p>
+                      <a:r>
+                        <a:rPr lang="en-US" dirty="0"/>
+                        <a:t>0</a:t>
+                      </a:r>
+                    </a:p>
+                  </a:txBody>
+                  <a:tcPr/>
+                </a:tc>
+                <a:extLst>
+                  <a:ext uri="{0D108BD9-81ED-4DB2-BD59-A6C34878D82A}">
+                    <a16:rowId xmlns:a16="http://schemas.microsoft.com/office/drawing/2014/main" val="4073659111"/>
+                  </a:ext>
+                </a:extLst>
+              </a:tr>
+              <a:tr h="370840">
+                <a:tc>
+                  <a:txBody>
+                    <a:bodyPr/>
+                    <a:lstStyle/>
+                    <a:p>
+                      <a:r>
+                        <a:rPr lang="en-US" dirty="0"/>
+                        <a:t>7</a:t>
+                      </a:r>
+                    </a:p>
+                  </a:txBody>
+                  <a:tcPr/>
+                </a:tc>
+                <a:tc>
+                  <a:txBody>
+                    <a:bodyPr/>
+                    <a:lstStyle/>
+                    <a:p>
+                      <a:r>
+                        <a:rPr lang="en-US" dirty="0"/>
+                        <a:t>(16)(14) = 224</a:t>
+                      </a:r>
+                    </a:p>
+                  </a:txBody>
+                  <a:tcPr/>
+                </a:tc>
+                <a:extLst>
+                  <a:ext uri="{0D108BD9-81ED-4DB2-BD59-A6C34878D82A}">
+                    <a16:rowId xmlns:a16="http://schemas.microsoft.com/office/drawing/2014/main" val="1501332435"/>
+                  </a:ext>
+                </a:extLst>
+              </a:tr>
+              <a:tr h="370840">
+                <a:tc>
+                  <a:txBody>
+                    <a:bodyPr/>
+                    <a:lstStyle/>
+                    <a:p>
+                      <a:r>
+                        <a:rPr lang="en-US" dirty="0"/>
+                        <a:t>8</a:t>
+                      </a:r>
+                    </a:p>
+                  </a:txBody>
+                  <a:tcPr/>
+                </a:tc>
+                <a:tc>
+                  <a:txBody>
+                    <a:bodyPr/>
+                    <a:lstStyle/>
+                    <a:p>
+                      <a:r>
+                        <a:rPr lang="en-US" dirty="0"/>
+                        <a:t>14</a:t>
+                      </a:r>
+                    </a:p>
+                  </a:txBody>
+                  <a:tcPr/>
+                </a:tc>
+                <a:extLst>
+                  <a:ext uri="{0D108BD9-81ED-4DB2-BD59-A6C34878D82A}">
+                    <a16:rowId xmlns:a16="http://schemas.microsoft.com/office/drawing/2014/main" val="426223245"/>
+                  </a:ext>
+                </a:extLst>
+              </a:tr>
+              <a:tr h="370840">
+                <a:tc>
+                  <a:txBody>
+                    <a:bodyPr/>
+                    <a:lstStyle/>
+                    <a:p>
+                      <a:r>
+                        <a:rPr lang="en-US" dirty="0"/>
+                        <a:t>TOTAL</a:t>
+                      </a:r>
+                    </a:p>
+                  </a:txBody>
+                  <a:tcPr/>
+                </a:tc>
+                <a:tc>
+                  <a:txBody>
+                    <a:bodyPr/>
+                    <a:lstStyle/>
+                    <a:p>
+                      <a:r>
+                        <a:rPr lang="en-US" dirty="0"/>
+                        <a:t>(14</a:t>
+                      </a:r>
+                      <a:r>
+                        <a:rPr lang="en-US" baseline="30000" dirty="0"/>
+                        <a:t>4</a:t>
+                      </a:r>
+                      <a:r>
+                        <a:rPr lang="en-US" baseline="0" dirty="0"/>
+                        <a:t>)(224</a:t>
+                      </a:r>
+                      <a:r>
+                        <a:rPr lang="en-US" baseline="30000" dirty="0"/>
+                        <a:t>2</a:t>
+                      </a:r>
+                      <a:r>
+                        <a:rPr lang="en-US" baseline="0" dirty="0"/>
+                        <a:t>) ~ 2B</a:t>
+                      </a:r>
+                      <a:endParaRPr lang="en-US" dirty="0"/>
+                    </a:p>
+                  </a:txBody>
+                  <a:tcPr/>
+                </a:tc>
+                <a:extLst>
+                  <a:ext uri="{0D108BD9-81ED-4DB2-BD59-A6C34878D82A}">
+                    <a16:rowId xmlns:a16="http://schemas.microsoft.com/office/drawing/2014/main" val="3131027480"/>
+                  </a:ext>
+                </a:extLst>
+              </a:tr>
+            </a:tbl>
+          </a:graphicData>
+        </a:graphic>
+      </p:graphicFrame>
+      <p:sp>
+        <p:nvSpPr>
+          <p:cNvPr id="7" name="TextBox 6">
+            <a:extLst>
+              <a:ext uri="{FF2B5EF4-FFF2-40B4-BE49-F238E27FC236}">
+                <a16:creationId xmlns:a16="http://schemas.microsoft.com/office/drawing/2014/main" id="{4FD615D9-1AFD-D54C-86A4-F892E55E7D8C}"/>
+              </a:ext>
+            </a:extLst>
+          </p:cNvPr>
+          <p:cNvSpPr txBox="1"/>
+          <p:nvPr/>
+        </p:nvSpPr>
+        <p:spPr>
+          <a:xfrm>
+            <a:off x="1219200" y="5638800"/>
+            <a:ext cx="7658122" cy="400110"/>
+          </a:xfrm>
+          <a:prstGeom prst="rect">
+            <a:avLst/>
+          </a:prstGeom>
+          <a:noFill/>
+        </p:spPr>
+        <p:txBody>
+          <a:bodyPr wrap="none" rtlCol="0">
+            <a:spAutoFit/>
+          </a:bodyPr>
+          <a:lstStyle/>
+          <a:p>
+            <a:r>
+              <a:rPr lang="en-US" sz="2000" b="1" dirty="0"/>
+              <a:t>Brute force search is impossible, even with a supercomputer.</a:t>
+            </a:r>
+          </a:p>
+        </p:txBody>
+      </p:sp>
     </p:spTree>
     <p:extLst>
       <p:ext uri="{BB962C8B-B14F-4D97-AF65-F5344CB8AC3E}">
-        <p14:creationId xmlns:p14="http://schemas.microsoft.com/office/powerpoint/2010/main" val="2061748505"/>
+        <p14:creationId xmlns:p14="http://schemas.microsoft.com/office/powerpoint/2010/main" val="591059159"/>
       </p:ext>
     </p:extLst>
   </p:cSld>
   <p:clrMapOvr>
     <a:masterClrMapping/>
   </p:clrMapOvr>
+  <p:timing>
+    <p:tnLst>
+      <p:par>
+        <p:cTn id="1" dur="indefinite" restart="never" nodeType="tmRoot">
+          <p:childTnLst>
+            <p:seq concurrent="1" nextAc="seek">
+              <p:cTn id="2" dur="indefinite" nodeType="mainSeq">
+                <p:childTnLst>
+                  <p:par>
+                    <p:cTn id="3" fill="hold">
+                      <p:stCondLst>
+                        <p:cond delay="indefinite"/>
+                      </p:stCondLst>
+                      <p:childTnLst>
+                        <p:par>
+                          <p:cTn id="4" fill="hold">
+                            <p:stCondLst>
+                              <p:cond delay="0"/>
+                            </p:stCondLst>
+                            <p:childTnLst>
+                              <p:par>
+                                <p:cTn id="5" presetID="1" presetClass="entr" presetSubtype="0" fill="hold" nodeType="clickEffect">
+                                  <p:stCondLst>
+                                    <p:cond delay="0"/>
+                                  </p:stCondLst>
+                                  <p:childTnLst>
+                                    <p:set>
+                                      <p:cBhvr>
+                                        <p:cTn id="6" dur="1" fill="hold">
+                                          <p:stCondLst>
+                                            <p:cond delay="0"/>
+                                          </p:stCondLst>
+                                        </p:cTn>
+                                        <p:tgtEl>
+                                          <p:spTgt spid="6"/>
+                                        </p:tgtEl>
+                                        <p:attrNameLst>
+                                          <p:attrName>style.visibility</p:attrName>
+                                        </p:attrNameLst>
+                                      </p:cBhvr>
+                                      <p:to>
+                                        <p:strVal val="visible"/>
+                                      </p:to>
+                                    </p:set>
+                                  </p:childTnLst>
+                                </p:cTn>
+                              </p:par>
+                            </p:childTnLst>
+                          </p:cTn>
+                        </p:par>
+                      </p:childTnLst>
+                    </p:cTn>
+                  </p:par>
+                  <p:par>
+                    <p:cTn id="7" fill="hold">
+                      <p:stCondLst>
+                        <p:cond delay="indefinite"/>
+                      </p:stCondLst>
+                      <p:childTnLst>
+                        <p:par>
+                          <p:cTn id="8" fill="hold">
+                            <p:stCondLst>
+                              <p:cond delay="0"/>
+                            </p:stCondLst>
+                            <p:childTnLst>
+                              <p:par>
+                                <p:cTn id="9" presetID="1" presetClass="entr" presetSubtype="0" fill="hold" nodeType="clickEffect">
+                                  <p:stCondLst>
+                                    <p:cond delay="0"/>
+                                  </p:stCondLst>
+                                  <p:childTnLst>
+                                    <p:set>
+                                      <p:cBhvr>
+                                        <p:cTn id="10" dur="1" fill="hold">
+                                          <p:stCondLst>
+                                            <p:cond delay="0"/>
+                                          </p:stCondLst>
+                                        </p:cTn>
+                                        <p:tgtEl>
+                                          <p:spTgt spid="3">
+                                            <p:txEl>
+                                              <p:pRg st="2" end="2"/>
+                                            </p:txEl>
+                                          </p:spTgt>
+                                        </p:tgtEl>
+                                        <p:attrNameLst>
+                                          <p:attrName>style.visibility</p:attrName>
+                                        </p:attrNameLst>
+                                      </p:cBhvr>
+                                      <p:to>
+                                        <p:strVal val="visible"/>
+                                      </p:to>
+                                    </p:set>
+                                  </p:childTnLst>
+                                </p:cTn>
+                              </p:par>
+                              <p:par>
+                                <p:cTn id="11" presetID="1" presetClass="entr" presetSubtype="0" fill="hold" nodeType="withEffect">
+                                  <p:stCondLst>
+                                    <p:cond delay="0"/>
+                                  </p:stCondLst>
+                                  <p:childTnLst>
+                                    <p:set>
+                                      <p:cBhvr>
+                                        <p:cTn id="12" dur="1" fill="hold">
+                                          <p:stCondLst>
+                                            <p:cond delay="0"/>
+                                          </p:stCondLst>
+                                        </p:cTn>
+                                        <p:tgtEl>
+                                          <p:spTgt spid="3">
+                                            <p:txEl>
+                                              <p:pRg st="3" end="3"/>
+                                            </p:txEl>
+                                          </p:spTgt>
+                                        </p:tgtEl>
+                                        <p:attrNameLst>
+                                          <p:attrName>style.visibility</p:attrName>
+                                        </p:attrNameLst>
+                                      </p:cBhvr>
+                                      <p:to>
+                                        <p:strVal val="visible"/>
+                                      </p:to>
+                                    </p:set>
+                                  </p:childTnLst>
+                                </p:cTn>
+                              </p:par>
+                              <p:par>
+                                <p:cTn id="13" presetID="1" presetClass="entr" presetSubtype="0" fill="hold" nodeType="withEffect">
+                                  <p:stCondLst>
+                                    <p:cond delay="0"/>
+                                  </p:stCondLst>
+                                  <p:childTnLst>
+                                    <p:set>
+                                      <p:cBhvr>
+                                        <p:cTn id="14" dur="1" fill="hold">
+                                          <p:stCondLst>
+                                            <p:cond delay="0"/>
+                                          </p:stCondLst>
+                                        </p:cTn>
+                                        <p:tgtEl>
+                                          <p:spTgt spid="3">
+                                            <p:txEl>
+                                              <p:pRg st="4" end="4"/>
+                                            </p:txEl>
+                                          </p:spTgt>
+                                        </p:tgtEl>
+                                        <p:attrNameLst>
+                                          <p:attrName>style.visibility</p:attrName>
+                                        </p:attrNameLst>
+                                      </p:cBhvr>
+                                      <p:to>
+                                        <p:strVal val="visible"/>
+                                      </p:to>
+                                    </p:set>
+                                  </p:childTnLst>
+                                </p:cTn>
+                              </p:par>
+                            </p:childTnLst>
+                          </p:cTn>
+                        </p:par>
+                      </p:childTnLst>
+                    </p:cTn>
+                  </p:par>
+                  <p:par>
+                    <p:cTn id="15" fill="hold">
+                      <p:stCondLst>
+                        <p:cond delay="indefinite"/>
+                      </p:stCondLst>
+                      <p:childTnLst>
+                        <p:par>
+                          <p:cTn id="16" fill="hold">
+                            <p:stCondLst>
+                              <p:cond delay="0"/>
+                            </p:stCondLst>
+                            <p:childTnLst>
+                              <p:par>
+                                <p:cTn id="17" presetID="1" presetClass="entr" presetSubtype="0" fill="hold" grpId="0" nodeType="clickEffect">
+                                  <p:stCondLst>
+                                    <p:cond delay="0"/>
+                                  </p:stCondLst>
+                                  <p:childTnLst>
+                                    <p:set>
+                                      <p:cBhvr>
+                                        <p:cTn id="18" dur="1" fill="hold">
+                                          <p:stCondLst>
+                                            <p:cond delay="0"/>
+                                          </p:stCondLst>
+                                        </p:cTn>
+                                        <p:tgtEl>
+                                          <p:spTgt spid="7"/>
+                                        </p:tgtEl>
+                                        <p:attrNameLst>
+                                          <p:attrName>style.visibility</p:attrName>
+                                        </p:attrNameLst>
+                                      </p:cBhvr>
+                                      <p:to>
+                                        <p:strVal val="visible"/>
+                                      </p:to>
+                                    </p:set>
+                                  </p:childTnLst>
+                                </p:cTn>
+                              </p:par>
+                            </p:childTnLst>
+                          </p:cTn>
+                        </p:par>
+                      </p:childTnLst>
+                    </p:cTn>
+                  </p:par>
+                </p:childTnLst>
+              </p:cTn>
+              <p:prevCondLst>
+                <p:cond evt="onPrev" delay="0">
+                  <p:tgtEl>
+                    <p:sldTgt/>
+                  </p:tgtEl>
+                </p:cond>
+              </p:prevCondLst>
+              <p:nextCondLst>
+                <p:cond evt="onNext" delay="0">
+                  <p:tgtEl>
+                    <p:sldTgt/>
+                  </p:tgtEl>
+                </p:cond>
+              </p:nextCondLst>
+            </p:seq>
+          </p:childTnLst>
+        </p:cTn>
+      </p:par>
+    </p:tnLst>
+    <p:bldLst>
+      <p:bldP spid="7" grpId="0"/>
+    </p:bldLst>
+  </p:timing>
 </p:sld>
 </file>
 
@@ -6058,7 +8151,7 @@
           <p:cNvPr id="2" name="Title 1">
             <a:extLst>
               <a:ext uri="{FF2B5EF4-FFF2-40B4-BE49-F238E27FC236}">
-                <a16:creationId xmlns:a16="http://schemas.microsoft.com/office/drawing/2014/main" id="{0349E0AA-9954-DC46-9551-117372B5B511}"/>
+                <a16:creationId xmlns:a16="http://schemas.microsoft.com/office/drawing/2014/main" id="{D63CF319-09AE-CE4E-A158-B28377EF2043}"/>
               </a:ext>
             </a:extLst>
           </p:cNvPr>
@@ -6076,7 +8169,7 @@
           <a:p>
             <a:r>
               <a:rPr lang="en-US" dirty="0"/>
-              <a:t>Techniques</a:t>
+              <a:t>Core Idea: Decouple Kinetics Equations</a:t>
             </a:r>
           </a:p>
         </p:txBody>
@@ -6086,7 +8179,7 @@
           <p:cNvPr id="3" name="Content Placeholder 2">
             <a:extLst>
               <a:ext uri="{FF2B5EF4-FFF2-40B4-BE49-F238E27FC236}">
-                <a16:creationId xmlns:a16="http://schemas.microsoft.com/office/drawing/2014/main" id="{7A307349-A18C-5743-99E8-18CF8E982F6A}"/>
+                <a16:creationId xmlns:a16="http://schemas.microsoft.com/office/drawing/2014/main" id="{39186C11-C261-3246-9A2D-CDBE9A2C0EDE}"/>
               </a:ext>
             </a:extLst>
           </p:cNvPr>
@@ -6097,43 +8190,74 @@
             <p:ph idx="1"/>
           </p:nvPr>
         </p:nvSpPr>
-        <p:spPr/>
+        <p:spPr>
+          <a:xfrm>
+            <a:off x="457199" y="1066800"/>
+            <a:ext cx="8313789" cy="2057400"/>
+          </a:xfrm>
+        </p:spPr>
         <p:txBody>
           <a:bodyPr/>
           <a:lstStyle/>
           <a:p>
-            <a:r>
-              <a:rPr lang="en-US" dirty="0"/>
-              <a:t>Qualitative analysis to form hypotheses about network connections</a:t>
-            </a:r>
-          </a:p>
-          <a:p>
-            <a:pPr lvl="1"/>
-            <a:r>
-              <a:rPr lang="en-US" dirty="0"/>
-              <a:t>Limits search space</a:t>
-            </a:r>
-          </a:p>
-          <a:p>
-            <a:r>
-              <a:rPr lang="en-US" dirty="0"/>
-              <a:t>Computation to select best hypotheses</a:t>
-            </a:r>
-          </a:p>
-          <a:p>
-            <a:pPr lvl="1"/>
-            <a:r>
-              <a:rPr lang="en-US" dirty="0"/>
-              <a:t>But fitting even 10 parameters takes a </a:t>
-            </a:r>
-            <a:r>
-              <a:rPr lang="en-US" sz="6000" dirty="0"/>
-              <a:t>LONG</a:t>
-            </a:r>
-            <a:r>
-              <a:rPr lang="en-US" dirty="0"/>
-              <a:t> time.</a:t>
-            </a:r>
+            <a:pPr marL="0" indent="0">
+              <a:buNone/>
+            </a:pPr>
+            <a:r>
+              <a:rPr lang="en-US" sz="1600" dirty="0">
+                <a:latin typeface="Courier New" panose="02070309020205020404" pitchFamily="49" charset="0"/>
+                <a:cs typeface="Courier New" panose="02070309020205020404" pitchFamily="49" charset="0"/>
+              </a:rPr>
+              <a:t> J1:  =&gt; mRNA1; L1 + Vm1*((K1_1*INPUT^H1 + K2_1*P4^H1 + K1_1*K3_1*INPUT^H1*P4^H1)/(1 + K1_1*INPUT^H1 + K2_1*P4^H1 + K1_1*K3_1*INPUT^H1*P4^H1)) - d_mRNA1*mRNA1;</a:t>
+            </a:r>
+          </a:p>
+          <a:p>
+            <a:pPr marL="0" indent="0">
+              <a:buNone/>
+            </a:pPr>
+            <a:endParaRPr lang="en-US" sz="1600" dirty="0">
+              <a:latin typeface="Courier New" panose="02070309020205020404" pitchFamily="49" charset="0"/>
+              <a:cs typeface="Courier New" panose="02070309020205020404" pitchFamily="49" charset="0"/>
+            </a:endParaRPr>
+          </a:p>
+          <a:p>
+            <a:pPr marL="0" indent="0">
+              <a:buNone/>
+            </a:pPr>
+            <a:r>
+              <a:rPr lang="en-US" sz="1600" dirty="0">
+                <a:latin typeface="Courier New" panose="02070309020205020404" pitchFamily="49" charset="0"/>
+                <a:cs typeface="Courier New" panose="02070309020205020404" pitchFamily="49" charset="0"/>
+              </a:rPr>
+              <a:t>J4:  =&gt; mRNA4; L4 + Vm4*(1/(1 + K1_4*P2^H4)) - d_mRNA4*mRNA4;</a:t>
+            </a:r>
+          </a:p>
+          <a:p>
+            <a:pPr marL="0" indent="0">
+              <a:buNone/>
+            </a:pPr>
+            <a:endParaRPr lang="en-US" sz="1600" dirty="0">
+              <a:latin typeface="Courier New" panose="02070309020205020404" pitchFamily="49" charset="0"/>
+              <a:cs typeface="Courier New" panose="02070309020205020404" pitchFamily="49" charset="0"/>
+            </a:endParaRPr>
+          </a:p>
+          <a:p>
+            <a:pPr marL="0" indent="0">
+              <a:buNone/>
+            </a:pPr>
+            <a:r>
+              <a:rPr lang="en-US" sz="1600" dirty="0">
+                <a:latin typeface="Courier New" panose="02070309020205020404" pitchFamily="49" charset="0"/>
+                <a:cs typeface="Courier New" panose="02070309020205020404" pitchFamily="49" charset="0"/>
+              </a:rPr>
+              <a:t>F4:  =&gt; P4; a_protein4*mRNA4 - d_protein4*P4;</a:t>
+            </a:r>
+          </a:p>
+          <a:p>
+            <a:pPr marL="0" indent="0">
+              <a:buNone/>
+            </a:pPr>
+            <a:endParaRPr lang="en-US" sz="1600" dirty="0"/>
           </a:p>
         </p:txBody>
       </p:sp>
@@ -6142,7 +8266,7 @@
           <p:cNvPr id="4" name="Slide Number Placeholder 3">
             <a:extLst>
               <a:ext uri="{FF2B5EF4-FFF2-40B4-BE49-F238E27FC236}">
-                <a16:creationId xmlns:a16="http://schemas.microsoft.com/office/drawing/2014/main" id="{FE4B9F86-78E0-F940-B9EC-5FA50DFC97AB}"/>
+                <a16:creationId xmlns:a16="http://schemas.microsoft.com/office/drawing/2014/main" id="{B55E05AB-9AD7-F644-A957-4B09E2AA1C7B}"/>
               </a:ext>
             </a:extLst>
           </p:cNvPr>
@@ -6172,16 +8296,581 @@
           </a:p>
         </p:txBody>
       </p:sp>
+      <p:sp>
+        <p:nvSpPr>
+          <p:cNvPr id="6" name="Content Placeholder 2">
+            <a:extLst>
+              <a:ext uri="{FF2B5EF4-FFF2-40B4-BE49-F238E27FC236}">
+                <a16:creationId xmlns:a16="http://schemas.microsoft.com/office/drawing/2014/main" id="{BCA62951-4AFD-4D46-8926-D16D9276AAF0}"/>
+              </a:ext>
+            </a:extLst>
+          </p:cNvPr>
+          <p:cNvSpPr txBox="1">
+            <a:spLocks/>
+          </p:cNvSpPr>
+          <p:nvPr/>
+        </p:nvSpPr>
+        <p:spPr>
+          <a:xfrm>
+            <a:off x="457200" y="3140076"/>
+            <a:ext cx="8229600" cy="3336924"/>
+          </a:xfrm>
+          <a:prstGeom prst="rect">
+            <a:avLst/>
+          </a:prstGeom>
+          <a:solidFill>
+            <a:schemeClr val="bg1"/>
+          </a:solidFill>
+        </p:spPr>
+        <p:txBody>
+          <a:bodyPr/>
+          <a:lstStyle>
+            <a:lvl1pPr marL="342900" indent="-342900" algn="l" defTabSz="457200" rtl="0" eaLnBrk="0" fontAlgn="base" hangingPunct="0">
+              <a:spcBef>
+                <a:spcPct val="20000"/>
+              </a:spcBef>
+              <a:spcAft>
+                <a:spcPct val="0"/>
+              </a:spcAft>
+              <a:buFont typeface="Arial" panose="020B0604020202020204" pitchFamily="34" charset="0"/>
+              <a:buChar char="•"/>
+              <a:defRPr sz="2800" kern="1200">
+                <a:solidFill>
+                  <a:schemeClr val="tx1"/>
+                </a:solidFill>
+                <a:latin typeface="+mn-lt"/>
+                <a:ea typeface="ＭＳ Ｐゴシック" pitchFamily="-112" charset="-128"/>
+                <a:cs typeface="ＭＳ Ｐゴシック" pitchFamily="-112" charset="-128"/>
+              </a:defRPr>
+            </a:lvl1pPr>
+            <a:lvl2pPr marL="742950" indent="-285750" algn="l" defTabSz="457200" rtl="0" eaLnBrk="0" fontAlgn="base" hangingPunct="0">
+              <a:spcBef>
+                <a:spcPct val="20000"/>
+              </a:spcBef>
+              <a:spcAft>
+                <a:spcPct val="0"/>
+              </a:spcAft>
+              <a:buFont typeface="Arial" panose="020B0604020202020204" pitchFamily="34" charset="0"/>
+              <a:buChar char="–"/>
+              <a:defRPr sz="2400" kern="1200">
+                <a:solidFill>
+                  <a:schemeClr val="tx1"/>
+                </a:solidFill>
+                <a:latin typeface="+mn-lt"/>
+                <a:ea typeface="ＭＳ Ｐゴシック" pitchFamily="-112" charset="-128"/>
+                <a:cs typeface="+mn-cs"/>
+              </a:defRPr>
+            </a:lvl2pPr>
+            <a:lvl3pPr marL="1143000" indent="-228600" algn="l" defTabSz="457200" rtl="0" eaLnBrk="0" fontAlgn="base" hangingPunct="0">
+              <a:spcBef>
+                <a:spcPct val="20000"/>
+              </a:spcBef>
+              <a:spcAft>
+                <a:spcPct val="0"/>
+              </a:spcAft>
+              <a:buFont typeface="Arial" panose="020B0604020202020204" pitchFamily="34" charset="0"/>
+              <a:buChar char="•"/>
+              <a:defRPr sz="2000" kern="1200">
+                <a:solidFill>
+                  <a:schemeClr val="tx1"/>
+                </a:solidFill>
+                <a:latin typeface="+mn-lt"/>
+                <a:ea typeface="ＭＳ Ｐゴシック" pitchFamily="-112" charset="-128"/>
+                <a:cs typeface="+mn-cs"/>
+              </a:defRPr>
+            </a:lvl3pPr>
+            <a:lvl4pPr marL="1600200" indent="-228600" algn="l" defTabSz="457200" rtl="0" eaLnBrk="0" fontAlgn="base" hangingPunct="0">
+              <a:spcBef>
+                <a:spcPct val="20000"/>
+              </a:spcBef>
+              <a:spcAft>
+                <a:spcPct val="0"/>
+              </a:spcAft>
+              <a:buFont typeface="Arial" panose="020B0604020202020204" pitchFamily="34" charset="0"/>
+              <a:buChar char="–"/>
+              <a:defRPr sz="1800" kern="1200">
+                <a:solidFill>
+                  <a:schemeClr val="tx1"/>
+                </a:solidFill>
+                <a:latin typeface="+mn-lt"/>
+                <a:ea typeface="ＭＳ Ｐゴシック" pitchFamily="-112" charset="-128"/>
+                <a:cs typeface="+mn-cs"/>
+              </a:defRPr>
+            </a:lvl4pPr>
+            <a:lvl5pPr marL="2057400" indent="-228600" algn="l" defTabSz="457200" rtl="0" eaLnBrk="0" fontAlgn="base" hangingPunct="0">
+              <a:spcBef>
+                <a:spcPct val="20000"/>
+              </a:spcBef>
+              <a:spcAft>
+                <a:spcPct val="0"/>
+              </a:spcAft>
+              <a:buFont typeface="Arial" panose="020B0604020202020204" pitchFamily="34" charset="0"/>
+              <a:buChar char="»"/>
+              <a:defRPr sz="1800" kern="1200">
+                <a:solidFill>
+                  <a:schemeClr val="tx1"/>
+                </a:solidFill>
+                <a:latin typeface="+mn-lt"/>
+                <a:ea typeface="ＭＳ Ｐゴシック" pitchFamily="-112" charset="-128"/>
+                <a:cs typeface="+mn-cs"/>
+              </a:defRPr>
+            </a:lvl5pPr>
+            <a:lvl6pPr marL="2514600" indent="-228600" algn="l" defTabSz="457200" rtl="0" eaLnBrk="1" latinLnBrk="0" hangingPunct="1">
+              <a:spcBef>
+                <a:spcPct val="20000"/>
+              </a:spcBef>
+              <a:buFont typeface="Arial"/>
+              <a:buChar char="•"/>
+              <a:defRPr sz="2000" kern="1200">
+                <a:solidFill>
+                  <a:schemeClr val="tx1"/>
+                </a:solidFill>
+                <a:latin typeface="+mn-lt"/>
+                <a:ea typeface="+mn-ea"/>
+                <a:cs typeface="+mn-cs"/>
+              </a:defRPr>
+            </a:lvl6pPr>
+            <a:lvl7pPr marL="2971800" indent="-228600" algn="l" defTabSz="457200" rtl="0" eaLnBrk="1" latinLnBrk="0" hangingPunct="1">
+              <a:spcBef>
+                <a:spcPct val="20000"/>
+              </a:spcBef>
+              <a:buFont typeface="Arial"/>
+              <a:buChar char="•"/>
+              <a:defRPr sz="2000" kern="1200">
+                <a:solidFill>
+                  <a:schemeClr val="tx1"/>
+                </a:solidFill>
+                <a:latin typeface="+mn-lt"/>
+                <a:ea typeface="+mn-ea"/>
+                <a:cs typeface="+mn-cs"/>
+              </a:defRPr>
+            </a:lvl7pPr>
+            <a:lvl8pPr marL="3429000" indent="-228600" algn="l" defTabSz="457200" rtl="0" eaLnBrk="1" latinLnBrk="0" hangingPunct="1">
+              <a:spcBef>
+                <a:spcPct val="20000"/>
+              </a:spcBef>
+              <a:buFont typeface="Arial"/>
+              <a:buChar char="•"/>
+              <a:defRPr sz="2000" kern="1200">
+                <a:solidFill>
+                  <a:schemeClr val="tx1"/>
+                </a:solidFill>
+                <a:latin typeface="+mn-lt"/>
+                <a:ea typeface="+mn-ea"/>
+                <a:cs typeface="+mn-cs"/>
+              </a:defRPr>
+            </a:lvl8pPr>
+            <a:lvl9pPr marL="3886200" indent="-228600" algn="l" defTabSz="457200" rtl="0" eaLnBrk="1" latinLnBrk="0" hangingPunct="1">
+              <a:spcBef>
+                <a:spcPct val="20000"/>
+              </a:spcBef>
+              <a:buFont typeface="Arial"/>
+              <a:buChar char="•"/>
+              <a:defRPr sz="2000" kern="1200">
+                <a:solidFill>
+                  <a:schemeClr val="tx1"/>
+                </a:solidFill>
+                <a:latin typeface="+mn-lt"/>
+                <a:ea typeface="+mn-ea"/>
+                <a:cs typeface="+mn-cs"/>
+              </a:defRPr>
+            </a:lvl9pPr>
+          </a:lstStyle>
+          <a:p>
+            <a:r>
+              <a:rPr lang="en-US" sz="2400" dirty="0"/>
+              <a:t>Ex of couplings</a:t>
+            </a:r>
+          </a:p>
+          <a:p>
+            <a:pPr lvl="1"/>
+            <a:r>
+              <a:rPr lang="en-US" sz="2000" dirty="0"/>
+              <a:t>J1 is coupled with F4 because J1 depends on P4</a:t>
+            </a:r>
+          </a:p>
+          <a:p>
+            <a:pPr lvl="1"/>
+            <a:r>
+              <a:rPr lang="en-US" sz="2000" dirty="0"/>
+              <a:t>F4 is coupled with J4 because F4 depends on mRNA4</a:t>
+            </a:r>
+          </a:p>
+          <a:p>
+            <a:r>
+              <a:rPr lang="en-US" sz="2400" dirty="0"/>
+              <a:t>Decouple by</a:t>
+            </a:r>
+          </a:p>
+          <a:p>
+            <a:pPr lvl="1"/>
+            <a:r>
+              <a:rPr lang="en-US" sz="2000" dirty="0"/>
+              <a:t>Using mRNA observational data for the </a:t>
+            </a:r>
+            <a:r>
+              <a:rPr lang="en-US" sz="2000" dirty="0">
+                <a:latin typeface="Courier New" panose="02070309020205020404" pitchFamily="49" charset="0"/>
+                <a:cs typeface="Courier New" panose="02070309020205020404" pitchFamily="49" charset="0"/>
+              </a:rPr>
+              <a:t>mRNA</a:t>
+            </a:r>
+            <a:r>
+              <a:rPr lang="en-US" sz="2000" dirty="0"/>
+              <a:t> values</a:t>
+            </a:r>
+          </a:p>
+          <a:p>
+            <a:pPr lvl="2"/>
+            <a:r>
+              <a:rPr lang="en-US" sz="1800" dirty="0"/>
+              <a:t>eliminates F-to-J coupling</a:t>
+            </a:r>
+          </a:p>
+          <a:p>
+            <a:pPr lvl="1"/>
+            <a:r>
+              <a:rPr lang="en-US" sz="2000" dirty="0"/>
+              <a:t>Producing estimated protein data using “F” reactions</a:t>
+            </a:r>
+          </a:p>
+          <a:p>
+            <a:pPr lvl="2"/>
+            <a:r>
+              <a:rPr lang="en-US" sz="1800" dirty="0"/>
+              <a:t>eliminates J-to-F couplings</a:t>
+            </a:r>
+          </a:p>
+          <a:p>
+            <a:pPr lvl="1"/>
+            <a:endParaRPr lang="en-US" sz="2000" dirty="0"/>
+          </a:p>
+        </p:txBody>
+      </p:sp>
     </p:spTree>
     <p:extLst>
       <p:ext uri="{BB962C8B-B14F-4D97-AF65-F5344CB8AC3E}">
-        <p14:creationId xmlns:p14="http://schemas.microsoft.com/office/powerpoint/2010/main" val="3352865096"/>
+        <p14:creationId xmlns:p14="http://schemas.microsoft.com/office/powerpoint/2010/main" val="2512331136"/>
       </p:ext>
     </p:extLst>
   </p:cSld>
   <p:clrMapOvr>
     <a:masterClrMapping/>
   </p:clrMapOvr>
+  <p:timing>
+    <p:tnLst>
+      <p:par>
+        <p:cTn id="1" dur="indefinite" restart="never" nodeType="tmRoot">
+          <p:childTnLst>
+            <p:seq concurrent="1" nextAc="seek">
+              <p:cTn id="2" dur="indefinite" nodeType="mainSeq">
+                <p:childTnLst>
+                  <p:par>
+                    <p:cTn id="3" fill="hold">
+                      <p:stCondLst>
+                        <p:cond delay="indefinite"/>
+                      </p:stCondLst>
+                      <p:childTnLst>
+                        <p:par>
+                          <p:cTn id="4" fill="hold">
+                            <p:stCondLst>
+                              <p:cond delay="0"/>
+                            </p:stCondLst>
+                            <p:childTnLst>
+                              <p:par>
+                                <p:cTn id="5" presetID="1" presetClass="entr" presetSubtype="0" fill="hold" nodeType="clickEffect">
+                                  <p:stCondLst>
+                                    <p:cond delay="0"/>
+                                  </p:stCondLst>
+                                  <p:childTnLst>
+                                    <p:set>
+                                      <p:cBhvr>
+                                        <p:cTn id="6" dur="1" fill="hold">
+                                          <p:stCondLst>
+                                            <p:cond delay="0"/>
+                                          </p:stCondLst>
+                                        </p:cTn>
+                                        <p:tgtEl>
+                                          <p:spTgt spid="6">
+                                            <p:txEl>
+                                              <p:pRg st="0" end="0"/>
+                                            </p:txEl>
+                                          </p:spTgt>
+                                        </p:tgtEl>
+                                        <p:attrNameLst>
+                                          <p:attrName>style.visibility</p:attrName>
+                                        </p:attrNameLst>
+                                      </p:cBhvr>
+                                      <p:to>
+                                        <p:strVal val="visible"/>
+                                      </p:to>
+                                    </p:set>
+                                  </p:childTnLst>
+                                </p:cTn>
+                              </p:par>
+                              <p:par>
+                                <p:cTn id="7" presetID="1" presetClass="entr" presetSubtype="0" fill="hold" nodeType="withEffect">
+                                  <p:stCondLst>
+                                    <p:cond delay="0"/>
+                                  </p:stCondLst>
+                                  <p:childTnLst>
+                                    <p:set>
+                                      <p:cBhvr>
+                                        <p:cTn id="8" dur="1" fill="hold">
+                                          <p:stCondLst>
+                                            <p:cond delay="0"/>
+                                          </p:stCondLst>
+                                        </p:cTn>
+                                        <p:tgtEl>
+                                          <p:spTgt spid="6">
+                                            <p:txEl>
+                                              <p:pRg st="1" end="1"/>
+                                            </p:txEl>
+                                          </p:spTgt>
+                                        </p:tgtEl>
+                                        <p:attrNameLst>
+                                          <p:attrName>style.visibility</p:attrName>
+                                        </p:attrNameLst>
+                                      </p:cBhvr>
+                                      <p:to>
+                                        <p:strVal val="visible"/>
+                                      </p:to>
+                                    </p:set>
+                                  </p:childTnLst>
+                                </p:cTn>
+                              </p:par>
+                              <p:par>
+                                <p:cTn id="9" presetID="1" presetClass="entr" presetSubtype="0" fill="hold" nodeType="withEffect">
+                                  <p:stCondLst>
+                                    <p:cond delay="0"/>
+                                  </p:stCondLst>
+                                  <p:childTnLst>
+                                    <p:set>
+                                      <p:cBhvr>
+                                        <p:cTn id="10" dur="1" fill="hold">
+                                          <p:stCondLst>
+                                            <p:cond delay="0"/>
+                                          </p:stCondLst>
+                                        </p:cTn>
+                                        <p:tgtEl>
+                                          <p:spTgt spid="6">
+                                            <p:txEl>
+                                              <p:pRg st="2" end="2"/>
+                                            </p:txEl>
+                                          </p:spTgt>
+                                        </p:tgtEl>
+                                        <p:attrNameLst>
+                                          <p:attrName>style.visibility</p:attrName>
+                                        </p:attrNameLst>
+                                      </p:cBhvr>
+                                      <p:to>
+                                        <p:strVal val="visible"/>
+                                      </p:to>
+                                    </p:set>
+                                  </p:childTnLst>
+                                </p:cTn>
+                              </p:par>
+                            </p:childTnLst>
+                          </p:cTn>
+                        </p:par>
+                      </p:childTnLst>
+                    </p:cTn>
+                  </p:par>
+                  <p:par>
+                    <p:cTn id="11" fill="hold">
+                      <p:stCondLst>
+                        <p:cond delay="indefinite"/>
+                      </p:stCondLst>
+                      <p:childTnLst>
+                        <p:par>
+                          <p:cTn id="12" fill="hold">
+                            <p:stCondLst>
+                              <p:cond delay="0"/>
+                            </p:stCondLst>
+                            <p:childTnLst>
+                              <p:par>
+                                <p:cTn id="13" presetID="1" presetClass="entr" presetSubtype="0" fill="hold" nodeType="clickEffect">
+                                  <p:stCondLst>
+                                    <p:cond delay="0"/>
+                                  </p:stCondLst>
+                                  <p:childTnLst>
+                                    <p:set>
+                                      <p:cBhvr>
+                                        <p:cTn id="14" dur="1" fill="hold">
+                                          <p:stCondLst>
+                                            <p:cond delay="0"/>
+                                          </p:stCondLst>
+                                        </p:cTn>
+                                        <p:tgtEl>
+                                          <p:spTgt spid="6">
+                                            <p:txEl>
+                                              <p:pRg st="3" end="3"/>
+                                            </p:txEl>
+                                          </p:spTgt>
+                                        </p:tgtEl>
+                                        <p:attrNameLst>
+                                          <p:attrName>style.visibility</p:attrName>
+                                        </p:attrNameLst>
+                                      </p:cBhvr>
+                                      <p:to>
+                                        <p:strVal val="visible"/>
+                                      </p:to>
+                                    </p:set>
+                                  </p:childTnLst>
+                                </p:cTn>
+                              </p:par>
+                              <p:par>
+                                <p:cTn id="15" presetID="1" presetClass="entr" presetSubtype="0" fill="hold" nodeType="withEffect">
+                                  <p:stCondLst>
+                                    <p:cond delay="0"/>
+                                  </p:stCondLst>
+                                  <p:childTnLst>
+                                    <p:set>
+                                      <p:cBhvr>
+                                        <p:cTn id="16" dur="1" fill="hold">
+                                          <p:stCondLst>
+                                            <p:cond delay="0"/>
+                                          </p:stCondLst>
+                                        </p:cTn>
+                                        <p:tgtEl>
+                                          <p:spTgt spid="6">
+                                            <p:txEl>
+                                              <p:pRg st="4" end="4"/>
+                                            </p:txEl>
+                                          </p:spTgt>
+                                        </p:tgtEl>
+                                        <p:attrNameLst>
+                                          <p:attrName>style.visibility</p:attrName>
+                                        </p:attrNameLst>
+                                      </p:cBhvr>
+                                      <p:to>
+                                        <p:strVal val="visible"/>
+                                      </p:to>
+                                    </p:set>
+                                  </p:childTnLst>
+                                </p:cTn>
+                              </p:par>
+                              <p:par>
+                                <p:cTn id="17" presetID="1" presetClass="entr" presetSubtype="0" fill="hold" nodeType="withEffect">
+                                  <p:stCondLst>
+                                    <p:cond delay="0"/>
+                                  </p:stCondLst>
+                                  <p:childTnLst>
+                                    <p:set>
+                                      <p:cBhvr>
+                                        <p:cTn id="18" dur="1" fill="hold">
+                                          <p:stCondLst>
+                                            <p:cond delay="0"/>
+                                          </p:stCondLst>
+                                        </p:cTn>
+                                        <p:tgtEl>
+                                          <p:spTgt spid="6">
+                                            <p:txEl>
+                                              <p:pRg st="5" end="5"/>
+                                            </p:txEl>
+                                          </p:spTgt>
+                                        </p:tgtEl>
+                                        <p:attrNameLst>
+                                          <p:attrName>style.visibility</p:attrName>
+                                        </p:attrNameLst>
+                                      </p:cBhvr>
+                                      <p:to>
+                                        <p:strVal val="visible"/>
+                                      </p:to>
+                                    </p:set>
+                                  </p:childTnLst>
+                                </p:cTn>
+                              </p:par>
+                              <p:par>
+                                <p:cTn id="19" presetID="1" presetClass="entr" presetSubtype="0" fill="hold" nodeType="withEffect">
+                                  <p:stCondLst>
+                                    <p:cond delay="0"/>
+                                  </p:stCondLst>
+                                  <p:childTnLst>
+                                    <p:set>
+                                      <p:cBhvr>
+                                        <p:cTn id="20" dur="1" fill="hold">
+                                          <p:stCondLst>
+                                            <p:cond delay="0"/>
+                                          </p:stCondLst>
+                                        </p:cTn>
+                                        <p:tgtEl>
+                                          <p:spTgt spid="6">
+                                            <p:txEl>
+                                              <p:pRg st="6" end="6"/>
+                                            </p:txEl>
+                                          </p:spTgt>
+                                        </p:tgtEl>
+                                        <p:attrNameLst>
+                                          <p:attrName>style.visibility</p:attrName>
+                                        </p:attrNameLst>
+                                      </p:cBhvr>
+                                      <p:to>
+                                        <p:strVal val="visible"/>
+                                      </p:to>
+                                    </p:set>
+                                  </p:childTnLst>
+                                </p:cTn>
+                              </p:par>
+                              <p:par>
+                                <p:cTn id="21" presetID="1" presetClass="entr" presetSubtype="0" fill="hold" nodeType="withEffect">
+                                  <p:stCondLst>
+                                    <p:cond delay="0"/>
+                                  </p:stCondLst>
+                                  <p:childTnLst>
+                                    <p:set>
+                                      <p:cBhvr>
+                                        <p:cTn id="22" dur="1" fill="hold">
+                                          <p:stCondLst>
+                                            <p:cond delay="0"/>
+                                          </p:stCondLst>
+                                        </p:cTn>
+                                        <p:tgtEl>
+                                          <p:spTgt spid="6">
+                                            <p:txEl>
+                                              <p:pRg st="7" end="7"/>
+                                            </p:txEl>
+                                          </p:spTgt>
+                                        </p:tgtEl>
+                                        <p:attrNameLst>
+                                          <p:attrName>style.visibility</p:attrName>
+                                        </p:attrNameLst>
+                                      </p:cBhvr>
+                                      <p:to>
+                                        <p:strVal val="visible"/>
+                                      </p:to>
+                                    </p:set>
+                                  </p:childTnLst>
+                                </p:cTn>
+                              </p:par>
+                            </p:childTnLst>
+                          </p:cTn>
+                        </p:par>
+                      </p:childTnLst>
+                    </p:cTn>
+                  </p:par>
+                </p:childTnLst>
+              </p:cTn>
+              <p:prevCondLst>
+                <p:cond evt="onPrev" delay="0">
+                  <p:tgtEl>
+                    <p:sldTgt/>
+                  </p:tgtEl>
+                </p:cond>
+              </p:prevCondLst>
+              <p:nextCondLst>
+                <p:cond evt="onNext" delay="0">
+                  <p:tgtEl>
+                    <p:sldTgt/>
+                  </p:tgtEl>
+                </p:cond>
+              </p:nextCondLst>
+            </p:seq>
+          </p:childTnLst>
+        </p:cTn>
+      </p:par>
+    </p:tnLst>
+  </p:timing>
 </p:sld>
 </file>
 
@@ -6221,7 +8910,7 @@
         <p:spPr>
           <a:xfrm>
             <a:off x="457200" y="381000"/>
-            <a:ext cx="4648200" cy="669924"/>
+            <a:ext cx="6248400" cy="669924"/>
           </a:xfrm>
         </p:spPr>
         <p:txBody>
@@ -6230,8 +8919,13 @@
           <a:p>
             <a:r>
               <a:rPr lang="en-US" dirty="0"/>
-              <a:t>Core Idea</a:t>
-            </a:r>
+              <a:t>Benefits of </a:t>
+            </a:r>
+            <a:r>
+              <a:rPr lang="en-US" dirty="0" err="1"/>
+              <a:t>Decoupleing</a:t>
+            </a:r>
+            <a:endParaRPr lang="en-US" dirty="0"/>
           </a:p>
         </p:txBody>
       </p:sp>
@@ -6253,8 +8947,8 @@
         </p:nvSpPr>
         <p:spPr>
           <a:xfrm>
-            <a:off x="228601" y="1066800"/>
-            <a:ext cx="6781800" cy="4572001"/>
+            <a:off x="304800" y="1371599"/>
+            <a:ext cx="5257800" cy="2057401"/>
           </a:xfrm>
         </p:spPr>
         <p:txBody>
@@ -6263,43 +8957,22 @@
           <a:p>
             <a:r>
               <a:rPr lang="en-US" sz="2400" dirty="0"/>
-              <a:t>Estimate protein concentrations from mRNA</a:t>
+              <a:t>Greatly reduce combinatorics of the networks to evaluate</a:t>
             </a:r>
           </a:p>
           <a:p>
             <a:pPr lvl="1"/>
             <a:r>
               <a:rPr lang="en-US" sz="2000" dirty="0"/>
-              <a:t>numerical integration of the protein kinetics equations</a:t>
+              <a:t>From 2B to 500</a:t>
             </a:r>
           </a:p>
           <a:p>
             <a:r>
               <a:rPr lang="en-US" sz="2400" dirty="0"/>
-              <a:t>Decouple gene kinetics by using estimated values of protein concentrations</a:t>
-            </a:r>
-          </a:p>
-          <a:p>
-            <a:pPr lvl="1"/>
-            <a:r>
-              <a:rPr lang="en-US" sz="2000" dirty="0"/>
-              <a:t>Reduces the combinatorics to 17*9 network evaluations from 17</a:t>
-            </a:r>
-            <a:r>
-              <a:rPr lang="en-US" sz="2000" baseline="30000" dirty="0"/>
-              <a:t>9</a:t>
-            </a:r>
-            <a:r>
-              <a:rPr lang="en-US" sz="2000" dirty="0"/>
-              <a:t> network evaluations.</a:t>
-            </a:r>
-          </a:p>
-          <a:p>
-            <a:pPr lvl="2"/>
-            <a:r>
-              <a:rPr lang="en-US" sz="1800" dirty="0"/>
-              <a:t>Still need qualitative approach since this is too much to “brute force” on a laptop.</a:t>
-            </a:r>
+              <a:t>Can analyze time segments of dynamics</a:t>
+            </a:r>
+            <a:endParaRPr lang="en-US" sz="1800" dirty="0"/>
           </a:p>
         </p:txBody>
       </p:sp>
@@ -6338,12 +9011,397 @@
           </a:p>
         </p:txBody>
       </p:sp>
+      <p:graphicFrame>
+        <p:nvGraphicFramePr>
+          <p:cNvPr id="6" name="Table 5">
+            <a:extLst>
+              <a:ext uri="{FF2B5EF4-FFF2-40B4-BE49-F238E27FC236}">
+                <a16:creationId xmlns:a16="http://schemas.microsoft.com/office/drawing/2014/main" id="{52D007DF-ADBF-154F-BD02-13AAE1A4AE56}"/>
+              </a:ext>
+            </a:extLst>
+          </p:cNvPr>
+          <p:cNvGraphicFramePr>
+            <a:graphicFrameLocks noGrp="1"/>
+          </p:cNvGraphicFramePr>
+          <p:nvPr>
+            <p:extLst>
+              <p:ext uri="{D42A27DB-BD31-4B8C-83A1-F6EECF244321}">
+                <p14:modId xmlns:p14="http://schemas.microsoft.com/office/powerpoint/2010/main" val="3883086845"/>
+              </p:ext>
+            </p:extLst>
+          </p:nvPr>
+        </p:nvGraphicFramePr>
+        <p:xfrm>
+          <a:off x="5787551" y="2118360"/>
+          <a:ext cx="2670649" cy="3977640"/>
+        </p:xfrm>
+        <a:graphic>
+          <a:graphicData uri="http://schemas.openxmlformats.org/drawingml/2006/table">
+            <a:tbl>
+              <a:tblPr firstRow="1" bandRow="1">
+                <a:tableStyleId>{5C22544A-7EE6-4342-B048-85BDC9FD1C3A}</a:tableStyleId>
+              </a:tblPr>
+              <a:tblGrid>
+                <a:gridCol w="867961">
+                  <a:extLst>
+                    <a:ext uri="{9D8B030D-6E8A-4147-A177-3AD203B41FA5}">
+                      <a16:colId xmlns:a16="http://schemas.microsoft.com/office/drawing/2014/main" val="4245085006"/>
+                    </a:ext>
+                  </a:extLst>
+                </a:gridCol>
+                <a:gridCol w="1802688">
+                  <a:extLst>
+                    <a:ext uri="{9D8B030D-6E8A-4147-A177-3AD203B41FA5}">
+                      <a16:colId xmlns:a16="http://schemas.microsoft.com/office/drawing/2014/main" val="4042024944"/>
+                    </a:ext>
+                  </a:extLst>
+                </a:gridCol>
+              </a:tblGrid>
+              <a:tr h="370840">
+                <a:tc>
+                  <a:txBody>
+                    <a:bodyPr/>
+                    <a:lstStyle/>
+                    <a:p>
+                      <a:r>
+                        <a:rPr lang="en-US" dirty="0"/>
+                        <a:t>Gene</a:t>
+                      </a:r>
+                    </a:p>
+                  </a:txBody>
+                  <a:tcPr/>
+                </a:tc>
+                <a:tc>
+                  <a:txBody>
+                    <a:bodyPr/>
+                    <a:lstStyle/>
+                    <a:p>
+                      <a:r>
+                        <a:rPr lang="en-US" dirty="0"/>
+                        <a:t>Combinations</a:t>
+                      </a:r>
+                    </a:p>
+                  </a:txBody>
+                  <a:tcPr/>
+                </a:tc>
+                <a:extLst>
+                  <a:ext uri="{0D108BD9-81ED-4DB2-BD59-A6C34878D82A}">
+                    <a16:rowId xmlns:a16="http://schemas.microsoft.com/office/drawing/2014/main" val="2012540120"/>
+                  </a:ext>
+                </a:extLst>
+              </a:tr>
+              <a:tr h="370840">
+                <a:tc>
+                  <a:txBody>
+                    <a:bodyPr/>
+                    <a:lstStyle/>
+                    <a:p>
+                      <a:r>
+                        <a:rPr lang="en-US" dirty="0"/>
+                        <a:t>1</a:t>
+                      </a:r>
+                    </a:p>
+                  </a:txBody>
+                  <a:tcPr/>
+                </a:tc>
+                <a:tc>
+                  <a:txBody>
+                    <a:bodyPr/>
+                    <a:lstStyle/>
+                    <a:p>
+                      <a:r>
+                        <a:rPr lang="en-US" dirty="0"/>
+                        <a:t>0</a:t>
+                      </a:r>
+                    </a:p>
+                  </a:txBody>
+                  <a:tcPr/>
+                </a:tc>
+                <a:extLst>
+                  <a:ext uri="{0D108BD9-81ED-4DB2-BD59-A6C34878D82A}">
+                    <a16:rowId xmlns:a16="http://schemas.microsoft.com/office/drawing/2014/main" val="1953992102"/>
+                  </a:ext>
+                </a:extLst>
+              </a:tr>
+              <a:tr h="370840">
+                <a:tc>
+                  <a:txBody>
+                    <a:bodyPr/>
+                    <a:lstStyle/>
+                    <a:p>
+                      <a:r>
+                        <a:rPr lang="en-US" dirty="0"/>
+                        <a:t>2</a:t>
+                      </a:r>
+                    </a:p>
+                  </a:txBody>
+                  <a:tcPr/>
+                </a:tc>
+                <a:tc>
+                  <a:txBody>
+                    <a:bodyPr/>
+                    <a:lstStyle/>
+                    <a:p>
+                      <a:r>
+                        <a:rPr lang="en-US" dirty="0"/>
+                        <a:t>14</a:t>
+                      </a:r>
+                    </a:p>
+                  </a:txBody>
+                  <a:tcPr/>
+                </a:tc>
+                <a:extLst>
+                  <a:ext uri="{0D108BD9-81ED-4DB2-BD59-A6C34878D82A}">
+                    <a16:rowId xmlns:a16="http://schemas.microsoft.com/office/drawing/2014/main" val="1563543479"/>
+                  </a:ext>
+                </a:extLst>
+              </a:tr>
+              <a:tr h="370840">
+                <a:tc>
+                  <a:txBody>
+                    <a:bodyPr/>
+                    <a:lstStyle/>
+                    <a:p>
+                      <a:r>
+                        <a:rPr lang="en-US" dirty="0"/>
+                        <a:t>3</a:t>
+                      </a:r>
+                    </a:p>
+                  </a:txBody>
+                  <a:tcPr/>
+                </a:tc>
+                <a:tc>
+                  <a:txBody>
+                    <a:bodyPr/>
+                    <a:lstStyle/>
+                    <a:p>
+                      <a:r>
+                        <a:rPr lang="en-US" dirty="0"/>
+                        <a:t>14</a:t>
+                      </a:r>
+                    </a:p>
+                  </a:txBody>
+                  <a:tcPr/>
+                </a:tc>
+                <a:extLst>
+                  <a:ext uri="{0D108BD9-81ED-4DB2-BD59-A6C34878D82A}">
+                    <a16:rowId xmlns:a16="http://schemas.microsoft.com/office/drawing/2014/main" val="4058934727"/>
+                  </a:ext>
+                </a:extLst>
+              </a:tr>
+              <a:tr h="370840">
+                <a:tc>
+                  <a:txBody>
+                    <a:bodyPr/>
+                    <a:lstStyle/>
+                    <a:p>
+                      <a:r>
+                        <a:rPr lang="en-US" dirty="0"/>
+                        <a:t>4</a:t>
+                      </a:r>
+                    </a:p>
+                  </a:txBody>
+                  <a:tcPr/>
+                </a:tc>
+                <a:tc>
+                  <a:txBody>
+                    <a:bodyPr/>
+                    <a:lstStyle/>
+                    <a:p>
+                      <a:r>
+                        <a:rPr lang="en-US" dirty="0"/>
+                        <a:t>14</a:t>
+                      </a:r>
+                    </a:p>
+                  </a:txBody>
+                  <a:tcPr/>
+                </a:tc>
+                <a:extLst>
+                  <a:ext uri="{0D108BD9-81ED-4DB2-BD59-A6C34878D82A}">
+                    <a16:rowId xmlns:a16="http://schemas.microsoft.com/office/drawing/2014/main" val="1137069059"/>
+                  </a:ext>
+                </a:extLst>
+              </a:tr>
+              <a:tr h="370840">
+                <a:tc>
+                  <a:txBody>
+                    <a:bodyPr/>
+                    <a:lstStyle/>
+                    <a:p>
+                      <a:r>
+                        <a:rPr lang="en-US" dirty="0"/>
+                        <a:t>5</a:t>
+                      </a:r>
+                    </a:p>
+                  </a:txBody>
+                  <a:tcPr/>
+                </a:tc>
+                <a:tc>
+                  <a:txBody>
+                    <a:bodyPr/>
+                    <a:lstStyle/>
+                    <a:p>
+                      <a:r>
+                        <a:rPr lang="en-US" dirty="0"/>
+                        <a:t>(16)(14) = 224</a:t>
+                      </a:r>
+                    </a:p>
+                  </a:txBody>
+                  <a:tcPr/>
+                </a:tc>
+                <a:extLst>
+                  <a:ext uri="{0D108BD9-81ED-4DB2-BD59-A6C34878D82A}">
+                    <a16:rowId xmlns:a16="http://schemas.microsoft.com/office/drawing/2014/main" val="788297248"/>
+                  </a:ext>
+                </a:extLst>
+              </a:tr>
+              <a:tr h="370840">
+                <a:tc>
+                  <a:txBody>
+                    <a:bodyPr/>
+                    <a:lstStyle/>
+                    <a:p>
+                      <a:r>
+                        <a:rPr lang="en-US" dirty="0"/>
+                        <a:t>6</a:t>
+                      </a:r>
+                    </a:p>
+                  </a:txBody>
+                  <a:tcPr/>
+                </a:tc>
+                <a:tc>
+                  <a:txBody>
+                    <a:bodyPr/>
+                    <a:lstStyle/>
+                    <a:p>
+                      <a:r>
+                        <a:rPr lang="en-US" dirty="0"/>
+                        <a:t>0</a:t>
+                      </a:r>
+                    </a:p>
+                  </a:txBody>
+                  <a:tcPr/>
+                </a:tc>
+                <a:extLst>
+                  <a:ext uri="{0D108BD9-81ED-4DB2-BD59-A6C34878D82A}">
+                    <a16:rowId xmlns:a16="http://schemas.microsoft.com/office/drawing/2014/main" val="4073659111"/>
+                  </a:ext>
+                </a:extLst>
+              </a:tr>
+              <a:tr h="370840">
+                <a:tc>
+                  <a:txBody>
+                    <a:bodyPr/>
+                    <a:lstStyle/>
+                    <a:p>
+                      <a:r>
+                        <a:rPr lang="en-US" dirty="0"/>
+                        <a:t>7</a:t>
+                      </a:r>
+                    </a:p>
+                  </a:txBody>
+                  <a:tcPr/>
+                </a:tc>
+                <a:tc>
+                  <a:txBody>
+                    <a:bodyPr/>
+                    <a:lstStyle/>
+                    <a:p>
+                      <a:r>
+                        <a:rPr lang="en-US" dirty="0"/>
+                        <a:t>(16)(14) = 224</a:t>
+                      </a:r>
+                    </a:p>
+                  </a:txBody>
+                  <a:tcPr/>
+                </a:tc>
+                <a:extLst>
+                  <a:ext uri="{0D108BD9-81ED-4DB2-BD59-A6C34878D82A}">
+                    <a16:rowId xmlns:a16="http://schemas.microsoft.com/office/drawing/2014/main" val="1501332435"/>
+                  </a:ext>
+                </a:extLst>
+              </a:tr>
+              <a:tr h="370840">
+                <a:tc>
+                  <a:txBody>
+                    <a:bodyPr/>
+                    <a:lstStyle/>
+                    <a:p>
+                      <a:r>
+                        <a:rPr lang="en-US" dirty="0"/>
+                        <a:t>8</a:t>
+                      </a:r>
+                    </a:p>
+                  </a:txBody>
+                  <a:tcPr/>
+                </a:tc>
+                <a:tc>
+                  <a:txBody>
+                    <a:bodyPr/>
+                    <a:lstStyle/>
+                    <a:p>
+                      <a:r>
+                        <a:rPr lang="en-US" dirty="0"/>
+                        <a:t>14</a:t>
+                      </a:r>
+                    </a:p>
+                  </a:txBody>
+                  <a:tcPr/>
+                </a:tc>
+                <a:extLst>
+                  <a:ext uri="{0D108BD9-81ED-4DB2-BD59-A6C34878D82A}">
+                    <a16:rowId xmlns:a16="http://schemas.microsoft.com/office/drawing/2014/main" val="426223245"/>
+                  </a:ext>
+                </a:extLst>
+              </a:tr>
+              <a:tr h="370840">
+                <a:tc>
+                  <a:txBody>
+                    <a:bodyPr/>
+                    <a:lstStyle/>
+                    <a:p>
+                      <a:r>
+                        <a:rPr lang="en-US" dirty="0"/>
+                        <a:t>TOTAL</a:t>
+                      </a:r>
+                    </a:p>
+                  </a:txBody>
+                  <a:tcPr/>
+                </a:tc>
+                <a:tc>
+                  <a:txBody>
+                    <a:bodyPr/>
+                    <a:lstStyle/>
+                    <a:p>
+                      <a:r>
+                        <a:rPr lang="en-US" dirty="0"/>
+                        <a:t>(4)(14</a:t>
+                      </a:r>
+                      <a:r>
+                        <a:rPr lang="en-US" baseline="0" dirty="0"/>
+                        <a:t>) + (2)(224) ~ 500</a:t>
+                      </a:r>
+                      <a:endParaRPr lang="en-US" dirty="0"/>
+                    </a:p>
+                  </a:txBody>
+                  <a:tcPr/>
+                </a:tc>
+                <a:extLst>
+                  <a:ext uri="{0D108BD9-81ED-4DB2-BD59-A6C34878D82A}">
+                    <a16:rowId xmlns:a16="http://schemas.microsoft.com/office/drawing/2014/main" val="3131027480"/>
+                  </a:ext>
+                </a:extLst>
+              </a:tr>
+            </a:tbl>
+          </a:graphicData>
+        </a:graphic>
+      </p:graphicFrame>
       <p:pic>
         <p:nvPicPr>
-          <p:cNvPr id="5" name="Picture 4">
+          <p:cNvPr id="7" name="Picture 6">
             <a:extLst>
               <a:ext uri="{FF2B5EF4-FFF2-40B4-BE49-F238E27FC236}">
-                <a16:creationId xmlns:a16="http://schemas.microsoft.com/office/drawing/2014/main" id="{3F98C845-1401-B540-AE1C-D23DD804274A}"/>
+                <a16:creationId xmlns:a16="http://schemas.microsoft.com/office/drawing/2014/main" id="{0EEC751A-D2BA-D649-8C1F-8CCB9BF7A875}"/>
               </a:ext>
             </a:extLst>
           </p:cNvPr>
@@ -6360,8 +9418,8 @@
         </p:blipFill>
         <p:spPr>
           <a:xfrm>
-            <a:off x="6858000" y="371341"/>
-            <a:ext cx="2126301" cy="2421492"/>
+            <a:off x="7543800" y="374719"/>
+            <a:ext cx="1143000" cy="1301681"/>
           </a:xfrm>
           <a:prstGeom prst="rect">
             <a:avLst/>
@@ -6412,11 +9470,7 @@
                                           </p:stCondLst>
                                         </p:cTn>
                                         <p:tgtEl>
-                                          <p:spTgt spid="3">
-                                            <p:txEl>
-                                              <p:pRg st="2" end="2"/>
-                                            </p:txEl>
-                                          </p:spTgt>
+                                          <p:spTgt spid="6"/>
                                         </p:tgtEl>
                                         <p:attrNameLst>
                                           <p:attrName>style.visibility</p:attrName>
@@ -6429,39 +9483,26 @@
                                   </p:childTnLst>
                                 </p:cTn>
                               </p:par>
+                            </p:childTnLst>
+                          </p:cTn>
+                        </p:par>
+                      </p:childTnLst>
+                    </p:cTn>
+                  </p:par>
+                  <p:par>
+                    <p:cTn id="7" fill="hold">
+                      <p:stCondLst>
+                        <p:cond delay="indefinite"/>
+                      </p:stCondLst>
+                      <p:childTnLst>
+                        <p:par>
+                          <p:cTn id="8" fill="hold">
+                            <p:stCondLst>
+                              <p:cond delay="0"/>
+                            </p:stCondLst>
+                            <p:childTnLst>
                               <p:par>
-                                <p:cTn id="7" presetID="1" presetClass="entr" presetSubtype="0" fill="hold" nodeType="withEffect">
-                                  <p:stCondLst>
-                                    <p:cond delay="0"/>
-                                  </p:stCondLst>
-                                  <p:childTnLst>
-                                    <p:set>
-                                      <p:cBhvr>
-                                        <p:cTn id="8" dur="1" fill="hold">
-                                          <p:stCondLst>
-                                            <p:cond delay="0"/>
-                                          </p:stCondLst>
-                                        </p:cTn>
-                                        <p:tgtEl>
-                                          <p:spTgt spid="3">
-                                            <p:txEl>
-                                              <p:pRg st="3" end="3"/>
-                                            </p:txEl>
-                                          </p:spTgt>
-                                        </p:tgtEl>
-                                        <p:attrNameLst>
-                                          <p:attrName>style.visibility</p:attrName>
-                                        </p:attrNameLst>
-                                      </p:cBhvr>
-                                      <p:to>
-                                        <p:strVal val="visible"/>
-                                      </p:to>
-                                    </p:set>
-                                  </p:childTnLst>
-                                </p:cTn>
-                              </p:par>
-                              <p:par>
-                                <p:cTn id="9" presetID="1" presetClass="entr" presetSubtype="0" fill="hold" nodeType="withEffect">
+                                <p:cTn id="9" presetID="1" presetClass="entr" presetSubtype="0" fill="hold" nodeType="clickEffect">
                                   <p:stCondLst>
                                     <p:cond delay="0"/>
                                   </p:stCondLst>
@@ -6476,7 +9517,7 @@
                                         <p:tgtEl>
                                           <p:spTgt spid="3">
                                             <p:txEl>
-                                              <p:pRg st="4" end="4"/>
+                                              <p:pRg st="2" end="2"/>
                                             </p:txEl>
                                           </p:spTgt>
                                         </p:tgtEl>
@@ -6583,47 +9624,68 @@
             <p:ph idx="1"/>
           </p:nvPr>
         </p:nvSpPr>
-        <p:spPr/>
+        <p:spPr>
+          <a:xfrm>
+            <a:off x="457200" y="1066800"/>
+            <a:ext cx="8229600" cy="5546725"/>
+          </a:xfrm>
+          <a:solidFill>
+            <a:schemeClr val="bg1"/>
+          </a:solidFill>
+        </p:spPr>
         <p:txBody>
           <a:bodyPr/>
           <a:lstStyle/>
           <a:p>
             <a:r>
-              <a:rPr lang="en-US" dirty="0"/>
+              <a:rPr lang="en-US" sz="2400" dirty="0"/>
               <a:t>Estimate proteins from observations of mRNA</a:t>
             </a:r>
           </a:p>
           <a:p>
-            <a:r>
-              <a:rPr lang="en-US" dirty="0"/>
+            <a:pPr lvl="1"/>
+            <a:r>
+              <a:rPr lang="en-US" sz="2000" dirty="0"/>
+              <a:t>Use “F” reactions.</a:t>
+            </a:r>
+          </a:p>
+          <a:p>
+            <a:r>
+              <a:rPr lang="en-US" sz="2400" dirty="0"/>
               <a:t>For each gene</a:t>
             </a:r>
           </a:p>
           <a:p>
             <a:pPr lvl="1"/>
             <a:r>
-              <a:rPr lang="en-US" dirty="0"/>
-              <a:t>Use qualitative analysis to select candidate transcription factors</a:t>
+              <a:rPr lang="en-US" sz="2000" dirty="0"/>
+              <a:t>Construct hypotheses for which proteins are transcription factors</a:t>
             </a:r>
           </a:p>
           <a:p>
             <a:pPr lvl="1"/>
             <a:r>
-              <a:rPr lang="en-US" dirty="0"/>
-              <a:t>Evaluate using numerical integration and the estimated protein data</a:t>
+              <a:rPr lang="en-US" sz="2000" dirty="0"/>
+              <a:t>Evaluate hypotheses using numerical integration using the mRNA observations and estimated protein data</a:t>
             </a:r>
           </a:p>
           <a:p>
             <a:pPr lvl="1"/>
             <a:r>
-              <a:rPr lang="en-US" dirty="0"/>
+              <a:rPr lang="en-US" sz="2000" dirty="0"/>
               <a:t>Select the best set of transcription factors and record the parameter estimates</a:t>
             </a:r>
           </a:p>
           <a:p>
             <a:r>
-              <a:rPr lang="en-US" dirty="0"/>
-              <a:t>Use the above parameter estimates as a starting point for a full optimization of the identified GRN.</a:t>
+              <a:rPr lang="en-US" sz="2400" dirty="0"/>
+              <a:t>Incorporate the above kinetics into the Tellurium simulation.</a:t>
+            </a:r>
+          </a:p>
+          <a:p>
+            <a:r>
+              <a:rPr lang="en-US" sz="2400" dirty="0"/>
+              <a:t>Use the above parameter estimates as a starting point for a full optimization of the simulation model.</a:t>
             </a:r>
           </a:p>
         </p:txBody>
@@ -6673,6 +9735,374 @@
   <p:clrMapOvr>
     <a:masterClrMapping/>
   </p:clrMapOvr>
+  <p:timing>
+    <p:tnLst>
+      <p:par>
+        <p:cTn id="1" dur="indefinite" restart="never" nodeType="tmRoot">
+          <p:childTnLst>
+            <p:seq concurrent="1" nextAc="seek">
+              <p:cTn id="2" dur="indefinite" nodeType="mainSeq">
+                <p:childTnLst>
+                  <p:par>
+                    <p:cTn id="3" fill="hold">
+                      <p:stCondLst>
+                        <p:cond delay="indefinite"/>
+                      </p:stCondLst>
+                      <p:childTnLst>
+                        <p:par>
+                          <p:cTn id="4" fill="hold">
+                            <p:stCondLst>
+                              <p:cond delay="0"/>
+                            </p:stCondLst>
+                            <p:childTnLst>
+                              <p:par>
+                                <p:cTn id="5" presetID="1" presetClass="entr" presetSubtype="0" fill="hold" nodeType="clickEffect">
+                                  <p:stCondLst>
+                                    <p:cond delay="0"/>
+                                  </p:stCondLst>
+                                  <p:childTnLst>
+                                    <p:set>
+                                      <p:cBhvr>
+                                        <p:cTn id="6" dur="1" fill="hold">
+                                          <p:stCondLst>
+                                            <p:cond delay="0"/>
+                                          </p:stCondLst>
+                                        </p:cTn>
+                                        <p:tgtEl>
+                                          <p:spTgt spid="3">
+                                            <p:txEl>
+                                              <p:pRg st="0" end="0"/>
+                                            </p:txEl>
+                                          </p:spTgt>
+                                        </p:tgtEl>
+                                        <p:attrNameLst>
+                                          <p:attrName>style.visibility</p:attrName>
+                                        </p:attrNameLst>
+                                      </p:cBhvr>
+                                      <p:to>
+                                        <p:strVal val="visible"/>
+                                      </p:to>
+                                    </p:set>
+                                  </p:childTnLst>
+                                </p:cTn>
+                              </p:par>
+                            </p:childTnLst>
+                          </p:cTn>
+                        </p:par>
+                      </p:childTnLst>
+                    </p:cTn>
+                  </p:par>
+                  <p:par>
+                    <p:cTn id="7" fill="hold">
+                      <p:stCondLst>
+                        <p:cond delay="indefinite"/>
+                      </p:stCondLst>
+                      <p:childTnLst>
+                        <p:par>
+                          <p:cTn id="8" fill="hold">
+                            <p:stCondLst>
+                              <p:cond delay="0"/>
+                            </p:stCondLst>
+                            <p:childTnLst>
+                              <p:par>
+                                <p:cTn id="9" presetID="1" presetClass="entr" presetSubtype="0" fill="hold" nodeType="clickEffect">
+                                  <p:stCondLst>
+                                    <p:cond delay="0"/>
+                                  </p:stCondLst>
+                                  <p:childTnLst>
+                                    <p:set>
+                                      <p:cBhvr>
+                                        <p:cTn id="10" dur="1" fill="hold">
+                                          <p:stCondLst>
+                                            <p:cond delay="0"/>
+                                          </p:stCondLst>
+                                        </p:cTn>
+                                        <p:tgtEl>
+                                          <p:spTgt spid="3">
+                                            <p:txEl>
+                                              <p:pRg st="1" end="1"/>
+                                            </p:txEl>
+                                          </p:spTgt>
+                                        </p:tgtEl>
+                                        <p:attrNameLst>
+                                          <p:attrName>style.visibility</p:attrName>
+                                        </p:attrNameLst>
+                                      </p:cBhvr>
+                                      <p:to>
+                                        <p:strVal val="visible"/>
+                                      </p:to>
+                                    </p:set>
+                                  </p:childTnLst>
+                                </p:cTn>
+                              </p:par>
+                            </p:childTnLst>
+                          </p:cTn>
+                        </p:par>
+                      </p:childTnLst>
+                    </p:cTn>
+                  </p:par>
+                  <p:par>
+                    <p:cTn id="11" fill="hold">
+                      <p:stCondLst>
+                        <p:cond delay="indefinite"/>
+                      </p:stCondLst>
+                      <p:childTnLst>
+                        <p:par>
+                          <p:cTn id="12" fill="hold">
+                            <p:stCondLst>
+                              <p:cond delay="0"/>
+                            </p:stCondLst>
+                            <p:childTnLst>
+                              <p:par>
+                                <p:cTn id="13" presetID="1" presetClass="entr" presetSubtype="0" fill="hold" nodeType="clickEffect">
+                                  <p:stCondLst>
+                                    <p:cond delay="0"/>
+                                  </p:stCondLst>
+                                  <p:childTnLst>
+                                    <p:set>
+                                      <p:cBhvr>
+                                        <p:cTn id="14" dur="1" fill="hold">
+                                          <p:stCondLst>
+                                            <p:cond delay="0"/>
+                                          </p:stCondLst>
+                                        </p:cTn>
+                                        <p:tgtEl>
+                                          <p:spTgt spid="3">
+                                            <p:txEl>
+                                              <p:pRg st="2" end="2"/>
+                                            </p:txEl>
+                                          </p:spTgt>
+                                        </p:tgtEl>
+                                        <p:attrNameLst>
+                                          <p:attrName>style.visibility</p:attrName>
+                                        </p:attrNameLst>
+                                      </p:cBhvr>
+                                      <p:to>
+                                        <p:strVal val="visible"/>
+                                      </p:to>
+                                    </p:set>
+                                  </p:childTnLst>
+                                </p:cTn>
+                              </p:par>
+                              <p:par>
+                                <p:cTn id="15" presetID="1" presetClass="entr" presetSubtype="0" fill="hold" nodeType="withEffect">
+                                  <p:stCondLst>
+                                    <p:cond delay="0"/>
+                                  </p:stCondLst>
+                                  <p:childTnLst>
+                                    <p:set>
+                                      <p:cBhvr>
+                                        <p:cTn id="16" dur="1" fill="hold">
+                                          <p:stCondLst>
+                                            <p:cond delay="0"/>
+                                          </p:stCondLst>
+                                        </p:cTn>
+                                        <p:tgtEl>
+                                          <p:spTgt spid="3">
+                                            <p:txEl>
+                                              <p:pRg st="3" end="3"/>
+                                            </p:txEl>
+                                          </p:spTgt>
+                                        </p:tgtEl>
+                                        <p:attrNameLst>
+                                          <p:attrName>style.visibility</p:attrName>
+                                        </p:attrNameLst>
+                                      </p:cBhvr>
+                                      <p:to>
+                                        <p:strVal val="visible"/>
+                                      </p:to>
+                                    </p:set>
+                                  </p:childTnLst>
+                                </p:cTn>
+                              </p:par>
+                              <p:par>
+                                <p:cTn id="17" presetID="1" presetClass="entr" presetSubtype="0" fill="hold" nodeType="withEffect">
+                                  <p:stCondLst>
+                                    <p:cond delay="0"/>
+                                  </p:stCondLst>
+                                  <p:childTnLst>
+                                    <p:set>
+                                      <p:cBhvr>
+                                        <p:cTn id="18" dur="1" fill="hold">
+                                          <p:stCondLst>
+                                            <p:cond delay="0"/>
+                                          </p:stCondLst>
+                                        </p:cTn>
+                                        <p:tgtEl>
+                                          <p:spTgt spid="3">
+                                            <p:txEl>
+                                              <p:pRg st="4" end="4"/>
+                                            </p:txEl>
+                                          </p:spTgt>
+                                        </p:tgtEl>
+                                        <p:attrNameLst>
+                                          <p:attrName>style.visibility</p:attrName>
+                                        </p:attrNameLst>
+                                      </p:cBhvr>
+                                      <p:to>
+                                        <p:strVal val="visible"/>
+                                      </p:to>
+                                    </p:set>
+                                  </p:childTnLst>
+                                </p:cTn>
+                              </p:par>
+                              <p:par>
+                                <p:cTn id="19" presetID="1" presetClass="entr" presetSubtype="0" fill="hold" nodeType="withEffect">
+                                  <p:stCondLst>
+                                    <p:cond delay="0"/>
+                                  </p:stCondLst>
+                                  <p:childTnLst>
+                                    <p:set>
+                                      <p:cBhvr>
+                                        <p:cTn id="20" dur="1" fill="hold">
+                                          <p:stCondLst>
+                                            <p:cond delay="0"/>
+                                          </p:stCondLst>
+                                        </p:cTn>
+                                        <p:tgtEl>
+                                          <p:spTgt spid="3">
+                                            <p:txEl>
+                                              <p:pRg st="5" end="5"/>
+                                            </p:txEl>
+                                          </p:spTgt>
+                                        </p:tgtEl>
+                                        <p:attrNameLst>
+                                          <p:attrName>style.visibility</p:attrName>
+                                        </p:attrNameLst>
+                                      </p:cBhvr>
+                                      <p:to>
+                                        <p:strVal val="visible"/>
+                                      </p:to>
+                                    </p:set>
+                                  </p:childTnLst>
+                                </p:cTn>
+                              </p:par>
+                            </p:childTnLst>
+                          </p:cTn>
+                        </p:par>
+                      </p:childTnLst>
+                    </p:cTn>
+                  </p:par>
+                  <p:par>
+                    <p:cTn id="21" fill="hold">
+                      <p:stCondLst>
+                        <p:cond delay="indefinite"/>
+                      </p:stCondLst>
+                      <p:childTnLst>
+                        <p:par>
+                          <p:cTn id="22" fill="hold">
+                            <p:stCondLst>
+                              <p:cond delay="0"/>
+                            </p:stCondLst>
+                            <p:childTnLst>
+                              <p:par>
+                                <p:cTn id="23" presetID="1" presetClass="entr" presetSubtype="0" fill="hold" nodeType="clickEffect">
+                                  <p:stCondLst>
+                                    <p:cond delay="0"/>
+                                  </p:stCondLst>
+                                  <p:childTnLst>
+                                    <p:set>
+                                      <p:cBhvr>
+                                        <p:cTn id="24" dur="1" fill="hold">
+                                          <p:stCondLst>
+                                            <p:cond delay="0"/>
+                                          </p:stCondLst>
+                                        </p:cTn>
+                                        <p:tgtEl>
+                                          <p:spTgt spid="3">
+                                            <p:txEl>
+                                              <p:pRg st="6" end="6"/>
+                                            </p:txEl>
+                                          </p:spTgt>
+                                        </p:tgtEl>
+                                        <p:attrNameLst>
+                                          <p:attrName>style.visibility</p:attrName>
+                                        </p:attrNameLst>
+                                      </p:cBhvr>
+                                      <p:to>
+                                        <p:strVal val="visible"/>
+                                      </p:to>
+                                    </p:set>
+                                  </p:childTnLst>
+                                </p:cTn>
+                              </p:par>
+                            </p:childTnLst>
+                          </p:cTn>
+                        </p:par>
+                      </p:childTnLst>
+                    </p:cTn>
+                  </p:par>
+                  <p:par>
+                    <p:cTn id="25" fill="hold">
+                      <p:stCondLst>
+                        <p:cond delay="indefinite"/>
+                      </p:stCondLst>
+                      <p:childTnLst>
+                        <p:par>
+                          <p:cTn id="26" fill="hold">
+                            <p:stCondLst>
+                              <p:cond delay="0"/>
+                            </p:stCondLst>
+                            <p:childTnLst>
+                              <p:par>
+                                <p:cTn id="27" presetID="1" presetClass="entr" presetSubtype="0" fill="hold" nodeType="clickEffect">
+                                  <p:stCondLst>
+                                    <p:cond delay="0"/>
+                                  </p:stCondLst>
+                                  <p:childTnLst>
+                                    <p:set>
+                                      <p:cBhvr>
+                                        <p:cTn id="28" dur="1" fill="hold">
+                                          <p:stCondLst>
+                                            <p:cond delay="0"/>
+                                          </p:stCondLst>
+                                        </p:cTn>
+                                        <p:tgtEl>
+                                          <p:spTgt spid="3">
+                                            <p:txEl>
+                                              <p:pRg st="7" end="7"/>
+                                            </p:txEl>
+                                          </p:spTgt>
+                                        </p:tgtEl>
+                                        <p:attrNameLst>
+                                          <p:attrName>style.visibility</p:attrName>
+                                        </p:attrNameLst>
+                                      </p:cBhvr>
+                                      <p:to>
+                                        <p:strVal val="visible"/>
+                                      </p:to>
+                                    </p:set>
+                                  </p:childTnLst>
+                                </p:cTn>
+                              </p:par>
+                            </p:childTnLst>
+                          </p:cTn>
+                        </p:par>
+                      </p:childTnLst>
+                    </p:cTn>
+                  </p:par>
+                </p:childTnLst>
+              </p:cTn>
+              <p:prevCondLst>
+                <p:cond evt="onPrev" delay="0">
+                  <p:tgtEl>
+                    <p:sldTgt/>
+                  </p:tgtEl>
+                </p:cond>
+              </p:prevCondLst>
+              <p:nextCondLst>
+                <p:cond evt="onNext" delay="0">
+                  <p:tgtEl>
+                    <p:sldTgt/>
+                  </p:tgtEl>
+                </p:cond>
+              </p:nextCondLst>
+            </p:seq>
+          </p:childTnLst>
+        </p:cTn>
+      </p:par>
+    </p:tnLst>
+  </p:timing>
 </p:sld>
 </file>
 
@@ -6695,10 +10125,43 @@
       </p:grpSpPr>
       <p:sp>
         <p:nvSpPr>
-          <p:cNvPr id="2" name="Slide Number Placeholder 1">
+          <p:cNvPr id="2" name="Title 1">
             <a:extLst>
               <a:ext uri="{FF2B5EF4-FFF2-40B4-BE49-F238E27FC236}">
-                <a16:creationId xmlns:a16="http://schemas.microsoft.com/office/drawing/2014/main" id="{455C95B7-4A49-6B4A-B572-5EB0001EAC20}"/>
+                <a16:creationId xmlns:a16="http://schemas.microsoft.com/office/drawing/2014/main" id="{012828C5-8DEB-5A4F-B301-B31F3158476E}"/>
+              </a:ext>
+            </a:extLst>
+          </p:cNvPr>
+          <p:cNvSpPr>
+            <a:spLocks noGrp="1"/>
+          </p:cNvSpPr>
+          <p:nvPr>
+            <p:ph type="title"/>
+          </p:nvPr>
+        </p:nvSpPr>
+        <p:spPr>
+          <a:xfrm>
+            <a:off x="228600" y="381000"/>
+            <a:ext cx="6781800" cy="669924"/>
+          </a:xfrm>
+        </p:spPr>
+        <p:txBody>
+          <a:bodyPr/>
+          <a:lstStyle/>
+          <a:p>
+            <a:r>
+              <a:rPr lang="en-US" dirty="0"/>
+              <a:t>Hypothesizing Gene Interactions</a:t>
+            </a:r>
+          </a:p>
+        </p:txBody>
+      </p:sp>
+      <p:sp>
+        <p:nvSpPr>
+          <p:cNvPr id="4" name="Slide Number Placeholder 3">
+            <a:extLst>
+              <a:ext uri="{FF2B5EF4-FFF2-40B4-BE49-F238E27FC236}">
+                <a16:creationId xmlns:a16="http://schemas.microsoft.com/office/drawing/2014/main" id="{FB05CAF6-111A-3849-85FF-664AEA87E8E6}"/>
               </a:ext>
             </a:extLst>
           </p:cNvPr>
@@ -6717,7 +10180,7 @@
             <a:pPr>
               <a:defRPr/>
             </a:pPr>
-            <a:fld id="{21F96DF4-0A1C-4FFD-A010-55DAD04D9A67}" type="slidenum">
+            <a:fld id="{3EF4E9CC-9D91-476E-91FD-5BEEC1642931}" type="slidenum">
               <a:rPr lang="en-US" altLang="x-none" smtClean="0"/>
               <a:pPr>
                 <a:defRPr/>
@@ -6730,10 +10193,10 @@
       </p:sp>
       <p:pic>
         <p:nvPicPr>
-          <p:cNvPr id="3" name="Picture 2">
+          <p:cNvPr id="8" name="Picture 7">
             <a:extLst>
               <a:ext uri="{FF2B5EF4-FFF2-40B4-BE49-F238E27FC236}">
-                <a16:creationId xmlns:a16="http://schemas.microsoft.com/office/drawing/2014/main" id="{3E64EDCE-973C-F34C-9B8D-0B2409C56374}"/>
+                <a16:creationId xmlns:a16="http://schemas.microsoft.com/office/drawing/2014/main" id="{5CD8B0FC-D662-D641-BC7B-A8A16FFF7A74}"/>
               </a:ext>
             </a:extLst>
           </p:cNvPr>
@@ -6750,8 +10213,8 @@
         </p:blipFill>
         <p:spPr>
           <a:xfrm>
-            <a:off x="381000" y="838200"/>
-            <a:ext cx="2451100" cy="1765300"/>
+            <a:off x="476761" y="1008614"/>
+            <a:ext cx="3313677" cy="2351642"/>
           </a:xfrm>
           <a:prstGeom prst="rect">
             <a:avLst/>
@@ -6760,10 +10223,10 @@
       </p:pic>
       <p:pic>
         <p:nvPicPr>
-          <p:cNvPr id="4" name="Picture 3">
+          <p:cNvPr id="10" name="Picture 9">
             <a:extLst>
               <a:ext uri="{FF2B5EF4-FFF2-40B4-BE49-F238E27FC236}">
-                <a16:creationId xmlns:a16="http://schemas.microsoft.com/office/drawing/2014/main" id="{CE54C996-9D0E-5E4F-BE31-4AE5E16FE890}"/>
+                <a16:creationId xmlns:a16="http://schemas.microsoft.com/office/drawing/2014/main" id="{C98C5055-EDDB-204B-BA4B-FE2304858412}"/>
               </a:ext>
             </a:extLst>
           </p:cNvPr>
@@ -6780,270 +10243,184 @@
         </p:blipFill>
         <p:spPr>
           <a:xfrm>
-            <a:off x="3200400" y="838200"/>
-            <a:ext cx="2451100" cy="1765300"/>
+            <a:off x="7543800" y="374719"/>
+            <a:ext cx="1143000" cy="1301681"/>
           </a:xfrm>
           <a:prstGeom prst="rect">
             <a:avLst/>
           </a:prstGeom>
         </p:spPr>
       </p:pic>
+      <p:sp>
+        <p:nvSpPr>
+          <p:cNvPr id="12" name="Content Placeholder 11">
+            <a:extLst>
+              <a:ext uri="{FF2B5EF4-FFF2-40B4-BE49-F238E27FC236}">
+                <a16:creationId xmlns:a16="http://schemas.microsoft.com/office/drawing/2014/main" id="{2ED0AB35-C5F5-064B-BE81-6BE013EB502E}"/>
+              </a:ext>
+            </a:extLst>
+          </p:cNvPr>
+          <p:cNvSpPr>
+            <a:spLocks noGrp="1"/>
+          </p:cNvSpPr>
+          <p:nvPr>
+            <p:ph idx="1"/>
+          </p:nvPr>
+        </p:nvSpPr>
+        <p:spPr>
+          <a:xfrm>
+            <a:off x="457200" y="3497745"/>
+            <a:ext cx="8229600" cy="1607656"/>
+          </a:xfrm>
+        </p:spPr>
+        <p:txBody>
+          <a:bodyPr/>
+          <a:lstStyle/>
+          <a:p>
+            <a:r>
+              <a:rPr lang="en-US" dirty="0"/>
+              <a:t>Guessing from the dynamics didn’t work for me.</a:t>
+            </a:r>
+          </a:p>
+          <a:p>
+            <a:r>
+              <a:rPr lang="en-US" dirty="0"/>
+              <a:t>Much better results if construct hypotheses from cross correlation matrix.</a:t>
+            </a:r>
+          </a:p>
+        </p:txBody>
+      </p:sp>
+    </p:spTree>
+    <p:extLst>
+      <p:ext uri="{BB962C8B-B14F-4D97-AF65-F5344CB8AC3E}">
+        <p14:creationId xmlns:p14="http://schemas.microsoft.com/office/powerpoint/2010/main" val="1620579973"/>
+      </p:ext>
+    </p:extLst>
+  </p:cSld>
+  <p:clrMapOvr>
+    <a:masterClrMapping/>
+  </p:clrMapOvr>
+</p:sld>
+</file>
+
+<file path=ppt/slides/slide9.xml><?xml version="1.0" encoding="utf-8"?>
+<p:sld xmlns:a="http://schemas.openxmlformats.org/drawingml/2006/main" xmlns:r="http://schemas.openxmlformats.org/officeDocument/2006/relationships" xmlns:p="http://schemas.openxmlformats.org/presentationml/2006/main">
+  <p:cSld>
+    <p:spTree>
+      <p:nvGrpSpPr>
+        <p:cNvPr id="1" name=""/>
+        <p:cNvGrpSpPr/>
+        <p:nvPr/>
+      </p:nvGrpSpPr>
+      <p:grpSpPr>
+        <a:xfrm>
+          <a:off x="0" y="0"/>
+          <a:ext cx="0" cy="0"/>
+          <a:chOff x="0" y="0"/>
+          <a:chExt cx="0" cy="0"/>
+        </a:xfrm>
+      </p:grpSpPr>
+      <p:sp>
+        <p:nvSpPr>
+          <p:cNvPr id="7" name="Title 6">
+            <a:extLst>
+              <a:ext uri="{FF2B5EF4-FFF2-40B4-BE49-F238E27FC236}">
+                <a16:creationId xmlns:a16="http://schemas.microsoft.com/office/drawing/2014/main" id="{835D300F-489A-4A4D-B828-06537D3B7A6E}"/>
+              </a:ext>
+            </a:extLst>
+          </p:cNvPr>
+          <p:cNvSpPr>
+            <a:spLocks noGrp="1"/>
+          </p:cNvSpPr>
+          <p:nvPr>
+            <p:ph type="title"/>
+          </p:nvPr>
+        </p:nvSpPr>
+        <p:spPr/>
+        <p:txBody>
+          <a:bodyPr/>
+          <a:lstStyle/>
+          <a:p>
+            <a:r>
+              <a:rPr lang="en-US" dirty="0"/>
+              <a:t>Cross Correlations</a:t>
+            </a:r>
+          </a:p>
+        </p:txBody>
+      </p:sp>
+      <p:sp>
+        <p:nvSpPr>
+          <p:cNvPr id="4" name="Slide Number Placeholder 3">
+            <a:extLst>
+              <a:ext uri="{FF2B5EF4-FFF2-40B4-BE49-F238E27FC236}">
+                <a16:creationId xmlns:a16="http://schemas.microsoft.com/office/drawing/2014/main" id="{302FDED6-D69F-9E48-ABD4-9BF6A280C903}"/>
+              </a:ext>
+            </a:extLst>
+          </p:cNvPr>
+          <p:cNvSpPr>
+            <a:spLocks noGrp="1"/>
+          </p:cNvSpPr>
+          <p:nvPr>
+            <p:ph type="sldNum" sz="quarter" idx="11"/>
+          </p:nvPr>
+        </p:nvSpPr>
+        <p:spPr/>
+        <p:txBody>
+          <a:bodyPr/>
+          <a:lstStyle/>
+          <a:p>
+            <a:pPr>
+              <a:defRPr/>
+            </a:pPr>
+            <a:fld id="{3EF4E9CC-9D91-476E-91FD-5BEEC1642931}" type="slidenum">
+              <a:rPr lang="en-US" altLang="x-none" smtClean="0"/>
+              <a:pPr>
+                <a:defRPr/>
+              </a:pPr>
+              <a:t>9</a:t>
+            </a:fld>
+            <a:endParaRPr lang="en-US" altLang="x-none"/>
+          </a:p>
+        </p:txBody>
+      </p:sp>
       <p:pic>
         <p:nvPicPr>
-          <p:cNvPr id="5" name="Picture 4">
+          <p:cNvPr id="6" name="Content Placeholder 5">
             <a:extLst>
               <a:ext uri="{FF2B5EF4-FFF2-40B4-BE49-F238E27FC236}">
-                <a16:creationId xmlns:a16="http://schemas.microsoft.com/office/drawing/2014/main" id="{6B273A57-92A1-EA43-AEDF-5F0976580E80}"/>
+                <a16:creationId xmlns:a16="http://schemas.microsoft.com/office/drawing/2014/main" id="{0E057A0E-680C-5F45-B7D0-37C251AF7F8E}"/>
               </a:ext>
             </a:extLst>
           </p:cNvPr>
           <p:cNvPicPr>
-            <a:picLocks noChangeAspect="1"/>
+            <a:picLocks noGrp="1" noChangeAspect="1"/>
           </p:cNvPicPr>
-          <p:nvPr/>
+          <p:nvPr>
+            <p:ph idx="4294967295"/>
+          </p:nvPr>
         </p:nvPicPr>
         <p:blipFill>
-          <a:blip r:embed="rId4"/>
+          <a:blip r:embed="rId2"/>
           <a:stretch>
             <a:fillRect/>
           </a:stretch>
         </p:blipFill>
         <p:spPr>
           <a:xfrm>
-            <a:off x="5867400" y="990600"/>
-            <a:ext cx="2451100" cy="1765300"/>
+            <a:off x="457200" y="1698625"/>
+            <a:ext cx="8229600" cy="3917950"/>
           </a:xfrm>
           <a:prstGeom prst="rect">
             <a:avLst/>
           </a:prstGeom>
         </p:spPr>
       </p:pic>
-      <p:pic>
-        <p:nvPicPr>
-          <p:cNvPr id="6" name="Picture 5">
+      <p:sp>
+        <p:nvSpPr>
+          <p:cNvPr id="8" name="Rectangle 7">
             <a:extLst>
               <a:ext uri="{FF2B5EF4-FFF2-40B4-BE49-F238E27FC236}">
-                <a16:creationId xmlns:a16="http://schemas.microsoft.com/office/drawing/2014/main" id="{4ED5283C-C7D5-3949-816F-0B86F96C8716}"/>
-              </a:ext>
-            </a:extLst>
-          </p:cNvPr>
-          <p:cNvPicPr>
-            <a:picLocks noChangeAspect="1"/>
-          </p:cNvPicPr>
-          <p:nvPr/>
-        </p:nvPicPr>
-        <p:blipFill>
-          <a:blip r:embed="rId5"/>
-          <a:stretch>
-            <a:fillRect/>
-          </a:stretch>
-        </p:blipFill>
-        <p:spPr>
-          <a:xfrm>
-            <a:off x="457200" y="2895600"/>
-            <a:ext cx="2451100" cy="1765300"/>
-          </a:xfrm>
-          <a:prstGeom prst="rect">
-            <a:avLst/>
-          </a:prstGeom>
-        </p:spPr>
-      </p:pic>
-      <p:pic>
-        <p:nvPicPr>
-          <p:cNvPr id="7" name="Picture 6">
-            <a:extLst>
-              <a:ext uri="{FF2B5EF4-FFF2-40B4-BE49-F238E27FC236}">
-                <a16:creationId xmlns:a16="http://schemas.microsoft.com/office/drawing/2014/main" id="{B78DADB5-D17B-8E48-9C6C-9D9F7D08491C}"/>
-              </a:ext>
-            </a:extLst>
-          </p:cNvPr>
-          <p:cNvPicPr>
-            <a:picLocks noChangeAspect="1"/>
-          </p:cNvPicPr>
-          <p:nvPr/>
-        </p:nvPicPr>
-        <p:blipFill>
-          <a:blip r:embed="rId6"/>
-          <a:stretch>
-            <a:fillRect/>
-          </a:stretch>
-        </p:blipFill>
-        <p:spPr>
-          <a:xfrm>
-            <a:off x="3346450" y="2895600"/>
-            <a:ext cx="2451100" cy="1765300"/>
-          </a:xfrm>
-          <a:prstGeom prst="rect">
-            <a:avLst/>
-          </a:prstGeom>
-        </p:spPr>
-      </p:pic>
-      <p:pic>
-        <p:nvPicPr>
-          <p:cNvPr id="8" name="Picture 7">
-            <a:extLst>
-              <a:ext uri="{FF2B5EF4-FFF2-40B4-BE49-F238E27FC236}">
-                <a16:creationId xmlns:a16="http://schemas.microsoft.com/office/drawing/2014/main" id="{39B56F2D-DD67-6B43-BC25-E7DFF6CA382E}"/>
-              </a:ext>
-            </a:extLst>
-          </p:cNvPr>
-          <p:cNvPicPr>
-            <a:picLocks noChangeAspect="1"/>
-          </p:cNvPicPr>
-          <p:nvPr/>
-        </p:nvPicPr>
-        <p:blipFill>
-          <a:blip r:embed="rId7"/>
-          <a:stretch>
-            <a:fillRect/>
-          </a:stretch>
-        </p:blipFill>
-        <p:spPr>
-          <a:xfrm>
-            <a:off x="6096000" y="2895600"/>
-            <a:ext cx="2451100" cy="1765300"/>
-          </a:xfrm>
-          <a:prstGeom prst="rect">
-            <a:avLst/>
-          </a:prstGeom>
-        </p:spPr>
-      </p:pic>
-      <p:pic>
-        <p:nvPicPr>
-          <p:cNvPr id="9" name="Picture 8">
-            <a:extLst>
-              <a:ext uri="{FF2B5EF4-FFF2-40B4-BE49-F238E27FC236}">
-                <a16:creationId xmlns:a16="http://schemas.microsoft.com/office/drawing/2014/main" id="{B1439A53-0832-D74F-8F2E-5C804627E095}"/>
-              </a:ext>
-            </a:extLst>
-          </p:cNvPr>
-          <p:cNvPicPr>
-            <a:picLocks noChangeAspect="1"/>
-          </p:cNvPicPr>
-          <p:nvPr/>
-        </p:nvPicPr>
-        <p:blipFill>
-          <a:blip r:embed="rId8"/>
-          <a:stretch>
-            <a:fillRect/>
-          </a:stretch>
-        </p:blipFill>
-        <p:spPr>
-          <a:xfrm>
-            <a:off x="1295400" y="4704277"/>
-            <a:ext cx="2451100" cy="1765300"/>
-          </a:xfrm>
-          <a:prstGeom prst="rect">
-            <a:avLst/>
-          </a:prstGeom>
-        </p:spPr>
-      </p:pic>
-      <p:pic>
-        <p:nvPicPr>
-          <p:cNvPr id="10" name="Picture 9">
-            <a:extLst>
-              <a:ext uri="{FF2B5EF4-FFF2-40B4-BE49-F238E27FC236}">
-                <a16:creationId xmlns:a16="http://schemas.microsoft.com/office/drawing/2014/main" id="{065C7018-A9ED-CD46-A91C-C5109B50CFE4}"/>
-              </a:ext>
-            </a:extLst>
-          </p:cNvPr>
-          <p:cNvPicPr>
-            <a:picLocks noChangeAspect="1"/>
-          </p:cNvPicPr>
-          <p:nvPr/>
-        </p:nvPicPr>
-        <p:blipFill>
-          <a:blip r:embed="rId9"/>
-          <a:stretch>
-            <a:fillRect/>
-          </a:stretch>
-        </p:blipFill>
-        <p:spPr>
-          <a:xfrm>
-            <a:off x="4171952" y="4704277"/>
-            <a:ext cx="2451100" cy="1765300"/>
-          </a:xfrm>
-          <a:prstGeom prst="rect">
-            <a:avLst/>
-          </a:prstGeom>
-        </p:spPr>
-      </p:pic>
-      <p:sp>
-        <p:nvSpPr>
-          <p:cNvPr id="11" name="TextBox 10">
-            <a:extLst>
-              <a:ext uri="{FF2B5EF4-FFF2-40B4-BE49-F238E27FC236}">
-                <a16:creationId xmlns:a16="http://schemas.microsoft.com/office/drawing/2014/main" id="{F43124CE-6F63-8748-A234-7D1544C4ABE5}"/>
-              </a:ext>
-            </a:extLst>
-          </p:cNvPr>
-          <p:cNvSpPr txBox="1"/>
-          <p:nvPr/>
-        </p:nvSpPr>
-        <p:spPr>
-          <a:xfrm>
-            <a:off x="1295400" y="1214735"/>
-            <a:ext cx="356188" cy="461665"/>
-          </a:xfrm>
-          <a:prstGeom prst="rect">
-            <a:avLst/>
-          </a:prstGeom>
-          <a:noFill/>
-        </p:spPr>
-        <p:txBody>
-          <a:bodyPr wrap="none" rtlCol="0">
-            <a:spAutoFit/>
-          </a:bodyPr>
-          <a:lstStyle/>
-          <a:p>
-            <a:r>
-              <a:rPr lang="en-US" sz="2400" dirty="0"/>
-              <a:t>1</a:t>
-            </a:r>
-          </a:p>
-        </p:txBody>
-      </p:sp>
-      <p:sp>
-        <p:nvSpPr>
-          <p:cNvPr id="12" name="TextBox 11">
-            <a:extLst>
-              <a:ext uri="{FF2B5EF4-FFF2-40B4-BE49-F238E27FC236}">
-                <a16:creationId xmlns:a16="http://schemas.microsoft.com/office/drawing/2014/main" id="{B64B1FEE-7178-DF40-A17E-82EF2F32E5E6}"/>
-              </a:ext>
-            </a:extLst>
-          </p:cNvPr>
-          <p:cNvSpPr txBox="1"/>
-          <p:nvPr/>
-        </p:nvSpPr>
-        <p:spPr>
-          <a:xfrm>
-            <a:off x="4247856" y="1290935"/>
-            <a:ext cx="356188" cy="461665"/>
-          </a:xfrm>
-          <a:prstGeom prst="rect">
-            <a:avLst/>
-          </a:prstGeom>
-          <a:noFill/>
-        </p:spPr>
-        <p:txBody>
-          <a:bodyPr wrap="none" rtlCol="0">
-            <a:spAutoFit/>
-          </a:bodyPr>
-          <a:lstStyle/>
-          <a:p>
-            <a:r>
-              <a:rPr lang="en-US" sz="2400" dirty="0"/>
-              <a:t>2</a:t>
-            </a:r>
-          </a:p>
-        </p:txBody>
-      </p:sp>
-      <p:sp>
-        <p:nvSpPr>
-          <p:cNvPr id="13" name="Rectangle 12">
-            <a:extLst>
-              <a:ext uri="{FF2B5EF4-FFF2-40B4-BE49-F238E27FC236}">
-                <a16:creationId xmlns:a16="http://schemas.microsoft.com/office/drawing/2014/main" id="{0104A6E9-587A-2243-AB2C-4CAB3E0FF807}"/>
+                <a16:creationId xmlns:a16="http://schemas.microsoft.com/office/drawing/2014/main" id="{3069DF27-C998-ED4A-97C1-42818FCA3B5C}"/>
               </a:ext>
             </a:extLst>
           </p:cNvPr>
@@ -7052,8 +10429,8 @@
         </p:nvSpPr>
         <p:spPr>
           <a:xfrm>
-            <a:off x="1078336" y="770406"/>
-            <a:ext cx="1055263" cy="220193"/>
+            <a:off x="1981200" y="2209800"/>
+            <a:ext cx="6705600" cy="3406775"/>
           </a:xfrm>
           <a:prstGeom prst="rect">
             <a:avLst/>
@@ -7093,12 +10470,42 @@
           </a:p>
         </p:txBody>
       </p:sp>
-      <p:sp>
-        <p:nvSpPr>
-          <p:cNvPr id="14" name="Rectangle 13">
+      <p:pic>
+        <p:nvPicPr>
+          <p:cNvPr id="9" name="Picture 8">
             <a:extLst>
               <a:ext uri="{FF2B5EF4-FFF2-40B4-BE49-F238E27FC236}">
-                <a16:creationId xmlns:a16="http://schemas.microsoft.com/office/drawing/2014/main" id="{9996613D-2FD9-FA4C-AB5F-8B224A32477A}"/>
+                <a16:creationId xmlns:a16="http://schemas.microsoft.com/office/drawing/2014/main" id="{1583EE56-0938-CB43-978F-66C30CD47D04}"/>
+              </a:ext>
+            </a:extLst>
+          </p:cNvPr>
+          <p:cNvPicPr>
+            <a:picLocks noChangeAspect="1"/>
+          </p:cNvPicPr>
+          <p:nvPr/>
+        </p:nvPicPr>
+        <p:blipFill>
+          <a:blip r:embed="rId3"/>
+          <a:stretch>
+            <a:fillRect/>
+          </a:stretch>
+        </p:blipFill>
+        <p:spPr>
+          <a:xfrm>
+            <a:off x="3587839" y="2218253"/>
+            <a:ext cx="3727361" cy="4244825"/>
+          </a:xfrm>
+          <a:prstGeom prst="rect">
+            <a:avLst/>
+          </a:prstGeom>
+        </p:spPr>
+      </p:pic>
+      <p:sp>
+        <p:nvSpPr>
+          <p:cNvPr id="10" name="Oval 9">
+            <a:extLst>
+              <a:ext uri="{FF2B5EF4-FFF2-40B4-BE49-F238E27FC236}">
+                <a16:creationId xmlns:a16="http://schemas.microsoft.com/office/drawing/2014/main" id="{9D1D70EA-47D4-2147-8A83-48618C073CEF}"/>
               </a:ext>
             </a:extLst>
           </p:cNvPr>
@@ -7107,23 +10514,18 @@
         </p:nvSpPr>
         <p:spPr>
           <a:xfrm>
-            <a:off x="3897737" y="762000"/>
-            <a:ext cx="1055263" cy="220193"/>
+            <a:off x="533400" y="3429000"/>
+            <a:ext cx="1447800" cy="457200"/>
           </a:xfrm>
-          <a:prstGeom prst="rect">
+          <a:prstGeom prst="ellipse">
             <a:avLst/>
           </a:prstGeom>
-          <a:solidFill>
-            <a:schemeClr val="bg1"/>
-          </a:solidFill>
-          <a:ln>
-            <a:noFill/>
+          <a:noFill/>
+          <a:ln w="38100">
+            <a:solidFill>
+              <a:srgbClr val="002060"/>
+            </a:solidFill>
           </a:ln>
-          <a:effectLst>
-            <a:outerShdw dist="23000" sx="1000" sy="1000" rotWithShape="0">
-              <a:srgbClr val="000000"/>
-            </a:outerShdw>
-          </a:effectLst>
         </p:spPr>
         <p:style>
           <a:lnRef idx="1">
@@ -7148,381 +10550,139 @@
           </a:p>
         </p:txBody>
       </p:sp>
-      <p:sp>
-        <p:nvSpPr>
-          <p:cNvPr id="15" name="Rectangle 14">
-            <a:extLst>
-              <a:ext uri="{FF2B5EF4-FFF2-40B4-BE49-F238E27FC236}">
-                <a16:creationId xmlns:a16="http://schemas.microsoft.com/office/drawing/2014/main" id="{0356E26F-C4FA-2747-B43A-097ED169FF77}"/>
-              </a:ext>
-            </a:extLst>
-          </p:cNvPr>
-          <p:cNvSpPr/>
-          <p:nvPr/>
-        </p:nvSpPr>
-        <p:spPr>
-          <a:xfrm>
-            <a:off x="6640937" y="922807"/>
-            <a:ext cx="1055263" cy="220193"/>
-          </a:xfrm>
-          <a:prstGeom prst="rect">
-            <a:avLst/>
-          </a:prstGeom>
-          <a:solidFill>
-            <a:schemeClr val="bg1"/>
-          </a:solidFill>
-          <a:ln>
-            <a:noFill/>
-          </a:ln>
-          <a:effectLst>
-            <a:outerShdw dist="23000" sx="1000" sy="1000" rotWithShape="0">
-              <a:srgbClr val="000000"/>
-            </a:outerShdw>
-          </a:effectLst>
-        </p:spPr>
-        <p:style>
-          <a:lnRef idx="1">
-            <a:schemeClr val="accent1"/>
-          </a:lnRef>
-          <a:fillRef idx="3">
-            <a:schemeClr val="accent1"/>
-          </a:fillRef>
-          <a:effectRef idx="2">
-            <a:schemeClr val="accent1"/>
-          </a:effectRef>
-          <a:fontRef idx="minor">
-            <a:schemeClr val="lt1"/>
-          </a:fontRef>
-        </p:style>
-        <p:txBody>
-          <a:bodyPr rtlCol="0" anchor="ctr"/>
-          <a:lstStyle/>
-          <a:p>
-            <a:pPr algn="ctr"/>
-            <a:endParaRPr lang="en-US"/>
-          </a:p>
-        </p:txBody>
-      </p:sp>
-      <p:sp>
-        <p:nvSpPr>
-          <p:cNvPr id="16" name="Rectangle 15">
-            <a:extLst>
-              <a:ext uri="{FF2B5EF4-FFF2-40B4-BE49-F238E27FC236}">
-                <a16:creationId xmlns:a16="http://schemas.microsoft.com/office/drawing/2014/main" id="{CB34995F-08D8-E748-B8E8-49394B8D32B9}"/>
-              </a:ext>
-            </a:extLst>
-          </p:cNvPr>
-          <p:cNvSpPr/>
-          <p:nvPr/>
-        </p:nvSpPr>
-        <p:spPr>
-          <a:xfrm>
-            <a:off x="6793337" y="2827807"/>
-            <a:ext cx="1055263" cy="220193"/>
-          </a:xfrm>
-          <a:prstGeom prst="rect">
-            <a:avLst/>
-          </a:prstGeom>
-          <a:solidFill>
-            <a:schemeClr val="bg1"/>
-          </a:solidFill>
-          <a:ln>
-            <a:noFill/>
-          </a:ln>
-          <a:effectLst>
-            <a:outerShdw dist="23000" sx="1000" sy="1000" rotWithShape="0">
-              <a:srgbClr val="000000"/>
-            </a:outerShdw>
-          </a:effectLst>
-        </p:spPr>
-        <p:style>
-          <a:lnRef idx="1">
-            <a:schemeClr val="accent1"/>
-          </a:lnRef>
-          <a:fillRef idx="3">
-            <a:schemeClr val="accent1"/>
-          </a:fillRef>
-          <a:effectRef idx="2">
-            <a:schemeClr val="accent1"/>
-          </a:effectRef>
-          <a:fontRef idx="minor">
-            <a:schemeClr val="lt1"/>
-          </a:fontRef>
-        </p:style>
-        <p:txBody>
-          <a:bodyPr rtlCol="0" anchor="ctr"/>
-          <a:lstStyle/>
-          <a:p>
-            <a:pPr algn="ctr"/>
-            <a:endParaRPr lang="en-US"/>
-          </a:p>
-        </p:txBody>
-      </p:sp>
-      <p:sp>
-        <p:nvSpPr>
-          <p:cNvPr id="17" name="Rectangle 16">
-            <a:extLst>
-              <a:ext uri="{FF2B5EF4-FFF2-40B4-BE49-F238E27FC236}">
-                <a16:creationId xmlns:a16="http://schemas.microsoft.com/office/drawing/2014/main" id="{12B160F5-A339-4D43-A333-9787824198AE}"/>
-              </a:ext>
-            </a:extLst>
-          </p:cNvPr>
-          <p:cNvSpPr/>
-          <p:nvPr/>
-        </p:nvSpPr>
-        <p:spPr>
-          <a:xfrm>
-            <a:off x="4114800" y="2819400"/>
-            <a:ext cx="1055263" cy="220193"/>
-          </a:xfrm>
-          <a:prstGeom prst="rect">
-            <a:avLst/>
-          </a:prstGeom>
-          <a:solidFill>
-            <a:schemeClr val="bg1"/>
-          </a:solidFill>
-          <a:ln>
-            <a:noFill/>
-          </a:ln>
-          <a:effectLst>
-            <a:outerShdw dist="23000" sx="1000" sy="1000" rotWithShape="0">
-              <a:srgbClr val="000000"/>
-            </a:outerShdw>
-          </a:effectLst>
-        </p:spPr>
-        <p:style>
-          <a:lnRef idx="1">
-            <a:schemeClr val="accent1"/>
-          </a:lnRef>
-          <a:fillRef idx="3">
-            <a:schemeClr val="accent1"/>
-          </a:fillRef>
-          <a:effectRef idx="2">
-            <a:schemeClr val="accent1"/>
-          </a:effectRef>
-          <a:fontRef idx="minor">
-            <a:schemeClr val="lt1"/>
-          </a:fontRef>
-        </p:style>
-        <p:txBody>
-          <a:bodyPr rtlCol="0" anchor="ctr"/>
-          <a:lstStyle/>
-          <a:p>
-            <a:pPr algn="ctr"/>
-            <a:endParaRPr lang="en-US"/>
-          </a:p>
-        </p:txBody>
-      </p:sp>
-      <p:sp>
-        <p:nvSpPr>
-          <p:cNvPr id="18" name="Rectangle 17">
-            <a:extLst>
-              <a:ext uri="{FF2B5EF4-FFF2-40B4-BE49-F238E27FC236}">
-                <a16:creationId xmlns:a16="http://schemas.microsoft.com/office/drawing/2014/main" id="{B4513343-72D8-1145-8C54-CAC8F409CDE8}"/>
-              </a:ext>
-            </a:extLst>
-          </p:cNvPr>
-          <p:cNvSpPr/>
-          <p:nvPr/>
-        </p:nvSpPr>
-        <p:spPr>
-          <a:xfrm>
-            <a:off x="1219200" y="2819400"/>
-            <a:ext cx="1055263" cy="220193"/>
-          </a:xfrm>
-          <a:prstGeom prst="rect">
-            <a:avLst/>
-          </a:prstGeom>
-          <a:solidFill>
-            <a:schemeClr val="bg1"/>
-          </a:solidFill>
-          <a:ln>
-            <a:noFill/>
-          </a:ln>
-          <a:effectLst>
-            <a:outerShdw dist="23000" sx="1000" sy="1000" rotWithShape="0">
-              <a:srgbClr val="000000"/>
-            </a:outerShdw>
-          </a:effectLst>
-        </p:spPr>
-        <p:style>
-          <a:lnRef idx="1">
-            <a:schemeClr val="accent1"/>
-          </a:lnRef>
-          <a:fillRef idx="3">
-            <a:schemeClr val="accent1"/>
-          </a:fillRef>
-          <a:effectRef idx="2">
-            <a:schemeClr val="accent1"/>
-          </a:effectRef>
-          <a:fontRef idx="minor">
-            <a:schemeClr val="lt1"/>
-          </a:fontRef>
-        </p:style>
-        <p:txBody>
-          <a:bodyPr rtlCol="0" anchor="ctr"/>
-          <a:lstStyle/>
-          <a:p>
-            <a:pPr algn="ctr"/>
-            <a:endParaRPr lang="en-US"/>
-          </a:p>
-        </p:txBody>
-      </p:sp>
-      <p:sp>
-        <p:nvSpPr>
-          <p:cNvPr id="19" name="Rectangle 18">
-            <a:extLst>
-              <a:ext uri="{FF2B5EF4-FFF2-40B4-BE49-F238E27FC236}">
-                <a16:creationId xmlns:a16="http://schemas.microsoft.com/office/drawing/2014/main" id="{97C91907-60E2-D948-AB9B-FE13DEC2E825}"/>
-              </a:ext>
-            </a:extLst>
-          </p:cNvPr>
-          <p:cNvSpPr/>
-          <p:nvPr/>
-        </p:nvSpPr>
-        <p:spPr>
-          <a:xfrm>
-            <a:off x="1992737" y="4656607"/>
-            <a:ext cx="1055263" cy="220193"/>
-          </a:xfrm>
-          <a:prstGeom prst="rect">
-            <a:avLst/>
-          </a:prstGeom>
-          <a:solidFill>
-            <a:schemeClr val="bg1"/>
-          </a:solidFill>
-          <a:ln>
-            <a:noFill/>
-          </a:ln>
-          <a:effectLst>
-            <a:outerShdw dist="23000" sx="1000" sy="1000" rotWithShape="0">
-              <a:srgbClr val="000000"/>
-            </a:outerShdw>
-          </a:effectLst>
-        </p:spPr>
-        <p:style>
-          <a:lnRef idx="1">
-            <a:schemeClr val="accent1"/>
-          </a:lnRef>
-          <a:fillRef idx="3">
-            <a:schemeClr val="accent1"/>
-          </a:fillRef>
-          <a:effectRef idx="2">
-            <a:schemeClr val="accent1"/>
-          </a:effectRef>
-          <a:fontRef idx="minor">
-            <a:schemeClr val="lt1"/>
-          </a:fontRef>
-        </p:style>
-        <p:txBody>
-          <a:bodyPr rtlCol="0" anchor="ctr"/>
-          <a:lstStyle/>
-          <a:p>
-            <a:pPr algn="ctr"/>
-            <a:endParaRPr lang="en-US"/>
-          </a:p>
-        </p:txBody>
-      </p:sp>
-      <p:sp>
-        <p:nvSpPr>
-          <p:cNvPr id="20" name="Rectangle 19">
-            <a:extLst>
-              <a:ext uri="{FF2B5EF4-FFF2-40B4-BE49-F238E27FC236}">
-                <a16:creationId xmlns:a16="http://schemas.microsoft.com/office/drawing/2014/main" id="{7B3F7CE6-9E0C-714D-A764-0C44517DBF56}"/>
-              </a:ext>
-            </a:extLst>
-          </p:cNvPr>
-          <p:cNvSpPr/>
-          <p:nvPr/>
-        </p:nvSpPr>
-        <p:spPr>
-          <a:xfrm>
-            <a:off x="4964537" y="4648200"/>
-            <a:ext cx="1055263" cy="220193"/>
-          </a:xfrm>
-          <a:prstGeom prst="rect">
-            <a:avLst/>
-          </a:prstGeom>
-          <a:solidFill>
-            <a:schemeClr val="bg1"/>
-          </a:solidFill>
-          <a:ln>
-            <a:noFill/>
-          </a:ln>
-          <a:effectLst>
-            <a:outerShdw dist="23000" sx="1000" sy="1000" rotWithShape="0">
-              <a:srgbClr val="000000"/>
-            </a:outerShdw>
-          </a:effectLst>
-        </p:spPr>
-        <p:style>
-          <a:lnRef idx="1">
-            <a:schemeClr val="accent1"/>
-          </a:lnRef>
-          <a:fillRef idx="3">
-            <a:schemeClr val="accent1"/>
-          </a:fillRef>
-          <a:effectRef idx="2">
-            <a:schemeClr val="accent1"/>
-          </a:effectRef>
-          <a:fontRef idx="minor">
-            <a:schemeClr val="lt1"/>
-          </a:fontRef>
-        </p:style>
-        <p:txBody>
-          <a:bodyPr rtlCol="0" anchor="ctr"/>
-          <a:lstStyle/>
-          <a:p>
-            <a:pPr algn="ctr"/>
-            <a:endParaRPr lang="en-US"/>
-          </a:p>
-        </p:txBody>
-      </p:sp>
-      <p:sp>
-        <p:nvSpPr>
-          <p:cNvPr id="21" name="TextBox 20">
-            <a:extLst>
-              <a:ext uri="{FF2B5EF4-FFF2-40B4-BE49-F238E27FC236}">
-                <a16:creationId xmlns:a16="http://schemas.microsoft.com/office/drawing/2014/main" id="{863C6474-D08E-174D-BAD9-F2DF7EF30127}"/>
-              </a:ext>
-            </a:extLst>
-          </p:cNvPr>
-          <p:cNvSpPr txBox="1"/>
-          <p:nvPr/>
-        </p:nvSpPr>
-        <p:spPr>
-          <a:xfrm>
-            <a:off x="6705600" y="1367135"/>
-            <a:ext cx="356188" cy="461665"/>
-          </a:xfrm>
-          <a:prstGeom prst="rect">
-            <a:avLst/>
-          </a:prstGeom>
-          <a:noFill/>
-        </p:spPr>
-        <p:txBody>
-          <a:bodyPr wrap="none" rtlCol="0">
-            <a:spAutoFit/>
-          </a:bodyPr>
-          <a:lstStyle/>
-          <a:p>
-            <a:r>
-              <a:rPr lang="en-US" sz="2400" dirty="0"/>
-              <a:t>3</a:t>
-            </a:r>
-          </a:p>
-        </p:txBody>
-      </p:sp>
     </p:spTree>
     <p:extLst>
       <p:ext uri="{BB962C8B-B14F-4D97-AF65-F5344CB8AC3E}">
-        <p14:creationId xmlns:p14="http://schemas.microsoft.com/office/powerpoint/2010/main" val="1970827781"/>
+        <p14:creationId xmlns:p14="http://schemas.microsoft.com/office/powerpoint/2010/main" val="2040512646"/>
       </p:ext>
     </p:extLst>
   </p:cSld>
   <p:clrMapOvr>
     <a:masterClrMapping/>
   </p:clrMapOvr>
+  <p:timing>
+    <p:tnLst>
+      <p:par>
+        <p:cTn id="1" dur="indefinite" restart="never" nodeType="tmRoot">
+          <p:childTnLst>
+            <p:seq concurrent="1" nextAc="seek">
+              <p:cTn id="2" dur="indefinite" nodeType="mainSeq">
+                <p:childTnLst>
+                  <p:par>
+                    <p:cTn id="3" fill="hold">
+                      <p:stCondLst>
+                        <p:cond delay="indefinite"/>
+                      </p:stCondLst>
+                      <p:childTnLst>
+                        <p:par>
+                          <p:cTn id="4" fill="hold">
+                            <p:stCondLst>
+                              <p:cond delay="0"/>
+                            </p:stCondLst>
+                            <p:childTnLst>
+                              <p:par>
+                                <p:cTn id="5" presetID="1" presetClass="entr" presetSubtype="0" fill="hold" nodeType="clickEffect">
+                                  <p:stCondLst>
+                                    <p:cond delay="0"/>
+                                  </p:stCondLst>
+                                  <p:childTnLst>
+                                    <p:set>
+                                      <p:cBhvr>
+                                        <p:cTn id="6" dur="1" fill="hold">
+                                          <p:stCondLst>
+                                            <p:cond delay="0"/>
+                                          </p:stCondLst>
+                                        </p:cTn>
+                                        <p:tgtEl>
+                                          <p:spTgt spid="9"/>
+                                        </p:tgtEl>
+                                        <p:attrNameLst>
+                                          <p:attrName>style.visibility</p:attrName>
+                                        </p:attrNameLst>
+                                      </p:cBhvr>
+                                      <p:to>
+                                        <p:strVal val="visible"/>
+                                      </p:to>
+                                    </p:set>
+                                  </p:childTnLst>
+                                </p:cTn>
+                              </p:par>
+                            </p:childTnLst>
+                          </p:cTn>
+                        </p:par>
+                      </p:childTnLst>
+                    </p:cTn>
+                  </p:par>
+                  <p:par>
+                    <p:cTn id="7" fill="hold">
+                      <p:stCondLst>
+                        <p:cond delay="indefinite"/>
+                      </p:stCondLst>
+                      <p:childTnLst>
+                        <p:par>
+                          <p:cTn id="8" fill="hold">
+                            <p:stCondLst>
+                              <p:cond delay="0"/>
+                            </p:stCondLst>
+                            <p:childTnLst>
+                              <p:par>
+                                <p:cTn id="9" presetID="1" presetClass="entr" presetSubtype="0" fill="hold" grpId="0" nodeType="clickEffect">
+                                  <p:stCondLst>
+                                    <p:cond delay="0"/>
+                                  </p:stCondLst>
+                                  <p:childTnLst>
+                                    <p:set>
+                                      <p:cBhvr>
+                                        <p:cTn id="10" dur="1" fill="hold">
+                                          <p:stCondLst>
+                                            <p:cond delay="0"/>
+                                          </p:stCondLst>
+                                        </p:cTn>
+                                        <p:tgtEl>
+                                          <p:spTgt spid="10"/>
+                                        </p:tgtEl>
+                                        <p:attrNameLst>
+                                          <p:attrName>style.visibility</p:attrName>
+                                        </p:attrNameLst>
+                                      </p:cBhvr>
+                                      <p:to>
+                                        <p:strVal val="visible"/>
+                                      </p:to>
+                                    </p:set>
+                                  </p:childTnLst>
+                                </p:cTn>
+                              </p:par>
+                            </p:childTnLst>
+                          </p:cTn>
+                        </p:par>
+                      </p:childTnLst>
+                    </p:cTn>
+                  </p:par>
+                </p:childTnLst>
+              </p:cTn>
+              <p:prevCondLst>
+                <p:cond evt="onPrev" delay="0">
+                  <p:tgtEl>
+                    <p:sldTgt/>
+                  </p:tgtEl>
+                </p:cond>
+              </p:prevCondLst>
+              <p:nextCondLst>
+                <p:cond evt="onNext" delay="0">
+                  <p:tgtEl>
+                    <p:sldTgt/>
+                  </p:tgtEl>
+                </p:cond>
+              </p:nextCondLst>
+            </p:seq>
+          </p:childTnLst>
+        </p:cTn>
+      </p:par>
+    </p:tnLst>
+    <p:bldLst>
+      <p:bldP spid="10" grpId="0" animBg="1"/>
+    </p:bldLst>
+  </p:timing>
 </p:sld>
 </file>
 

--- a/ModelingGame/Summary of Approach to Modeling Game.pptx
+++ b/ModelingGame/Summary of Approach to Modeling Game.pptx
@@ -5,10 +5,10 @@
     <p:sldMasterId id="2147483648" r:id="rId1"/>
   </p:sldMasterIdLst>
   <p:notesMasterIdLst>
-    <p:notesMasterId r:id="rId13"/>
+    <p:notesMasterId r:id="rId14"/>
   </p:notesMasterIdLst>
   <p:handoutMasterIdLst>
-    <p:handoutMasterId r:id="rId14"/>
+    <p:handoutMasterId r:id="rId15"/>
   </p:handoutMasterIdLst>
   <p:sldIdLst>
     <p:sldId id="347" r:id="rId2"/>
@@ -21,7 +21,8 @@
     <p:sldId id="382" r:id="rId9"/>
     <p:sldId id="378" r:id="rId10"/>
     <p:sldId id="377" r:id="rId11"/>
-    <p:sldId id="383" r:id="rId12"/>
+    <p:sldId id="384" r:id="rId12"/>
+    <p:sldId id="383" r:id="rId13"/>
   </p:sldIdLst>
   <p:sldSz cx="9144000" cy="6858000" type="screen4x3"/>
   <p:notesSz cx="6858000" cy="9144000"/>
@@ -165,6 +166,7 @@
             <p14:sldId id="382"/>
             <p14:sldId id="378"/>
             <p14:sldId id="377"/>
+            <p14:sldId id="384"/>
             <p14:sldId id="383"/>
           </p14:sldIdLst>
         </p14:section>
@@ -912,6 +914,99 @@
     <p:extLst>
       <p:ext uri="{BB962C8B-B14F-4D97-AF65-F5344CB8AC3E}">
         <p14:creationId xmlns:p14="http://schemas.microsoft.com/office/powerpoint/2010/main" val="256389567"/>
+      </p:ext>
+    </p:extLst>
+  </p:cSld>
+  <p:clrMapOvr>
+    <a:masterClrMapping/>
+  </p:clrMapOvr>
+</p:notes>
+</file>
+
+<file path=ppt/notesSlides/notesSlide2.xml><?xml version="1.0" encoding="utf-8"?>
+<p:notes xmlns:a="http://schemas.openxmlformats.org/drawingml/2006/main" xmlns:r="http://schemas.openxmlformats.org/officeDocument/2006/relationships" xmlns:p="http://schemas.openxmlformats.org/presentationml/2006/main">
+  <p:cSld>
+    <p:spTree>
+      <p:nvGrpSpPr>
+        <p:cNvPr id="1" name=""/>
+        <p:cNvGrpSpPr/>
+        <p:nvPr/>
+      </p:nvGrpSpPr>
+      <p:grpSpPr>
+        <a:xfrm>
+          <a:off x="0" y="0"/>
+          <a:ext cx="0" cy="0"/>
+          <a:chOff x="0" y="0"/>
+          <a:chExt cx="0" cy="0"/>
+        </a:xfrm>
+      </p:grpSpPr>
+      <p:sp>
+        <p:nvSpPr>
+          <p:cNvPr id="2" name="Slide Image Placeholder 1"/>
+          <p:cNvSpPr>
+            <a:spLocks noGrp="1" noRot="1" noChangeAspect="1"/>
+          </p:cNvSpPr>
+          <p:nvPr>
+            <p:ph type="sldImg"/>
+          </p:nvPr>
+        </p:nvSpPr>
+        <p:spPr/>
+      </p:sp>
+      <p:sp>
+        <p:nvSpPr>
+          <p:cNvPr id="3" name="Notes Placeholder 2"/>
+          <p:cNvSpPr>
+            <a:spLocks noGrp="1"/>
+          </p:cNvSpPr>
+          <p:nvPr>
+            <p:ph type="body" idx="1"/>
+          </p:nvPr>
+        </p:nvSpPr>
+        <p:spPr/>
+        <p:txBody>
+          <a:bodyPr/>
+          <a:lstStyle/>
+          <a:p>
+            <a:r>
+              <a:rPr lang="en-US" dirty="0"/>
+              <a:t>15 possibilities since 7 genes, either activate or inhibit, and there is a possibility that there is no second TF.</a:t>
+            </a:r>
+          </a:p>
+        </p:txBody>
+      </p:sp>
+      <p:sp>
+        <p:nvSpPr>
+          <p:cNvPr id="4" name="Slide Number Placeholder 3"/>
+          <p:cNvSpPr>
+            <a:spLocks noGrp="1"/>
+          </p:cNvSpPr>
+          <p:nvPr>
+            <p:ph type="sldNum" sz="quarter" idx="5"/>
+          </p:nvPr>
+        </p:nvSpPr>
+        <p:spPr/>
+        <p:txBody>
+          <a:bodyPr/>
+          <a:lstStyle/>
+          <a:p>
+            <a:pPr>
+              <a:defRPr/>
+            </a:pPr>
+            <a:fld id="{1E3608CA-DBCA-4E8F-8DAB-6E1AFAF19782}" type="slidenum">
+              <a:rPr lang="en-US" altLang="x-none" smtClean="0"/>
+              <a:pPr>
+                <a:defRPr/>
+              </a:pPr>
+              <a:t>4</a:t>
+            </a:fld>
+            <a:endParaRPr lang="en-US" altLang="x-none"/>
+          </a:p>
+        </p:txBody>
+      </p:sp>
+    </p:spTree>
+    <p:extLst>
+      <p:ext uri="{BB962C8B-B14F-4D97-AF65-F5344CB8AC3E}">
+        <p14:creationId xmlns:p14="http://schemas.microsoft.com/office/powerpoint/2010/main" val="2919579338"/>
       </p:ext>
     </p:extLst>
   </p:cSld>
@@ -5048,6 +5143,36 @@
           <a:chExt cx="0" cy="0"/>
         </a:xfrm>
       </p:grpSpPr>
+      <p:pic>
+        <p:nvPicPr>
+          <p:cNvPr id="30" name="Picture 29">
+            <a:extLst>
+              <a:ext uri="{FF2B5EF4-FFF2-40B4-BE49-F238E27FC236}">
+                <a16:creationId xmlns:a16="http://schemas.microsoft.com/office/drawing/2014/main" id="{5BE15F09-F860-C245-808A-1A89C778BA32}"/>
+              </a:ext>
+            </a:extLst>
+          </p:cNvPr>
+          <p:cNvPicPr>
+            <a:picLocks noChangeAspect="1"/>
+          </p:cNvPicPr>
+          <p:nvPr/>
+        </p:nvPicPr>
+        <p:blipFill>
+          <a:blip r:embed="rId2"/>
+          <a:stretch>
+            <a:fillRect/>
+          </a:stretch>
+        </p:blipFill>
+        <p:spPr>
+          <a:xfrm>
+            <a:off x="6030238" y="1066800"/>
+            <a:ext cx="2451100" cy="1765300"/>
+          </a:xfrm>
+          <a:prstGeom prst="rect">
+            <a:avLst/>
+          </a:prstGeom>
+        </p:spPr>
+      </p:pic>
       <p:sp>
         <p:nvSpPr>
           <p:cNvPr id="2" name="Slide Number Placeholder 1">
@@ -5098,7 +5223,7 @@
           <p:nvPr/>
         </p:nvPicPr>
         <p:blipFill>
-          <a:blip r:embed="rId2"/>
+          <a:blip r:embed="rId3"/>
           <a:stretch>
             <a:fillRect/>
           </a:stretch>
@@ -5128,7 +5253,7 @@
           <p:nvPr/>
         </p:nvPicPr>
         <p:blipFill>
-          <a:blip r:embed="rId3"/>
+          <a:blip r:embed="rId4"/>
           <a:stretch>
             <a:fillRect/>
           </a:stretch>
@@ -5136,36 +5261,6 @@
         <p:spPr>
           <a:xfrm>
             <a:off x="3200400" y="1074223"/>
-            <a:ext cx="2451100" cy="1765300"/>
-          </a:xfrm>
-          <a:prstGeom prst="rect">
-            <a:avLst/>
-          </a:prstGeom>
-        </p:spPr>
-      </p:pic>
-      <p:pic>
-        <p:nvPicPr>
-          <p:cNvPr id="5" name="Picture 4">
-            <a:extLst>
-              <a:ext uri="{FF2B5EF4-FFF2-40B4-BE49-F238E27FC236}">
-                <a16:creationId xmlns:a16="http://schemas.microsoft.com/office/drawing/2014/main" id="{6B273A57-92A1-EA43-AEDF-5F0976580E80}"/>
-              </a:ext>
-            </a:extLst>
-          </p:cNvPr>
-          <p:cNvPicPr>
-            <a:picLocks noChangeAspect="1"/>
-          </p:cNvPicPr>
-          <p:nvPr/>
-        </p:nvPicPr>
-        <p:blipFill>
-          <a:blip r:embed="rId4"/>
-          <a:stretch>
-            <a:fillRect/>
-          </a:stretch>
-        </p:blipFill>
-        <p:spPr>
-          <a:xfrm>
-            <a:off x="5867400" y="1226623"/>
             <a:ext cx="2451100" cy="1765300"/>
           </a:xfrm>
           <a:prstGeom prst="rect">
@@ -5293,36 +5388,6 @@
           </a:prstGeom>
         </p:spPr>
       </p:pic>
-      <p:pic>
-        <p:nvPicPr>
-          <p:cNvPr id="10" name="Picture 9">
-            <a:extLst>
-              <a:ext uri="{FF2B5EF4-FFF2-40B4-BE49-F238E27FC236}">
-                <a16:creationId xmlns:a16="http://schemas.microsoft.com/office/drawing/2014/main" id="{065C7018-A9ED-CD46-A91C-C5109B50CFE4}"/>
-              </a:ext>
-            </a:extLst>
-          </p:cNvPr>
-          <p:cNvPicPr>
-            <a:picLocks noChangeAspect="1"/>
-          </p:cNvPicPr>
-          <p:nvPr/>
-        </p:nvPicPr>
-        <p:blipFill>
-          <a:blip r:embed="rId9"/>
-          <a:stretch>
-            <a:fillRect/>
-          </a:stretch>
-        </p:blipFill>
-        <p:spPr>
-          <a:xfrm>
-            <a:off x="4171952" y="4940300"/>
-            <a:ext cx="2451100" cy="1765300"/>
-          </a:xfrm>
-          <a:prstGeom prst="rect">
-            <a:avLst/>
-          </a:prstGeom>
-        </p:spPr>
-      </p:pic>
       <p:sp>
         <p:nvSpPr>
           <p:cNvPr id="11" name="TextBox 10">
@@ -5517,7 +5582,7 @@
         </p:nvSpPr>
         <p:spPr>
           <a:xfrm>
-            <a:off x="6640937" y="1158830"/>
+            <a:off x="6872776" y="999007"/>
             <a:ext cx="1055263" cy="220193"/>
           </a:xfrm>
           <a:prstGeom prst="rect">
@@ -5780,61 +5845,6 @@
       </p:sp>
       <p:sp>
         <p:nvSpPr>
-          <p:cNvPr id="20" name="Rectangle 19">
-            <a:extLst>
-              <a:ext uri="{FF2B5EF4-FFF2-40B4-BE49-F238E27FC236}">
-                <a16:creationId xmlns:a16="http://schemas.microsoft.com/office/drawing/2014/main" id="{7B3F7CE6-9E0C-714D-A764-0C44517DBF56}"/>
-              </a:ext>
-            </a:extLst>
-          </p:cNvPr>
-          <p:cNvSpPr/>
-          <p:nvPr/>
-        </p:nvSpPr>
-        <p:spPr>
-          <a:xfrm>
-            <a:off x="4964537" y="4884223"/>
-            <a:ext cx="1055263" cy="220193"/>
-          </a:xfrm>
-          <a:prstGeom prst="rect">
-            <a:avLst/>
-          </a:prstGeom>
-          <a:solidFill>
-            <a:schemeClr val="bg1"/>
-          </a:solidFill>
-          <a:ln>
-            <a:noFill/>
-          </a:ln>
-          <a:effectLst>
-            <a:outerShdw dist="23000" sx="1000" sy="1000" rotWithShape="0">
-              <a:srgbClr val="000000"/>
-            </a:outerShdw>
-          </a:effectLst>
-        </p:spPr>
-        <p:style>
-          <a:lnRef idx="1">
-            <a:schemeClr val="accent1"/>
-          </a:lnRef>
-          <a:fillRef idx="3">
-            <a:schemeClr val="accent1"/>
-          </a:fillRef>
-          <a:effectRef idx="2">
-            <a:schemeClr val="accent1"/>
-          </a:effectRef>
-          <a:fontRef idx="minor">
-            <a:schemeClr val="lt1"/>
-          </a:fontRef>
-        </p:style>
-        <p:txBody>
-          <a:bodyPr rtlCol="0" anchor="ctr"/>
-          <a:lstStyle/>
-          <a:p>
-            <a:pPr algn="ctr"/>
-            <a:endParaRPr lang="en-US"/>
-          </a:p>
-        </p:txBody>
-      </p:sp>
-      <p:sp>
-        <p:nvSpPr>
           <p:cNvPr id="21" name="TextBox 20">
             <a:extLst>
               <a:ext uri="{FF2B5EF4-FFF2-40B4-BE49-F238E27FC236}">
@@ -5847,7 +5857,7 @@
         </p:nvSpPr>
         <p:spPr>
           <a:xfrm>
-            <a:off x="6705600" y="1565058"/>
+            <a:off x="6874452" y="1595735"/>
             <a:ext cx="356188" cy="461665"/>
           </a:xfrm>
           <a:prstGeom prst="rect">
@@ -6010,41 +6020,6 @@
       </p:sp>
       <p:sp>
         <p:nvSpPr>
-          <p:cNvPr id="26" name="TextBox 25">
-            <a:extLst>
-              <a:ext uri="{FF2B5EF4-FFF2-40B4-BE49-F238E27FC236}">
-                <a16:creationId xmlns:a16="http://schemas.microsoft.com/office/drawing/2014/main" id="{C79BF320-391F-6F48-BCB8-96EAEC786C33}"/>
-              </a:ext>
-            </a:extLst>
-          </p:cNvPr>
-          <p:cNvSpPr txBox="1"/>
-          <p:nvPr/>
-        </p:nvSpPr>
-        <p:spPr>
-          <a:xfrm>
-            <a:off x="5130212" y="5489358"/>
-            <a:ext cx="356188" cy="461665"/>
-          </a:xfrm>
-          <a:prstGeom prst="rect">
-            <a:avLst/>
-          </a:prstGeom>
-          <a:noFill/>
-        </p:spPr>
-        <p:txBody>
-          <a:bodyPr wrap="none" rtlCol="0">
-            <a:spAutoFit/>
-          </a:bodyPr>
-          <a:lstStyle/>
-          <a:p>
-            <a:r>
-              <a:rPr lang="en-US" sz="2400" dirty="0"/>
-              <a:t>8</a:t>
-            </a:r>
-          </a:p>
-        </p:txBody>
-      </p:sp>
-      <p:sp>
-        <p:nvSpPr>
           <p:cNvPr id="27" name="TextBox 26">
             <a:extLst>
               <a:ext uri="{FF2B5EF4-FFF2-40B4-BE49-F238E27FC236}">
@@ -6078,6 +6053,147 @@
           </a:p>
         </p:txBody>
       </p:sp>
+      <p:grpSp>
+        <p:nvGrpSpPr>
+          <p:cNvPr id="29" name="Group 28">
+            <a:extLst>
+              <a:ext uri="{FF2B5EF4-FFF2-40B4-BE49-F238E27FC236}">
+                <a16:creationId xmlns:a16="http://schemas.microsoft.com/office/drawing/2014/main" id="{102E712E-9E41-0B40-AFF3-33A756F62C26}"/>
+              </a:ext>
+            </a:extLst>
+          </p:cNvPr>
+          <p:cNvGrpSpPr/>
+          <p:nvPr/>
+        </p:nvGrpSpPr>
+        <p:grpSpPr>
+          <a:xfrm>
+            <a:off x="4266101" y="4905137"/>
+            <a:ext cx="2451100" cy="1844137"/>
+            <a:chOff x="6488537" y="4807622"/>
+            <a:chExt cx="2451100" cy="1844137"/>
+          </a:xfrm>
+        </p:grpSpPr>
+        <p:pic>
+          <p:nvPicPr>
+            <p:cNvPr id="28" name="Picture 27">
+              <a:extLst>
+                <a:ext uri="{FF2B5EF4-FFF2-40B4-BE49-F238E27FC236}">
+                  <a16:creationId xmlns:a16="http://schemas.microsoft.com/office/drawing/2014/main" id="{B78CB542-A77C-1C4B-BFD3-26968040E67A}"/>
+                </a:ext>
+              </a:extLst>
+            </p:cNvPr>
+            <p:cNvPicPr>
+              <a:picLocks noChangeAspect="1"/>
+            </p:cNvPicPr>
+            <p:nvPr/>
+          </p:nvPicPr>
+          <p:blipFill>
+            <a:blip r:embed="rId9"/>
+            <a:stretch>
+              <a:fillRect/>
+            </a:stretch>
+          </p:blipFill>
+          <p:spPr>
+            <a:xfrm>
+              <a:off x="6488537" y="4886459"/>
+              <a:ext cx="2451100" cy="1765300"/>
+            </a:xfrm>
+            <a:prstGeom prst="rect">
+              <a:avLst/>
+            </a:prstGeom>
+          </p:spPr>
+        </p:pic>
+        <p:sp>
+          <p:nvSpPr>
+            <p:cNvPr id="26" name="TextBox 25">
+              <a:extLst>
+                <a:ext uri="{FF2B5EF4-FFF2-40B4-BE49-F238E27FC236}">
+                  <a16:creationId xmlns:a16="http://schemas.microsoft.com/office/drawing/2014/main" id="{C79BF320-391F-6F48-BCB8-96EAEC786C33}"/>
+                </a:ext>
+              </a:extLst>
+            </p:cNvPr>
+            <p:cNvSpPr txBox="1"/>
+            <p:nvPr/>
+          </p:nvSpPr>
+          <p:spPr>
+            <a:xfrm>
+              <a:off x="7575290" y="5415152"/>
+              <a:ext cx="356188" cy="461665"/>
+            </a:xfrm>
+            <a:prstGeom prst="rect">
+              <a:avLst/>
+            </a:prstGeom>
+            <a:noFill/>
+          </p:spPr>
+          <p:txBody>
+            <a:bodyPr wrap="none" rtlCol="0">
+              <a:spAutoFit/>
+            </a:bodyPr>
+            <a:lstStyle/>
+            <a:p>
+              <a:r>
+                <a:rPr lang="en-US" sz="2400" dirty="0"/>
+                <a:t>8</a:t>
+              </a:r>
+            </a:p>
+          </p:txBody>
+        </p:sp>
+        <p:sp>
+          <p:nvSpPr>
+            <p:cNvPr id="20" name="Rectangle 19">
+              <a:extLst>
+                <a:ext uri="{FF2B5EF4-FFF2-40B4-BE49-F238E27FC236}">
+                  <a16:creationId xmlns:a16="http://schemas.microsoft.com/office/drawing/2014/main" id="{7B3F7CE6-9E0C-714D-A764-0C44517DBF56}"/>
+                </a:ext>
+              </a:extLst>
+            </p:cNvPr>
+            <p:cNvSpPr/>
+            <p:nvPr/>
+          </p:nvSpPr>
+          <p:spPr>
+            <a:xfrm>
+              <a:off x="7187037" y="4807622"/>
+              <a:ext cx="1055263" cy="220193"/>
+            </a:xfrm>
+            <a:prstGeom prst="rect">
+              <a:avLst/>
+            </a:prstGeom>
+            <a:solidFill>
+              <a:schemeClr val="bg1"/>
+            </a:solidFill>
+            <a:ln>
+              <a:noFill/>
+            </a:ln>
+            <a:effectLst>
+              <a:outerShdw dist="23000" sx="1000" sy="1000" rotWithShape="0">
+                <a:srgbClr val="000000"/>
+              </a:outerShdw>
+            </a:effectLst>
+          </p:spPr>
+          <p:style>
+            <a:lnRef idx="1">
+              <a:schemeClr val="accent1"/>
+            </a:lnRef>
+            <a:fillRef idx="3">
+              <a:schemeClr val="accent1"/>
+            </a:fillRef>
+            <a:effectRef idx="2">
+              <a:schemeClr val="accent1"/>
+            </a:effectRef>
+            <a:fontRef idx="minor">
+              <a:schemeClr val="lt1"/>
+            </a:fontRef>
+          </p:style>
+          <p:txBody>
+            <a:bodyPr rtlCol="0" anchor="ctr"/>
+            <a:lstStyle/>
+            <a:p>
+              <a:pPr algn="ctr"/>
+              <a:endParaRPr lang="en-US"/>
+            </a:p>
+          </p:txBody>
+        </p:sp>
+      </p:grpSp>
     </p:spTree>
     <p:extLst>
       <p:ext uri="{BB962C8B-B14F-4D97-AF65-F5344CB8AC3E}">
@@ -6110,6 +6226,189 @@
       </p:grpSpPr>
       <p:sp>
         <p:nvSpPr>
+          <p:cNvPr id="6" name="Title 5">
+            <a:extLst>
+              <a:ext uri="{FF2B5EF4-FFF2-40B4-BE49-F238E27FC236}">
+                <a16:creationId xmlns:a16="http://schemas.microsoft.com/office/drawing/2014/main" id="{8BA620C6-DCA9-4445-95E2-294310B89767}"/>
+              </a:ext>
+            </a:extLst>
+          </p:cNvPr>
+          <p:cNvSpPr>
+            <a:spLocks noGrp="1"/>
+          </p:cNvSpPr>
+          <p:nvPr>
+            <p:ph type="title"/>
+          </p:nvPr>
+        </p:nvSpPr>
+        <p:spPr/>
+        <p:txBody>
+          <a:bodyPr/>
+          <a:lstStyle/>
+          <a:p>
+            <a:r>
+              <a:rPr lang="en-US" dirty="0"/>
+              <a:t>Model Performance</a:t>
+            </a:r>
+          </a:p>
+        </p:txBody>
+      </p:sp>
+      <p:sp>
+        <p:nvSpPr>
+          <p:cNvPr id="2" name="Slide Number Placeholder 1">
+            <a:extLst>
+              <a:ext uri="{FF2B5EF4-FFF2-40B4-BE49-F238E27FC236}">
+                <a16:creationId xmlns:a16="http://schemas.microsoft.com/office/drawing/2014/main" id="{9C7495A4-F778-6D42-A338-7710249ADA11}"/>
+              </a:ext>
+            </a:extLst>
+          </p:cNvPr>
+          <p:cNvSpPr>
+            <a:spLocks noGrp="1"/>
+          </p:cNvSpPr>
+          <p:nvPr>
+            <p:ph type="sldNum" sz="quarter" idx="11"/>
+          </p:nvPr>
+        </p:nvSpPr>
+        <p:spPr/>
+        <p:txBody>
+          <a:bodyPr/>
+          <a:lstStyle/>
+          <a:p>
+            <a:pPr>
+              <a:defRPr/>
+            </a:pPr>
+            <a:fld id="{21F96DF4-0A1C-4FFD-A010-55DAD04D9A67}" type="slidenum">
+              <a:rPr lang="en-US" altLang="x-none" smtClean="0"/>
+              <a:pPr>
+                <a:defRPr/>
+              </a:pPr>
+              <a:t>11</a:t>
+            </a:fld>
+            <a:endParaRPr lang="en-US" altLang="x-none"/>
+          </a:p>
+        </p:txBody>
+      </p:sp>
+      <p:pic>
+        <p:nvPicPr>
+          <p:cNvPr id="3" name="Picture 2">
+            <a:extLst>
+              <a:ext uri="{FF2B5EF4-FFF2-40B4-BE49-F238E27FC236}">
+                <a16:creationId xmlns:a16="http://schemas.microsoft.com/office/drawing/2014/main" id="{14B610E3-DC06-ED47-9EA3-C9036E0DD8A3}"/>
+              </a:ext>
+            </a:extLst>
+          </p:cNvPr>
+          <p:cNvPicPr>
+            <a:picLocks noChangeAspect="1"/>
+          </p:cNvPicPr>
+          <p:nvPr/>
+        </p:nvPicPr>
+        <p:blipFill>
+          <a:blip r:embed="rId2"/>
+          <a:stretch>
+            <a:fillRect/>
+          </a:stretch>
+        </p:blipFill>
+        <p:spPr>
+          <a:xfrm>
+            <a:off x="330200" y="1981746"/>
+            <a:ext cx="2565400" cy="1917154"/>
+          </a:xfrm>
+          <a:prstGeom prst="rect">
+            <a:avLst/>
+          </a:prstGeom>
+        </p:spPr>
+      </p:pic>
+      <p:pic>
+        <p:nvPicPr>
+          <p:cNvPr id="4" name="Picture 3">
+            <a:extLst>
+              <a:ext uri="{FF2B5EF4-FFF2-40B4-BE49-F238E27FC236}">
+                <a16:creationId xmlns:a16="http://schemas.microsoft.com/office/drawing/2014/main" id="{53BA17AC-E39E-4143-96AD-FCAAE4F6BE4C}"/>
+              </a:ext>
+            </a:extLst>
+          </p:cNvPr>
+          <p:cNvPicPr>
+            <a:picLocks noChangeAspect="1"/>
+          </p:cNvPicPr>
+          <p:nvPr/>
+        </p:nvPicPr>
+        <p:blipFill>
+          <a:blip r:embed="rId3"/>
+          <a:stretch>
+            <a:fillRect/>
+          </a:stretch>
+        </p:blipFill>
+        <p:spPr>
+          <a:xfrm>
+            <a:off x="3289300" y="1981746"/>
+            <a:ext cx="2565400" cy="1917154"/>
+          </a:xfrm>
+          <a:prstGeom prst="rect">
+            <a:avLst/>
+          </a:prstGeom>
+        </p:spPr>
+      </p:pic>
+      <p:pic>
+        <p:nvPicPr>
+          <p:cNvPr id="5" name="Picture 4">
+            <a:extLst>
+              <a:ext uri="{FF2B5EF4-FFF2-40B4-BE49-F238E27FC236}">
+                <a16:creationId xmlns:a16="http://schemas.microsoft.com/office/drawing/2014/main" id="{EDFB7371-DEE7-5E4C-85C3-B4AAF05C09F2}"/>
+              </a:ext>
+            </a:extLst>
+          </p:cNvPr>
+          <p:cNvPicPr>
+            <a:picLocks noChangeAspect="1"/>
+          </p:cNvPicPr>
+          <p:nvPr/>
+        </p:nvPicPr>
+        <p:blipFill>
+          <a:blip r:embed="rId4"/>
+          <a:stretch>
+            <a:fillRect/>
+          </a:stretch>
+        </p:blipFill>
+        <p:spPr>
+          <a:xfrm>
+            <a:off x="6248400" y="2001927"/>
+            <a:ext cx="2565400" cy="1876793"/>
+          </a:xfrm>
+          <a:prstGeom prst="rect">
+            <a:avLst/>
+          </a:prstGeom>
+        </p:spPr>
+      </p:pic>
+    </p:spTree>
+    <p:extLst>
+      <p:ext uri="{BB962C8B-B14F-4D97-AF65-F5344CB8AC3E}">
+        <p14:creationId xmlns:p14="http://schemas.microsoft.com/office/powerpoint/2010/main" val="742998883"/>
+      </p:ext>
+    </p:extLst>
+  </p:cSld>
+  <p:clrMapOvr>
+    <a:masterClrMapping/>
+  </p:clrMapOvr>
+</p:sld>
+</file>
+
+<file path=ppt/slides/slide12.xml><?xml version="1.0" encoding="utf-8"?>
+<p:sld xmlns:a="http://schemas.openxmlformats.org/drawingml/2006/main" xmlns:r="http://schemas.openxmlformats.org/officeDocument/2006/relationships" xmlns:p="http://schemas.openxmlformats.org/presentationml/2006/main">
+  <p:cSld>
+    <p:spTree>
+      <p:nvGrpSpPr>
+        <p:cNvPr id="1" name=""/>
+        <p:cNvGrpSpPr/>
+        <p:nvPr/>
+      </p:nvGrpSpPr>
+      <p:grpSpPr>
+        <a:xfrm>
+          <a:off x="0" y="0"/>
+          <a:ext cx="0" cy="0"/>
+          <a:chOff x="0" y="0"/>
+          <a:chExt cx="0" cy="0"/>
+        </a:xfrm>
+      </p:grpSpPr>
+      <p:sp>
+        <p:nvSpPr>
           <p:cNvPr id="3" name="Title 2">
             <a:extLst>
               <a:ext uri="{FF2B5EF4-FFF2-40B4-BE49-F238E27FC236}">
@@ -6131,7 +6430,7 @@
           <a:p>
             <a:r>
               <a:rPr lang="en-US" dirty="0"/>
-              <a:t>My Experience</a:t>
+              <a:t>Lessons</a:t>
             </a:r>
           </a:p>
         </p:txBody>
@@ -6271,7 +6570,7 @@
               <a:pPr>
                 <a:defRPr/>
               </a:pPr>
-              <a:t>11</a:t>
+              <a:t>12</a:t>
             </a:fld>
             <a:endParaRPr lang="en-US" altLang="x-none"/>
           </a:p>
@@ -7435,7 +7734,7 @@
           <p:nvPr/>
         </p:nvPicPr>
         <p:blipFill>
-          <a:blip r:embed="rId2"/>
+          <a:blip r:embed="rId3"/>
           <a:stretch>
             <a:fillRect/>
           </a:stretch>
@@ -7465,14 +7764,14 @@
           <p:nvPr>
             <p:extLst>
               <p:ext uri="{D42A27DB-BD31-4B8C-83A1-F6EECF244321}">
-                <p14:modId xmlns:p14="http://schemas.microsoft.com/office/powerpoint/2010/main" val="2647428516"/>
+                <p14:modId xmlns:p14="http://schemas.microsoft.com/office/powerpoint/2010/main" val="838063240"/>
               </p:ext>
             </p:extLst>
           </p:nvPr>
         </p:nvGraphicFramePr>
         <p:xfrm>
-          <a:off x="4339750" y="1044485"/>
-          <a:ext cx="2670649" cy="3708400"/>
+          <a:off x="3810000" y="1044485"/>
+          <a:ext cx="3200400" cy="3708400"/>
         </p:xfrm>
         <a:graphic>
           <a:graphicData uri="http://schemas.openxmlformats.org/drawingml/2006/table">
@@ -7481,14 +7780,14 @@
                 <a:tableStyleId>{5C22544A-7EE6-4342-B048-85BDC9FD1C3A}</a:tableStyleId>
               </a:tblPr>
               <a:tblGrid>
-                <a:gridCol w="867961">
+                <a:gridCol w="1040130">
                   <a:extLst>
                     <a:ext uri="{9D8B030D-6E8A-4147-A177-3AD203B41FA5}">
                       <a16:colId xmlns:a16="http://schemas.microsoft.com/office/drawing/2014/main" val="4245085006"/>
                     </a:ext>
                   </a:extLst>
                 </a:gridCol>
-                <a:gridCol w="1802688">
+                <a:gridCol w="2160270">
                   <a:extLst>
                     <a:ext uri="{9D8B030D-6E8A-4147-A177-3AD203B41FA5}">
                       <a16:colId xmlns:a16="http://schemas.microsoft.com/office/drawing/2014/main" val="4042024944"/>
@@ -7583,7 +7882,7 @@
                     <a:p>
                       <a:r>
                         <a:rPr lang="en-US" dirty="0"/>
-                        <a:t>14</a:t>
+                        <a:t>15</a:t>
                       </a:r>
                     </a:p>
                   </a:txBody>
@@ -7616,7 +7915,7 @@
                     <a:p>
                       <a:r>
                         <a:rPr lang="en-US" dirty="0"/>
-                        <a:t>14</a:t>
+                        <a:t>15</a:t>
                       </a:r>
                     </a:p>
                   </a:txBody>
@@ -7649,7 +7948,7 @@
                     <a:p>
                       <a:r>
                         <a:rPr lang="en-US" dirty="0"/>
-                        <a:t>14</a:t>
+                        <a:t>15</a:t>
                       </a:r>
                     </a:p>
                   </a:txBody>
@@ -7682,7 +7981,7 @@
                     <a:p>
                       <a:r>
                         <a:rPr lang="en-US" dirty="0"/>
-                        <a:t>(16)(14) = 224</a:t>
+                        <a:t>(16)(15) = 240</a:t>
                       </a:r>
                     </a:p>
                   </a:txBody>
@@ -7748,7 +8047,7 @@
                     <a:p>
                       <a:r>
                         <a:rPr lang="en-US" dirty="0"/>
-                        <a:t>(16)(14) = 224</a:t>
+                        <a:t>(16)(15) = 240</a:t>
                       </a:r>
                     </a:p>
                   </a:txBody>
@@ -7781,7 +8080,7 @@
                     <a:p>
                       <a:r>
                         <a:rPr lang="en-US" dirty="0"/>
-                        <a:t>14</a:t>
+                        <a:t>15</a:t>
                       </a:r>
                     </a:p>
                   </a:txBody>
@@ -7814,7 +8113,7 @@
                     <a:p>
                       <a:r>
                         <a:rPr lang="en-US" dirty="0"/>
-                        <a:t>(14</a:t>
+                        <a:t>(15</a:t>
                       </a:r>
                       <a:r>
                         <a:rPr lang="en-US" baseline="30000" dirty="0"/>
@@ -7822,7 +8121,7 @@
                       </a:r>
                       <a:r>
                         <a:rPr lang="en-US" baseline="0" dirty="0"/>
-                        <a:t>)(224</a:t>
+                        <a:t>)(240</a:t>
                       </a:r>
                       <a:r>
                         <a:rPr lang="en-US" baseline="30000" dirty="0"/>
@@ -7830,7 +8129,7 @@
                       </a:r>
                       <a:r>
                         <a:rPr lang="en-US" baseline="0" dirty="0"/>
-                        <a:t>) ~ 2B</a:t>
+                        <a:t>) ~ 2.5B</a:t>
                       </a:r>
                       <a:endParaRPr lang="en-US" dirty="0"/>
                     </a:p>
@@ -8919,13 +9218,8 @@
           <a:p>
             <a:r>
               <a:rPr lang="en-US" dirty="0"/>
-              <a:t>Benefits of </a:t>
-            </a:r>
-            <a:r>
-              <a:rPr lang="en-US" dirty="0" err="1"/>
-              <a:t>Decoupleing</a:t>
-            </a:r>
-            <a:endParaRPr lang="en-US" dirty="0"/>
+              <a:t>Benefits of Decoupling</a:t>
+            </a:r>
           </a:p>
         </p:txBody>
       </p:sp>
@@ -8964,7 +9258,7 @@
             <a:pPr lvl="1"/>
             <a:r>
               <a:rPr lang="en-US" sz="2000" dirty="0"/>
-              <a:t>From 2B to 500</a:t>
+              <a:t>From 2.5B to 540</a:t>
             </a:r>
           </a:p>
           <a:p>
@@ -9026,7 +9320,7 @@
           <p:nvPr>
             <p:extLst>
               <p:ext uri="{D42A27DB-BD31-4B8C-83A1-F6EECF244321}">
-                <p14:modId xmlns:p14="http://schemas.microsoft.com/office/powerpoint/2010/main" val="3883086845"/>
+                <p14:modId xmlns:p14="http://schemas.microsoft.com/office/powerpoint/2010/main" val="2386694866"/>
               </p:ext>
             </p:extLst>
           </p:nvPr>
@@ -9144,7 +9438,7 @@
                     <a:p>
                       <a:r>
                         <a:rPr lang="en-US" dirty="0"/>
-                        <a:t>14</a:t>
+                        <a:t>15</a:t>
                       </a:r>
                     </a:p>
                   </a:txBody>
@@ -9177,7 +9471,7 @@
                     <a:p>
                       <a:r>
                         <a:rPr lang="en-US" dirty="0"/>
-                        <a:t>14</a:t>
+                        <a:t>15</a:t>
                       </a:r>
                     </a:p>
                   </a:txBody>
@@ -9210,7 +9504,7 @@
                     <a:p>
                       <a:r>
                         <a:rPr lang="en-US" dirty="0"/>
-                        <a:t>14</a:t>
+                        <a:t>15</a:t>
                       </a:r>
                     </a:p>
                   </a:txBody>
@@ -9243,7 +9537,7 @@
                     <a:p>
                       <a:r>
                         <a:rPr lang="en-US" dirty="0"/>
-                        <a:t>(16)(14) = 224</a:t>
+                        <a:t>(16)(15) = 240</a:t>
                       </a:r>
                     </a:p>
                   </a:txBody>
@@ -9309,7 +9603,7 @@
                     <a:p>
                       <a:r>
                         <a:rPr lang="en-US" dirty="0"/>
-                        <a:t>(16)(14) = 224</a:t>
+                        <a:t>(16)(15) = 240</a:t>
                       </a:r>
                     </a:p>
                   </a:txBody>
@@ -9342,7 +9636,7 @@
                     <a:p>
                       <a:r>
                         <a:rPr lang="en-US" dirty="0"/>
-                        <a:t>14</a:t>
+                        <a:t>15</a:t>
                       </a:r>
                     </a:p>
                   </a:txBody>
@@ -9375,11 +9669,11 @@
                     <a:p>
                       <a:r>
                         <a:rPr lang="en-US" dirty="0"/>
-                        <a:t>(4)(14</a:t>
+                        <a:t>(4)(15</a:t>
                       </a:r>
                       <a:r>
                         <a:rPr lang="en-US" baseline="0" dirty="0"/>
-                        <a:t>) + (2)(224) ~ 500</a:t>
+                        <a:t>) + (2)(240) = 540</a:t>
                       </a:r>
                       <a:endParaRPr lang="en-US" dirty="0"/>
                     </a:p>

--- a/ModelingGame/Summary of Approach to Modeling Game.pptx
+++ b/ModelingGame/Summary of Approach to Modeling Game.pptx
@@ -5,10 +5,10 @@
     <p:sldMasterId id="2147483648" r:id="rId1"/>
   </p:sldMasterIdLst>
   <p:notesMasterIdLst>
-    <p:notesMasterId r:id="rId14"/>
+    <p:notesMasterId r:id="rId15"/>
   </p:notesMasterIdLst>
   <p:handoutMasterIdLst>
-    <p:handoutMasterId r:id="rId15"/>
+    <p:handoutMasterId r:id="rId16"/>
   </p:handoutMasterIdLst>
   <p:sldIdLst>
     <p:sldId id="347" r:id="rId2"/>
@@ -22,7 +22,8 @@
     <p:sldId id="378" r:id="rId10"/>
     <p:sldId id="377" r:id="rId11"/>
     <p:sldId id="384" r:id="rId12"/>
-    <p:sldId id="383" r:id="rId13"/>
+    <p:sldId id="385" r:id="rId13"/>
+    <p:sldId id="383" r:id="rId14"/>
   </p:sldIdLst>
   <p:sldSz cx="9144000" cy="6858000" type="screen4x3"/>
   <p:notesSz cx="6858000" cy="9144000"/>
@@ -167,6 +168,7 @@
             <p14:sldId id="378"/>
             <p14:sldId id="377"/>
             <p14:sldId id="384"/>
+            <p14:sldId id="385"/>
             <p14:sldId id="383"/>
           </p14:sldIdLst>
         </p14:section>
@@ -6409,6 +6411,476 @@
       </p:grpSpPr>
       <p:sp>
         <p:nvSpPr>
+          <p:cNvPr id="2" name="Title 1">
+            <a:extLst>
+              <a:ext uri="{FF2B5EF4-FFF2-40B4-BE49-F238E27FC236}">
+                <a16:creationId xmlns:a16="http://schemas.microsoft.com/office/drawing/2014/main" id="{2B53138F-5D11-9649-BBEF-3AC35BB08B9B}"/>
+              </a:ext>
+            </a:extLst>
+          </p:cNvPr>
+          <p:cNvSpPr>
+            <a:spLocks noGrp="1"/>
+          </p:cNvSpPr>
+          <p:nvPr>
+            <p:ph type="title"/>
+          </p:nvPr>
+        </p:nvSpPr>
+        <p:spPr/>
+        <p:txBody>
+          <a:bodyPr/>
+          <a:lstStyle/>
+          <a:p>
+            <a:r>
+              <a:rPr lang="en-US" dirty="0"/>
+              <a:t>Stress Test</a:t>
+            </a:r>
+          </a:p>
+        </p:txBody>
+      </p:sp>
+      <p:sp>
+        <p:nvSpPr>
+          <p:cNvPr id="3" name="Slide Number Placeholder 2">
+            <a:extLst>
+              <a:ext uri="{FF2B5EF4-FFF2-40B4-BE49-F238E27FC236}">
+                <a16:creationId xmlns:a16="http://schemas.microsoft.com/office/drawing/2014/main" id="{3E5526DE-DCF1-4D4E-9CEC-F2958C24A6F2}"/>
+              </a:ext>
+            </a:extLst>
+          </p:cNvPr>
+          <p:cNvSpPr>
+            <a:spLocks noGrp="1"/>
+          </p:cNvSpPr>
+          <p:nvPr>
+            <p:ph type="sldNum" sz="quarter" idx="11"/>
+          </p:nvPr>
+        </p:nvSpPr>
+        <p:spPr/>
+        <p:txBody>
+          <a:bodyPr/>
+          <a:lstStyle/>
+          <a:p>
+            <a:pPr>
+              <a:defRPr/>
+            </a:pPr>
+            <a:fld id="{2E4304A7-0FB2-4094-BC1E-DB17183AD0C1}" type="slidenum">
+              <a:rPr lang="en-US" altLang="x-none" smtClean="0"/>
+              <a:pPr>
+                <a:defRPr/>
+              </a:pPr>
+              <a:t>12</a:t>
+            </a:fld>
+            <a:endParaRPr lang="en-US" altLang="x-none"/>
+          </a:p>
+        </p:txBody>
+      </p:sp>
+      <p:pic>
+        <p:nvPicPr>
+          <p:cNvPr id="4" name="Picture 3">
+            <a:extLst>
+              <a:ext uri="{FF2B5EF4-FFF2-40B4-BE49-F238E27FC236}">
+                <a16:creationId xmlns:a16="http://schemas.microsoft.com/office/drawing/2014/main" id="{3D4F65DE-DCB7-DA4C-AFE9-706F5F2C7BA7}"/>
+              </a:ext>
+            </a:extLst>
+          </p:cNvPr>
+          <p:cNvPicPr>
+            <a:picLocks noChangeAspect="1"/>
+          </p:cNvPicPr>
+          <p:nvPr/>
+        </p:nvPicPr>
+        <p:blipFill>
+          <a:blip r:embed="rId2"/>
+          <a:stretch>
+            <a:fillRect/>
+          </a:stretch>
+        </p:blipFill>
+        <p:spPr>
+          <a:xfrm>
+            <a:off x="2971800" y="1930400"/>
+            <a:ext cx="3530600" cy="3530600"/>
+          </a:xfrm>
+          <a:prstGeom prst="rect">
+            <a:avLst/>
+          </a:prstGeom>
+        </p:spPr>
+      </p:pic>
+      <p:pic>
+        <p:nvPicPr>
+          <p:cNvPr id="5" name="Picture 4">
+            <a:extLst>
+              <a:ext uri="{FF2B5EF4-FFF2-40B4-BE49-F238E27FC236}">
+                <a16:creationId xmlns:a16="http://schemas.microsoft.com/office/drawing/2014/main" id="{5433DEE0-D049-A34C-8A6B-ECF6F281C606}"/>
+              </a:ext>
+            </a:extLst>
+          </p:cNvPr>
+          <p:cNvPicPr>
+            <a:picLocks noChangeAspect="1"/>
+          </p:cNvPicPr>
+          <p:nvPr/>
+        </p:nvPicPr>
+        <p:blipFill>
+          <a:blip r:embed="rId3"/>
+          <a:stretch>
+            <a:fillRect/>
+          </a:stretch>
+        </p:blipFill>
+        <p:spPr>
+          <a:xfrm>
+            <a:off x="609600" y="2590800"/>
+            <a:ext cx="2705100" cy="1803400"/>
+          </a:xfrm>
+          <a:prstGeom prst="rect">
+            <a:avLst/>
+          </a:prstGeom>
+        </p:spPr>
+      </p:pic>
+      <p:pic>
+        <p:nvPicPr>
+          <p:cNvPr id="6" name="Picture 5">
+            <a:extLst>
+              <a:ext uri="{FF2B5EF4-FFF2-40B4-BE49-F238E27FC236}">
+                <a16:creationId xmlns:a16="http://schemas.microsoft.com/office/drawing/2014/main" id="{A4189262-6B74-E245-B1C4-2AE59DBE6D55}"/>
+              </a:ext>
+            </a:extLst>
+          </p:cNvPr>
+          <p:cNvPicPr>
+            <a:picLocks noChangeAspect="1"/>
+          </p:cNvPicPr>
+          <p:nvPr/>
+        </p:nvPicPr>
+        <p:blipFill>
+          <a:blip r:embed="rId3"/>
+          <a:stretch>
+            <a:fillRect/>
+          </a:stretch>
+        </p:blipFill>
+        <p:spPr>
+          <a:xfrm>
+            <a:off x="6096000" y="2616558"/>
+            <a:ext cx="2705100" cy="1803400"/>
+          </a:xfrm>
+          <a:prstGeom prst="rect">
+            <a:avLst/>
+          </a:prstGeom>
+        </p:spPr>
+      </p:pic>
+      <p:sp>
+        <p:nvSpPr>
+          <p:cNvPr id="7" name="TextBox 6">
+            <a:extLst>
+              <a:ext uri="{FF2B5EF4-FFF2-40B4-BE49-F238E27FC236}">
+                <a16:creationId xmlns:a16="http://schemas.microsoft.com/office/drawing/2014/main" id="{5C7D27A5-9582-AD48-92E2-BDD410032E00}"/>
+              </a:ext>
+            </a:extLst>
+          </p:cNvPr>
+          <p:cNvSpPr txBox="1"/>
+          <p:nvPr/>
+        </p:nvSpPr>
+        <p:spPr>
+          <a:xfrm>
+            <a:off x="914400" y="2069068"/>
+            <a:ext cx="2287806" cy="369332"/>
+          </a:xfrm>
+          <a:prstGeom prst="rect">
+            <a:avLst/>
+          </a:prstGeom>
+          <a:noFill/>
+        </p:spPr>
+        <p:txBody>
+          <a:bodyPr wrap="none" rtlCol="0">
+            <a:spAutoFit/>
+          </a:bodyPr>
+          <a:lstStyle/>
+          <a:p>
+            <a:r>
+              <a:rPr lang="en-US" dirty="0"/>
+              <a:t>Without Perturbation</a:t>
+            </a:r>
+          </a:p>
+        </p:txBody>
+      </p:sp>
+      <p:sp>
+        <p:nvSpPr>
+          <p:cNvPr id="8" name="TextBox 7">
+            <a:extLst>
+              <a:ext uri="{FF2B5EF4-FFF2-40B4-BE49-F238E27FC236}">
+                <a16:creationId xmlns:a16="http://schemas.microsoft.com/office/drawing/2014/main" id="{E48B93D8-4C6C-D847-B57A-F7B0A4FBBFA5}"/>
+              </a:ext>
+            </a:extLst>
+          </p:cNvPr>
+          <p:cNvSpPr txBox="1"/>
+          <p:nvPr/>
+        </p:nvSpPr>
+        <p:spPr>
+          <a:xfrm>
+            <a:off x="6304647" y="2069068"/>
+            <a:ext cx="1967205" cy="369332"/>
+          </a:xfrm>
+          <a:prstGeom prst="rect">
+            <a:avLst/>
+          </a:prstGeom>
+          <a:noFill/>
+        </p:spPr>
+        <p:txBody>
+          <a:bodyPr wrap="none" rtlCol="0">
+            <a:spAutoFit/>
+          </a:bodyPr>
+          <a:lstStyle/>
+          <a:p>
+            <a:r>
+              <a:rPr lang="en-US" dirty="0"/>
+              <a:t>With Perturbation</a:t>
+            </a:r>
+          </a:p>
+        </p:txBody>
+      </p:sp>
+      <p:sp>
+        <p:nvSpPr>
+          <p:cNvPr id="9" name="TextBox 8">
+            <a:extLst>
+              <a:ext uri="{FF2B5EF4-FFF2-40B4-BE49-F238E27FC236}">
+                <a16:creationId xmlns:a16="http://schemas.microsoft.com/office/drawing/2014/main" id="{645993A6-BB84-224E-9FAE-69D2C0C64D8A}"/>
+              </a:ext>
+            </a:extLst>
+          </p:cNvPr>
+          <p:cNvSpPr txBox="1"/>
+          <p:nvPr/>
+        </p:nvSpPr>
+        <p:spPr>
+          <a:xfrm>
+            <a:off x="6945848" y="2644170"/>
+            <a:ext cx="1005403" cy="1569660"/>
+          </a:xfrm>
+          <a:prstGeom prst="rect">
+            <a:avLst/>
+          </a:prstGeom>
+          <a:noFill/>
+        </p:spPr>
+        <p:txBody>
+          <a:bodyPr wrap="none" rtlCol="0">
+            <a:spAutoFit/>
+          </a:bodyPr>
+          <a:lstStyle/>
+          <a:p>
+            <a:r>
+              <a:rPr lang="en-US" sz="9600" b="1" dirty="0">
+                <a:solidFill>
+                  <a:srgbClr val="FF0000"/>
+                </a:solidFill>
+              </a:rPr>
+              <a:t>X</a:t>
+            </a:r>
+          </a:p>
+        </p:txBody>
+      </p:sp>
+    </p:spTree>
+    <p:extLst>
+      <p:ext uri="{BB962C8B-B14F-4D97-AF65-F5344CB8AC3E}">
+        <p14:creationId xmlns:p14="http://schemas.microsoft.com/office/powerpoint/2010/main" val="1713878150"/>
+      </p:ext>
+    </p:extLst>
+  </p:cSld>
+  <p:clrMapOvr>
+    <a:masterClrMapping/>
+  </p:clrMapOvr>
+  <p:timing>
+    <p:tnLst>
+      <p:par>
+        <p:cTn id="1" dur="indefinite" restart="never" nodeType="tmRoot">
+          <p:childTnLst>
+            <p:seq concurrent="1" nextAc="seek">
+              <p:cTn id="2" dur="indefinite" nodeType="mainSeq">
+                <p:childTnLst>
+                  <p:par>
+                    <p:cTn id="3" fill="hold">
+                      <p:stCondLst>
+                        <p:cond delay="indefinite"/>
+                      </p:stCondLst>
+                      <p:childTnLst>
+                        <p:par>
+                          <p:cTn id="4" fill="hold">
+                            <p:stCondLst>
+                              <p:cond delay="0"/>
+                            </p:stCondLst>
+                            <p:childTnLst>
+                              <p:par>
+                                <p:cTn id="5" presetID="1" presetClass="entr" presetSubtype="0" fill="hold" grpId="0" nodeType="clickEffect">
+                                  <p:stCondLst>
+                                    <p:cond delay="0"/>
+                                  </p:stCondLst>
+                                  <p:childTnLst>
+                                    <p:set>
+                                      <p:cBhvr>
+                                        <p:cTn id="6" dur="1" fill="hold">
+                                          <p:stCondLst>
+                                            <p:cond delay="0"/>
+                                          </p:stCondLst>
+                                        </p:cTn>
+                                        <p:tgtEl>
+                                          <p:spTgt spid="8"/>
+                                        </p:tgtEl>
+                                        <p:attrNameLst>
+                                          <p:attrName>style.visibility</p:attrName>
+                                        </p:attrNameLst>
+                                      </p:cBhvr>
+                                      <p:to>
+                                        <p:strVal val="visible"/>
+                                      </p:to>
+                                    </p:set>
+                                  </p:childTnLst>
+                                </p:cTn>
+                              </p:par>
+                              <p:par>
+                                <p:cTn id="7" presetID="1" presetClass="entr" presetSubtype="0" fill="hold" nodeType="withEffect">
+                                  <p:stCondLst>
+                                    <p:cond delay="0"/>
+                                  </p:stCondLst>
+                                  <p:childTnLst>
+                                    <p:set>
+                                      <p:cBhvr>
+                                        <p:cTn id="8" dur="1" fill="hold">
+                                          <p:stCondLst>
+                                            <p:cond delay="0"/>
+                                          </p:stCondLst>
+                                        </p:cTn>
+                                        <p:tgtEl>
+                                          <p:spTgt spid="6"/>
+                                        </p:tgtEl>
+                                        <p:attrNameLst>
+                                          <p:attrName>style.visibility</p:attrName>
+                                        </p:attrNameLst>
+                                      </p:cBhvr>
+                                      <p:to>
+                                        <p:strVal val="visible"/>
+                                      </p:to>
+                                    </p:set>
+                                  </p:childTnLst>
+                                </p:cTn>
+                              </p:par>
+                            </p:childTnLst>
+                          </p:cTn>
+                        </p:par>
+                      </p:childTnLst>
+                    </p:cTn>
+                  </p:par>
+                  <p:par>
+                    <p:cTn id="9" fill="hold">
+                      <p:stCondLst>
+                        <p:cond delay="indefinite"/>
+                      </p:stCondLst>
+                      <p:childTnLst>
+                        <p:par>
+                          <p:cTn id="10" fill="hold">
+                            <p:stCondLst>
+                              <p:cond delay="0"/>
+                            </p:stCondLst>
+                            <p:childTnLst>
+                              <p:par>
+                                <p:cTn id="11" presetID="1" presetClass="entr" presetSubtype="0" fill="hold" nodeType="clickEffect">
+                                  <p:stCondLst>
+                                    <p:cond delay="0"/>
+                                  </p:stCondLst>
+                                  <p:childTnLst>
+                                    <p:set>
+                                      <p:cBhvr>
+                                        <p:cTn id="12" dur="1" fill="hold">
+                                          <p:stCondLst>
+                                            <p:cond delay="0"/>
+                                          </p:stCondLst>
+                                        </p:cTn>
+                                        <p:tgtEl>
+                                          <p:spTgt spid="4"/>
+                                        </p:tgtEl>
+                                        <p:attrNameLst>
+                                          <p:attrName>style.visibility</p:attrName>
+                                        </p:attrNameLst>
+                                      </p:cBhvr>
+                                      <p:to>
+                                        <p:strVal val="visible"/>
+                                      </p:to>
+                                    </p:set>
+                                  </p:childTnLst>
+                                </p:cTn>
+                              </p:par>
+                              <p:par>
+                                <p:cTn id="13" presetID="1" presetClass="entr" presetSubtype="0" fill="hold" grpId="0" nodeType="withEffect">
+                                  <p:stCondLst>
+                                    <p:cond delay="0"/>
+                                  </p:stCondLst>
+                                  <p:childTnLst>
+                                    <p:set>
+                                      <p:cBhvr>
+                                        <p:cTn id="14" dur="1" fill="hold">
+                                          <p:stCondLst>
+                                            <p:cond delay="0"/>
+                                          </p:stCondLst>
+                                        </p:cTn>
+                                        <p:tgtEl>
+                                          <p:spTgt spid="9"/>
+                                        </p:tgtEl>
+                                        <p:attrNameLst>
+                                          <p:attrName>style.visibility</p:attrName>
+                                        </p:attrNameLst>
+                                      </p:cBhvr>
+                                      <p:to>
+                                        <p:strVal val="visible"/>
+                                      </p:to>
+                                    </p:set>
+                                  </p:childTnLst>
+                                </p:cTn>
+                              </p:par>
+                            </p:childTnLst>
+                          </p:cTn>
+                        </p:par>
+                      </p:childTnLst>
+                    </p:cTn>
+                  </p:par>
+                </p:childTnLst>
+              </p:cTn>
+              <p:prevCondLst>
+                <p:cond evt="onPrev" delay="0">
+                  <p:tgtEl>
+                    <p:sldTgt/>
+                  </p:tgtEl>
+                </p:cond>
+              </p:prevCondLst>
+              <p:nextCondLst>
+                <p:cond evt="onNext" delay="0">
+                  <p:tgtEl>
+                    <p:sldTgt/>
+                  </p:tgtEl>
+                </p:cond>
+              </p:nextCondLst>
+            </p:seq>
+          </p:childTnLst>
+        </p:cTn>
+      </p:par>
+    </p:tnLst>
+    <p:bldLst>
+      <p:bldP spid="8" grpId="0"/>
+      <p:bldP spid="9" grpId="0"/>
+    </p:bldLst>
+  </p:timing>
+</p:sld>
+</file>
+
+<file path=ppt/slides/slide13.xml><?xml version="1.0" encoding="utf-8"?>
+<p:sld xmlns:a="http://schemas.openxmlformats.org/drawingml/2006/main" xmlns:r="http://schemas.openxmlformats.org/officeDocument/2006/relationships" xmlns:p="http://schemas.openxmlformats.org/presentationml/2006/main">
+  <p:cSld>
+    <p:spTree>
+      <p:nvGrpSpPr>
+        <p:cNvPr id="1" name=""/>
+        <p:cNvGrpSpPr/>
+        <p:nvPr/>
+      </p:nvGrpSpPr>
+      <p:grpSpPr>
+        <a:xfrm>
+          <a:off x="0" y="0"/>
+          <a:ext cx="0" cy="0"/>
+          <a:chOff x="0" y="0"/>
+          <a:chExt cx="0" cy="0"/>
+        </a:xfrm>
+      </p:grpSpPr>
+      <p:sp>
+        <p:nvSpPr>
           <p:cNvPr id="3" name="Title 2">
             <a:extLst>
               <a:ext uri="{FF2B5EF4-FFF2-40B4-BE49-F238E27FC236}">
@@ -6570,7 +7042,7 @@
               <a:pPr>
                 <a:defRPr/>
               </a:pPr>
-              <a:t>12</a:t>
+              <a:t>13</a:t>
             </a:fld>
             <a:endParaRPr lang="en-US" altLang="x-none"/>
           </a:p>
@@ -6929,8 +7401,8 @@
         </p:blipFill>
         <p:spPr>
           <a:xfrm>
-            <a:off x="6858000" y="371341"/>
-            <a:ext cx="2126301" cy="2421492"/>
+            <a:off x="4374729" y="1101144"/>
+            <a:ext cx="4424599" cy="5038859"/>
           </a:xfrm>
           <a:prstGeom prst="rect">
             <a:avLst/>
@@ -7014,7 +7486,7 @@
         </p:nvSpPr>
         <p:spPr>
           <a:xfrm>
-            <a:off x="1066800" y="2913618"/>
+            <a:off x="1066800" y="838200"/>
             <a:ext cx="2800767" cy="369332"/>
           </a:xfrm>
           <a:prstGeom prst="rect">
@@ -7057,7 +7529,7 @@
         </p:blipFill>
         <p:spPr>
           <a:xfrm>
-            <a:off x="685799" y="3439558"/>
+            <a:off x="685799" y="1143000"/>
             <a:ext cx="3338973" cy="2351642"/>
           </a:xfrm>
           <a:prstGeom prst="rect">
@@ -7087,7 +7559,7 @@
         </p:blipFill>
         <p:spPr>
           <a:xfrm>
-            <a:off x="5096109" y="3439558"/>
+            <a:off x="810344" y="4155520"/>
             <a:ext cx="3313677" cy="2351642"/>
           </a:xfrm>
           <a:prstGeom prst="rect">
@@ -7109,7 +7581,7 @@
         </p:nvSpPr>
         <p:spPr>
           <a:xfrm>
-            <a:off x="5635441" y="2989818"/>
+            <a:off x="1134405" y="3786188"/>
             <a:ext cx="2441759" cy="369332"/>
           </a:xfrm>
           <a:prstGeom prst="rect">
@@ -7140,184 +7612,6 @@
   <p:clrMapOvr>
     <a:masterClrMapping/>
   </p:clrMapOvr>
-  <p:timing>
-    <p:tnLst>
-      <p:par>
-        <p:cTn id="1" dur="indefinite" restart="never" nodeType="tmRoot">
-          <p:childTnLst>
-            <p:seq concurrent="1" nextAc="seek">
-              <p:cTn id="2" dur="indefinite" nodeType="mainSeq">
-                <p:childTnLst>
-                  <p:par>
-                    <p:cTn id="3" fill="hold">
-                      <p:stCondLst>
-                        <p:cond delay="indefinite"/>
-                      </p:stCondLst>
-                      <p:childTnLst>
-                        <p:par>
-                          <p:cTn id="4" fill="hold">
-                            <p:stCondLst>
-                              <p:cond delay="0"/>
-                            </p:stCondLst>
-                            <p:childTnLst>
-                              <p:par>
-                                <p:cTn id="5" presetID="1" presetClass="entr" presetSubtype="0" fill="hold" grpId="0" nodeType="clickEffect">
-                                  <p:stCondLst>
-                                    <p:cond delay="0"/>
-                                  </p:stCondLst>
-                                  <p:childTnLst>
-                                    <p:set>
-                                      <p:cBhvr>
-                                        <p:cTn id="6" dur="1" fill="hold">
-                                          <p:stCondLst>
-                                            <p:cond delay="0"/>
-                                          </p:stCondLst>
-                                        </p:cTn>
-                                        <p:tgtEl>
-                                          <p:spTgt spid="6"/>
-                                        </p:tgtEl>
-                                        <p:attrNameLst>
-                                          <p:attrName>style.visibility</p:attrName>
-                                        </p:attrNameLst>
-                                      </p:cBhvr>
-                                      <p:to>
-                                        <p:strVal val="visible"/>
-                                      </p:to>
-                                    </p:set>
-                                  </p:childTnLst>
-                                </p:cTn>
-                              </p:par>
-                              <p:par>
-                                <p:cTn id="7" presetID="1" presetClass="entr" presetSubtype="0" fill="hold" nodeType="withEffect">
-                                  <p:stCondLst>
-                                    <p:cond delay="0"/>
-                                  </p:stCondLst>
-                                  <p:childTnLst>
-                                    <p:set>
-                                      <p:cBhvr>
-                                        <p:cTn id="8" dur="1" fill="hold">
-                                          <p:stCondLst>
-                                            <p:cond delay="0"/>
-                                          </p:stCondLst>
-                                        </p:cTn>
-                                        <p:tgtEl>
-                                          <p:spTgt spid="7"/>
-                                        </p:tgtEl>
-                                        <p:attrNameLst>
-                                          <p:attrName>style.visibility</p:attrName>
-                                        </p:attrNameLst>
-                                      </p:cBhvr>
-                                      <p:to>
-                                        <p:strVal val="visible"/>
-                                      </p:to>
-                                    </p:set>
-                                  </p:childTnLst>
-                                </p:cTn>
-                              </p:par>
-                            </p:childTnLst>
-                          </p:cTn>
-                        </p:par>
-                      </p:childTnLst>
-                    </p:cTn>
-                  </p:par>
-                  <p:par>
-                    <p:cTn id="9" fill="hold">
-                      <p:stCondLst>
-                        <p:cond delay="indefinite"/>
-                      </p:stCondLst>
-                      <p:childTnLst>
-                        <p:par>
-                          <p:cTn id="10" fill="hold">
-                            <p:stCondLst>
-                              <p:cond delay="0"/>
-                            </p:stCondLst>
-                            <p:childTnLst>
-                              <p:par>
-                                <p:cTn id="11" presetID="1" presetClass="entr" presetSubtype="0" fill="hold" nodeType="clickEffect">
-                                  <p:stCondLst>
-                                    <p:cond delay="0"/>
-                                  </p:stCondLst>
-                                  <p:childTnLst>
-                                    <p:set>
-                                      <p:cBhvr>
-                                        <p:cTn id="12" dur="1" fill="hold">
-                                          <p:stCondLst>
-                                            <p:cond delay="0"/>
-                                          </p:stCondLst>
-                                        </p:cTn>
-                                        <p:tgtEl>
-                                          <p:spTgt spid="8"/>
-                                        </p:tgtEl>
-                                        <p:attrNameLst>
-                                          <p:attrName>style.visibility</p:attrName>
-                                        </p:attrNameLst>
-                                      </p:cBhvr>
-                                      <p:to>
-                                        <p:strVal val="visible"/>
-                                      </p:to>
-                                    </p:set>
-                                  </p:childTnLst>
-                                </p:cTn>
-                              </p:par>
-                              <p:par>
-                                <p:cTn id="13" presetID="1" presetClass="entr" presetSubtype="0" fill="hold" grpId="0" nodeType="withEffect">
-                                  <p:stCondLst>
-                                    <p:cond delay="0"/>
-                                  </p:stCondLst>
-                                  <p:childTnLst>
-                                    <p:set>
-                                      <p:cBhvr>
-                                        <p:cTn id="14" dur="1" fill="hold">
-                                          <p:stCondLst>
-                                            <p:cond delay="0"/>
-                                          </p:stCondLst>
-                                        </p:cTn>
-                                        <p:tgtEl>
-                                          <p:spTgt spid="9"/>
-                                        </p:tgtEl>
-                                        <p:attrNameLst>
-                                          <p:attrName>style.visibility</p:attrName>
-                                        </p:attrNameLst>
-                                      </p:cBhvr>
-                                      <p:to>
-                                        <p:strVal val="visible"/>
-                                      </p:to>
-                                    </p:set>
-                                  </p:childTnLst>
-                                </p:cTn>
-                              </p:par>
-                            </p:childTnLst>
-                          </p:cTn>
-                        </p:par>
-                      </p:childTnLst>
-                    </p:cTn>
-                  </p:par>
-                </p:childTnLst>
-              </p:cTn>
-              <p:prevCondLst>
-                <p:cond evt="onPrev" delay="0">
-                  <p:tgtEl>
-                    <p:sldTgt/>
-                  </p:tgtEl>
-                </p:cond>
-              </p:prevCondLst>
-              <p:nextCondLst>
-                <p:cond evt="onNext" delay="0">
-                  <p:tgtEl>
-                    <p:sldTgt/>
-                  </p:tgtEl>
-                </p:cond>
-              </p:nextCondLst>
-            </p:seq>
-          </p:childTnLst>
-        </p:cTn>
-      </p:par>
-    </p:tnLst>
-    <p:bldLst>
-      <p:bldP spid="6" grpId="0"/>
-      <p:bldP spid="9" grpId="0"/>
-    </p:bldLst>
-  </p:timing>
 </p:sld>
 </file>
 
@@ -7361,7 +7655,7 @@
           <a:p>
             <a:r>
               <a:rPr lang="en-US" dirty="0"/>
-              <a:t>Problem Statement</a:t>
+              <a:t>Objective</a:t>
             </a:r>
           </a:p>
         </p:txBody>
@@ -9978,7 +10272,13 @@
           </a:p>
           <a:p>
             <a:r>
-              <a:rPr lang="en-US" sz="2400" dirty="0"/>
+              <a:rPr lang="en-US" sz="2400" dirty="0">
+                <a:solidFill>
+                  <a:schemeClr val="bg1">
+                    <a:lumMod val="85000"/>
+                  </a:schemeClr>
+                </a:solidFill>
+              </a:rPr>
               <a:t>Use the above parameter estimates as a starting point for a full optimization of the simulation model.</a:t>
             </a:r>
           </a:p>

--- a/ModelingGame/Summary of Approach to Modeling Game.pptx
+++ b/ModelingGame/Summary of Approach to Modeling Game.pptx
@@ -5,10 +5,10 @@
     <p:sldMasterId id="2147483648" r:id="rId1"/>
   </p:sldMasterIdLst>
   <p:notesMasterIdLst>
-    <p:notesMasterId r:id="rId15"/>
+    <p:notesMasterId r:id="rId16"/>
   </p:notesMasterIdLst>
   <p:handoutMasterIdLst>
-    <p:handoutMasterId r:id="rId16"/>
+    <p:handoutMasterId r:id="rId17"/>
   </p:handoutMasterIdLst>
   <p:sldIdLst>
     <p:sldId id="347" r:id="rId2"/>
@@ -22,8 +22,9 @@
     <p:sldId id="378" r:id="rId10"/>
     <p:sldId id="377" r:id="rId11"/>
     <p:sldId id="384" r:id="rId12"/>
-    <p:sldId id="385" r:id="rId13"/>
-    <p:sldId id="383" r:id="rId14"/>
+    <p:sldId id="387" r:id="rId13"/>
+    <p:sldId id="385" r:id="rId14"/>
+    <p:sldId id="383" r:id="rId15"/>
   </p:sldIdLst>
   <p:sldSz cx="9144000" cy="6858000" type="screen4x3"/>
   <p:notesSz cx="6858000" cy="9144000"/>
@@ -168,6 +169,7 @@
             <p14:sldId id="378"/>
             <p14:sldId id="377"/>
             <p14:sldId id="384"/>
+            <p14:sldId id="387"/>
             <p14:sldId id="385"/>
             <p14:sldId id="383"/>
           </p14:sldIdLst>
@@ -6414,6 +6416,139 @@
           <p:cNvPr id="2" name="Title 1">
             <a:extLst>
               <a:ext uri="{FF2B5EF4-FFF2-40B4-BE49-F238E27FC236}">
+                <a16:creationId xmlns:a16="http://schemas.microsoft.com/office/drawing/2014/main" id="{4A16D462-65EF-8E48-AAFE-0686BE2F3DA4}"/>
+              </a:ext>
+            </a:extLst>
+          </p:cNvPr>
+          <p:cNvSpPr>
+            <a:spLocks noGrp="1"/>
+          </p:cNvSpPr>
+          <p:nvPr>
+            <p:ph type="title"/>
+          </p:nvPr>
+        </p:nvSpPr>
+        <p:spPr/>
+        <p:txBody>
+          <a:bodyPr/>
+          <a:lstStyle/>
+          <a:p>
+            <a:r>
+              <a:rPr lang="en-US" dirty="0"/>
+              <a:t>Changes to Initial Model</a:t>
+            </a:r>
+          </a:p>
+        </p:txBody>
+      </p:sp>
+      <p:sp>
+        <p:nvSpPr>
+          <p:cNvPr id="4" name="Content Placeholder 3">
+            <a:extLst>
+              <a:ext uri="{FF2B5EF4-FFF2-40B4-BE49-F238E27FC236}">
+                <a16:creationId xmlns:a16="http://schemas.microsoft.com/office/drawing/2014/main" id="{3FCDD522-330E-FE47-A6F4-83B83C18A432}"/>
+              </a:ext>
+            </a:extLst>
+          </p:cNvPr>
+          <p:cNvSpPr>
+            <a:spLocks noGrp="1"/>
+          </p:cNvSpPr>
+          <p:nvPr>
+            <p:ph idx="1"/>
+          </p:nvPr>
+        </p:nvSpPr>
+        <p:spPr/>
+        <p:txBody>
+          <a:bodyPr/>
+          <a:lstStyle/>
+          <a:p>
+            <a:r>
+              <a:rPr lang="en-US" dirty="0"/>
+              <a:t>2 and 5 repress 4</a:t>
+            </a:r>
+          </a:p>
+          <a:p>
+            <a:r>
+              <a:rPr lang="en-US" dirty="0"/>
+              <a:t>6 activates 5</a:t>
+            </a:r>
+          </a:p>
+          <a:p>
+            <a:r>
+              <a:rPr lang="en-US" dirty="0"/>
+              <a:t>8 represses 7</a:t>
+            </a:r>
+          </a:p>
+        </p:txBody>
+      </p:sp>
+      <p:sp>
+        <p:nvSpPr>
+          <p:cNvPr id="3" name="Slide Number Placeholder 2">
+            <a:extLst>
+              <a:ext uri="{FF2B5EF4-FFF2-40B4-BE49-F238E27FC236}">
+                <a16:creationId xmlns:a16="http://schemas.microsoft.com/office/drawing/2014/main" id="{1AA9E16B-10C3-9D43-93DC-CCA7E146782B}"/>
+              </a:ext>
+            </a:extLst>
+          </p:cNvPr>
+          <p:cNvSpPr>
+            <a:spLocks noGrp="1"/>
+          </p:cNvSpPr>
+          <p:nvPr>
+            <p:ph type="sldNum" sz="quarter" idx="11"/>
+          </p:nvPr>
+        </p:nvSpPr>
+        <p:spPr/>
+        <p:txBody>
+          <a:bodyPr/>
+          <a:lstStyle/>
+          <a:p>
+            <a:pPr>
+              <a:defRPr/>
+            </a:pPr>
+            <a:fld id="{2E4304A7-0FB2-4094-BC1E-DB17183AD0C1}" type="slidenum">
+              <a:rPr lang="en-US" altLang="x-none" smtClean="0"/>
+              <a:pPr>
+                <a:defRPr/>
+              </a:pPr>
+              <a:t>12</a:t>
+            </a:fld>
+            <a:endParaRPr lang="en-US" altLang="x-none"/>
+          </a:p>
+        </p:txBody>
+      </p:sp>
+    </p:spTree>
+    <p:extLst>
+      <p:ext uri="{BB962C8B-B14F-4D97-AF65-F5344CB8AC3E}">
+        <p14:creationId xmlns:p14="http://schemas.microsoft.com/office/powerpoint/2010/main" val="567344373"/>
+      </p:ext>
+    </p:extLst>
+  </p:cSld>
+  <p:clrMapOvr>
+    <a:masterClrMapping/>
+  </p:clrMapOvr>
+</p:sld>
+</file>
+
+<file path=ppt/slides/slide13.xml><?xml version="1.0" encoding="utf-8"?>
+<p:sld xmlns:a="http://schemas.openxmlformats.org/drawingml/2006/main" xmlns:r="http://schemas.openxmlformats.org/officeDocument/2006/relationships" xmlns:p="http://schemas.openxmlformats.org/presentationml/2006/main">
+  <p:cSld>
+    <p:spTree>
+      <p:nvGrpSpPr>
+        <p:cNvPr id="1" name=""/>
+        <p:cNvGrpSpPr/>
+        <p:nvPr/>
+      </p:nvGrpSpPr>
+      <p:grpSpPr>
+        <a:xfrm>
+          <a:off x="0" y="0"/>
+          <a:ext cx="0" cy="0"/>
+          <a:chOff x="0" y="0"/>
+          <a:chExt cx="0" cy="0"/>
+        </a:xfrm>
+      </p:grpSpPr>
+      <p:sp>
+        <p:nvSpPr>
+          <p:cNvPr id="2" name="Title 1">
+            <a:extLst>
+              <a:ext uri="{FF2B5EF4-FFF2-40B4-BE49-F238E27FC236}">
                 <a16:creationId xmlns:a16="http://schemas.microsoft.com/office/drawing/2014/main" id="{2B53138F-5D11-9649-BBEF-3AC35BB08B9B}"/>
               </a:ext>
             </a:extLst>
@@ -6466,7 +6601,7 @@
               <a:pPr>
                 <a:defRPr/>
               </a:pPr>
-              <a:t>12</a:t>
+              <a:t>13</a:t>
             </a:fld>
             <a:endParaRPr lang="en-US" altLang="x-none"/>
           </a:p>
@@ -6862,7 +6997,7 @@
 </p:sld>
 </file>
 
-<file path=ppt/slides/slide13.xml><?xml version="1.0" encoding="utf-8"?>
+<file path=ppt/slides/slide14.xml><?xml version="1.0" encoding="utf-8"?>
 <p:sld xmlns:a="http://schemas.openxmlformats.org/drawingml/2006/main" xmlns:r="http://schemas.openxmlformats.org/officeDocument/2006/relationships" xmlns:p="http://schemas.openxmlformats.org/presentationml/2006/main">
   <p:cSld>
     <p:spTree>
@@ -6934,81 +7069,93 @@
           <a:lstStyle/>
           <a:p>
             <a:r>
-              <a:rPr lang="en-US" dirty="0"/>
+              <a:rPr lang="en-US" sz="2400" dirty="0"/>
               <a:t>Need an overall strategy to address the huge combinatorics</a:t>
             </a:r>
           </a:p>
           <a:p>
             <a:pPr lvl="1"/>
             <a:r>
-              <a:rPr lang="en-US" dirty="0"/>
+              <a:rPr lang="en-US" sz="2000" dirty="0"/>
               <a:t>My strategy: decouple the kinetics equations</a:t>
             </a:r>
           </a:p>
           <a:p>
             <a:r>
-              <a:rPr lang="en-US" dirty="0"/>
+              <a:rPr lang="en-US" sz="2400" dirty="0"/>
               <a:t>Need good control over parameter optimization</a:t>
             </a:r>
           </a:p>
           <a:p>
             <a:pPr lvl="1"/>
             <a:r>
-              <a:rPr lang="en-US" dirty="0"/>
+              <a:rPr lang="en-US" sz="2000" dirty="0"/>
               <a:t>Choice of objective function (used 1 – </a:t>
             </a:r>
             <a:r>
-              <a:rPr lang="en-US" i="1" dirty="0"/>
+              <a:rPr lang="en-US" sz="2000" i="1" dirty="0"/>
               <a:t>R</a:t>
             </a:r>
             <a:r>
-              <a:rPr lang="en-US" baseline="30000" dirty="0"/>
+              <a:rPr lang="en-US" sz="2000" baseline="30000" dirty="0"/>
               <a:t>2</a:t>
             </a:r>
             <a:r>
-              <a:rPr lang="en-US" dirty="0"/>
+              <a:rPr lang="en-US" sz="2000" dirty="0"/>
               <a:t>)</a:t>
             </a:r>
           </a:p>
           <a:p>
             <a:pPr lvl="1"/>
             <a:r>
-              <a:rPr lang="en-US" dirty="0"/>
+              <a:rPr lang="en-US" sz="2000" dirty="0"/>
               <a:t>Limits on number of iterations</a:t>
             </a:r>
           </a:p>
           <a:p>
             <a:r>
-              <a:rPr lang="en-US" dirty="0"/>
+              <a:rPr lang="en-US" sz="2400" dirty="0"/>
               <a:t>Visualize the data. </a:t>
             </a:r>
           </a:p>
           <a:p>
             <a:pPr lvl="1"/>
             <a:r>
-              <a:rPr lang="en-US" dirty="0"/>
+              <a:rPr lang="en-US" sz="2000" dirty="0"/>
               <a:t>Model quality metrics often fail to yield good models.</a:t>
             </a:r>
           </a:p>
           <a:p>
             <a:r>
-              <a:rPr lang="en-US" dirty="0"/>
+              <a:rPr lang="en-US" sz="2400" dirty="0"/>
               <a:t>Don’t skimp on computational tools.</a:t>
             </a:r>
           </a:p>
           <a:p>
             <a:pPr lvl="1"/>
             <a:r>
-              <a:rPr lang="en-US" dirty="0"/>
+              <a:rPr lang="en-US" sz="2000" dirty="0"/>
               <a:t>I spent much </a:t>
             </a:r>
             <a:r>
-              <a:rPr lang="en-US" i="1" dirty="0"/>
+              <a:rPr lang="en-US" sz="2000" i="1" dirty="0"/>
               <a:t>less</a:t>
             </a:r>
             <a:r>
-              <a:rPr lang="en-US" dirty="0"/>
+              <a:rPr lang="en-US" sz="2000" dirty="0"/>
               <a:t> time analyzing models than I spent writing software so that I could more rapidly analyze models</a:t>
+            </a:r>
+          </a:p>
+          <a:p>
+            <a:r>
+              <a:rPr lang="en-US" sz="2400" dirty="0"/>
+              <a:t>Limitations on accuracy without knockouts and stress tests</a:t>
+            </a:r>
+          </a:p>
+          <a:p>
+            <a:r>
+              <a:rPr lang="en-US" sz="2400" dirty="0"/>
+              <a:t>Do more with model search</a:t>
             </a:r>
           </a:p>
         </p:txBody>
@@ -7042,7 +7189,7 @@
               <a:pPr>
                 <a:defRPr/>
               </a:pPr>
-              <a:t>13</a:t>
+              <a:t>14</a:t>
             </a:fld>
             <a:endParaRPr lang="en-US" altLang="x-none"/>
           </a:p>
@@ -7317,6 +7464,148 @@
                                           <p:spTgt spid="4">
                                             <p:txEl>
                                               <p:pRg st="8" end="8"/>
+                                            </p:txEl>
+                                          </p:spTgt>
+                                        </p:tgtEl>
+                                        <p:attrNameLst>
+                                          <p:attrName>style.visibility</p:attrName>
+                                        </p:attrNameLst>
+                                      </p:cBhvr>
+                                      <p:to>
+                                        <p:strVal val="visible"/>
+                                      </p:to>
+                                    </p:set>
+                                  </p:childTnLst>
+                                </p:cTn>
+                              </p:par>
+                              <p:par>
+                                <p:cTn id="23" presetID="1" presetClass="entr" presetSubtype="0" fill="hold" nodeType="withEffect">
+                                  <p:stCondLst>
+                                    <p:cond delay="0"/>
+                                  </p:stCondLst>
+                                  <p:childTnLst>
+                                    <p:set>
+                                      <p:cBhvr>
+                                        <p:cTn id="24" dur="1" fill="hold">
+                                          <p:stCondLst>
+                                            <p:cond delay="0"/>
+                                          </p:stCondLst>
+                                        </p:cTn>
+                                        <p:tgtEl>
+                                          <p:spTgt spid="4">
+                                            <p:txEl>
+                                              <p:pRg st="9" end="9"/>
+                                            </p:txEl>
+                                          </p:spTgt>
+                                        </p:tgtEl>
+                                        <p:attrNameLst>
+                                          <p:attrName>style.visibility</p:attrName>
+                                        </p:attrNameLst>
+                                      </p:cBhvr>
+                                      <p:to>
+                                        <p:strVal val="visible"/>
+                                      </p:to>
+                                    </p:set>
+                                  </p:childTnLst>
+                                </p:cTn>
+                              </p:par>
+                              <p:par>
+                                <p:cTn id="25" presetID="1" presetClass="entr" presetSubtype="0" fill="hold" nodeType="withEffect">
+                                  <p:stCondLst>
+                                    <p:cond delay="0"/>
+                                  </p:stCondLst>
+                                  <p:childTnLst>
+                                    <p:set>
+                                      <p:cBhvr>
+                                        <p:cTn id="26" dur="1" fill="hold">
+                                          <p:stCondLst>
+                                            <p:cond delay="0"/>
+                                          </p:stCondLst>
+                                        </p:cTn>
+                                        <p:tgtEl>
+                                          <p:spTgt spid="4">
+                                            <p:txEl>
+                                              <p:pRg st="10" end="10"/>
+                                            </p:txEl>
+                                          </p:spTgt>
+                                        </p:tgtEl>
+                                        <p:attrNameLst>
+                                          <p:attrName>style.visibility</p:attrName>
+                                        </p:attrNameLst>
+                                      </p:cBhvr>
+                                      <p:to>
+                                        <p:strVal val="visible"/>
+                                      </p:to>
+                                    </p:set>
+                                  </p:childTnLst>
+                                </p:cTn>
+                              </p:par>
+                            </p:childTnLst>
+                          </p:cTn>
+                        </p:par>
+                      </p:childTnLst>
+                    </p:cTn>
+                  </p:par>
+                  <p:par>
+                    <p:cTn id="27" fill="hold">
+                      <p:stCondLst>
+                        <p:cond delay="indefinite"/>
+                      </p:stCondLst>
+                      <p:childTnLst>
+                        <p:par>
+                          <p:cTn id="28" fill="hold">
+                            <p:stCondLst>
+                              <p:cond delay="0"/>
+                            </p:stCondLst>
+                            <p:childTnLst>
+                              <p:par>
+                                <p:cTn id="29" presetID="1" presetClass="entr" presetSubtype="0" fill="hold" nodeType="clickEffect">
+                                  <p:stCondLst>
+                                    <p:cond delay="0"/>
+                                  </p:stCondLst>
+                                  <p:childTnLst>
+                                    <p:set>
+                                      <p:cBhvr>
+                                        <p:cTn id="30" dur="1" fill="hold">
+                                          <p:stCondLst>
+                                            <p:cond delay="0"/>
+                                          </p:stCondLst>
+                                        </p:cTn>
+                                        <p:tgtEl>
+                                          <p:spTgt spid="4">
+                                            <p:txEl>
+                                              <p:pRg st="9" end="9"/>
+                                            </p:txEl>
+                                          </p:spTgt>
+                                        </p:tgtEl>
+                                        <p:attrNameLst>
+                                          <p:attrName>style.visibility</p:attrName>
+                                        </p:attrNameLst>
+                                      </p:cBhvr>
+                                      <p:to>
+                                        <p:strVal val="visible"/>
+                                      </p:to>
+                                    </p:set>
+                                  </p:childTnLst>
+                                </p:cTn>
+                              </p:par>
+                              <p:par>
+                                <p:cTn id="31" presetID="1" presetClass="entr" presetSubtype="0" fill="hold" nodeType="withEffect">
+                                  <p:stCondLst>
+                                    <p:cond delay="0"/>
+                                  </p:stCondLst>
+                                  <p:childTnLst>
+                                    <p:set>
+                                      <p:cBhvr>
+                                        <p:cTn id="32" dur="1" fill="hold">
+                                          <p:stCondLst>
+                                            <p:cond delay="0"/>
+                                          </p:stCondLst>
+                                        </p:cTn>
+                                        <p:tgtEl>
+                                          <p:spTgt spid="4">
+                                            <p:txEl>
+                                              <p:pRg st="10" end="10"/>
                                             </p:txEl>
                                           </p:spTgt>
                                         </p:tgtEl>
